--- a/Venta/Venta.pptx
+++ b/Venta/Venta.pptx
@@ -5,13 +5,15 @@
     <p:sldMasterId id="2147483648" r:id="rId1"/>
   </p:sldMasterIdLst>
   <p:notesMasterIdLst>
-    <p:notesMasterId r:id="rId6"/>
+    <p:notesMasterId r:id="rId8"/>
   </p:notesMasterIdLst>
   <p:sldIdLst>
     <p:sldId id="256" r:id="rId2"/>
     <p:sldId id="259" r:id="rId3"/>
     <p:sldId id="260" r:id="rId4"/>
     <p:sldId id="262" r:id="rId5"/>
+    <p:sldId id="263" r:id="rId6"/>
+    <p:sldId id="264" r:id="rId7"/>
   </p:sldIdLst>
   <p:sldSz cx="12192000" cy="6858000"/>
   <p:notesSz cx="6858000" cy="9144000"/>
@@ -110,6 +112,11 @@
       </a:defRPr>
     </a:lvl9pPr>
   </p:defaultTextStyle>
+  <p:extLst>
+    <p:ext uri="{EFAFB233-063F-42B5-8137-9DF3F51BA10A}">
+      <p15:sldGuideLst xmlns:p15="http://schemas.microsoft.com/office/powerpoint/2012/main"/>
+    </p:ext>
+  </p:extLst>
 </p:presentation>
 </file>
 
@@ -195,7 +202,7 @@
           <a:p>
             <a:fld id="{F6E0459D-600E-4C9D-BA96-B41A94D72FE2}" type="datetimeFigureOut">
               <a:rPr lang="en-US" smtClean="0"/>
-              <a:t>1/22/2022</a:t>
+              <a:t>1/28/2022</a:t>
             </a:fld>
             <a:endParaRPr lang="en-US"/>
           </a:p>
@@ -777,7 +784,7 @@
           <a:p>
             <a:fld id="{21909CF5-E46D-4147-B02D-F6AFF6E4269E}" type="datetimeFigureOut">
               <a:rPr lang="en-US" smtClean="0"/>
-              <a:t>1/22/2022</a:t>
+              <a:t>1/28/2022</a:t>
             </a:fld>
             <a:endParaRPr lang="en-US"/>
           </a:p>
@@ -975,7 +982,7 @@
           <a:p>
             <a:fld id="{21909CF5-E46D-4147-B02D-F6AFF6E4269E}" type="datetimeFigureOut">
               <a:rPr lang="en-US" smtClean="0"/>
-              <a:t>1/22/2022</a:t>
+              <a:t>1/28/2022</a:t>
             </a:fld>
             <a:endParaRPr lang="en-US"/>
           </a:p>
@@ -1183,7 +1190,7 @@
           <a:p>
             <a:fld id="{21909CF5-E46D-4147-B02D-F6AFF6E4269E}" type="datetimeFigureOut">
               <a:rPr lang="en-US" smtClean="0"/>
-              <a:t>1/22/2022</a:t>
+              <a:t>1/28/2022</a:t>
             </a:fld>
             <a:endParaRPr lang="en-US"/>
           </a:p>
@@ -1381,7 +1388,7 @@
           <a:p>
             <a:fld id="{21909CF5-E46D-4147-B02D-F6AFF6E4269E}" type="datetimeFigureOut">
               <a:rPr lang="en-US" smtClean="0"/>
-              <a:t>1/22/2022</a:t>
+              <a:t>1/28/2022</a:t>
             </a:fld>
             <a:endParaRPr lang="en-US"/>
           </a:p>
@@ -1656,7 +1663,7 @@
           <a:p>
             <a:fld id="{21909CF5-E46D-4147-B02D-F6AFF6E4269E}" type="datetimeFigureOut">
               <a:rPr lang="en-US" smtClean="0"/>
-              <a:t>1/22/2022</a:t>
+              <a:t>1/28/2022</a:t>
             </a:fld>
             <a:endParaRPr lang="en-US"/>
           </a:p>
@@ -1921,7 +1928,7 @@
           <a:p>
             <a:fld id="{21909CF5-E46D-4147-B02D-F6AFF6E4269E}" type="datetimeFigureOut">
               <a:rPr lang="en-US" smtClean="0"/>
-              <a:t>1/22/2022</a:t>
+              <a:t>1/28/2022</a:t>
             </a:fld>
             <a:endParaRPr lang="en-US"/>
           </a:p>
@@ -2333,7 +2340,7 @@
           <a:p>
             <a:fld id="{21909CF5-E46D-4147-B02D-F6AFF6E4269E}" type="datetimeFigureOut">
               <a:rPr lang="en-US" smtClean="0"/>
-              <a:t>1/22/2022</a:t>
+              <a:t>1/28/2022</a:t>
             </a:fld>
             <a:endParaRPr lang="en-US"/>
           </a:p>
@@ -2474,7 +2481,7 @@
           <a:p>
             <a:fld id="{21909CF5-E46D-4147-B02D-F6AFF6E4269E}" type="datetimeFigureOut">
               <a:rPr lang="en-US" smtClean="0"/>
-              <a:t>1/22/2022</a:t>
+              <a:t>1/28/2022</a:t>
             </a:fld>
             <a:endParaRPr lang="en-US"/>
           </a:p>
@@ -2587,7 +2594,7 @@
           <a:p>
             <a:fld id="{21909CF5-E46D-4147-B02D-F6AFF6E4269E}" type="datetimeFigureOut">
               <a:rPr lang="en-US" smtClean="0"/>
-              <a:t>1/22/2022</a:t>
+              <a:t>1/28/2022</a:t>
             </a:fld>
             <a:endParaRPr lang="en-US"/>
           </a:p>
@@ -2898,7 +2905,7 @@
           <a:p>
             <a:fld id="{21909CF5-E46D-4147-B02D-F6AFF6E4269E}" type="datetimeFigureOut">
               <a:rPr lang="en-US" smtClean="0"/>
-              <a:t>1/22/2022</a:t>
+              <a:t>1/28/2022</a:t>
             </a:fld>
             <a:endParaRPr lang="en-US"/>
           </a:p>
@@ -3186,7 +3193,7 @@
           <a:p>
             <a:fld id="{21909CF5-E46D-4147-B02D-F6AFF6E4269E}" type="datetimeFigureOut">
               <a:rPr lang="en-US" smtClean="0"/>
-              <a:t>1/22/2022</a:t>
+              <a:t>1/28/2022</a:t>
             </a:fld>
             <a:endParaRPr lang="en-US"/>
           </a:p>
@@ -3427,7 +3434,7 @@
           <a:p>
             <a:fld id="{21909CF5-E46D-4147-B02D-F6AFF6E4269E}" type="datetimeFigureOut">
               <a:rPr lang="en-US" smtClean="0"/>
-              <a:t>1/22/2022</a:t>
+              <a:t>1/28/2022</a:t>
             </a:fld>
             <a:endParaRPr lang="en-US"/>
           </a:p>
@@ -3925,14 +3932,14 @@
           <p:nvPr>
             <p:extLst>
               <p:ext uri="{D42A27DB-BD31-4B8C-83A1-F6EECF244321}">
-                <p14:modId xmlns:p14="http://schemas.microsoft.com/office/powerpoint/2010/main" val="2777487608"/>
+                <p14:modId xmlns:p14="http://schemas.microsoft.com/office/powerpoint/2010/main" val="2090918501"/>
               </p:ext>
             </p:extLst>
           </p:nvPr>
         </p:nvGraphicFramePr>
         <p:xfrm>
-          <a:off x="920684" y="1841455"/>
-          <a:ext cx="10350631" cy="4516120"/>
+          <a:off x="989815" y="1066105"/>
+          <a:ext cx="10350631" cy="5273040"/>
         </p:xfrm>
         <a:graphic>
           <a:graphicData uri="http://schemas.openxmlformats.org/drawingml/2006/table">
@@ -3941,35 +3948,42 @@
                 <a:tableStyleId>{5C22544A-7EE6-4342-B048-85BDC9FD1C3A}</a:tableStyleId>
               </a:tblPr>
               <a:tblGrid>
-                <a:gridCol w="2103071">
+                <a:gridCol w="1724363">
                   <a:extLst>
                     <a:ext uri="{9D8B030D-6E8A-4147-A177-3AD203B41FA5}">
                       <a16:colId xmlns:a16="http://schemas.microsoft.com/office/drawing/2014/main" val="2453949999"/>
                     </a:ext>
                   </a:extLst>
                 </a:gridCol>
-                <a:gridCol w="897796">
+                <a:gridCol w="804877">
                   <a:extLst>
                     <a:ext uri="{9D8B030D-6E8A-4147-A177-3AD203B41FA5}">
                       <a16:colId xmlns:a16="http://schemas.microsoft.com/office/drawing/2014/main" val="1418635443"/>
                     </a:ext>
                   </a:extLst>
                 </a:gridCol>
-                <a:gridCol w="1593129">
+                <a:gridCol w="1237498">
                   <a:extLst>
                     <a:ext uri="{9D8B030D-6E8A-4147-A177-3AD203B41FA5}">
                       <a16:colId xmlns:a16="http://schemas.microsoft.com/office/drawing/2014/main" val="2304563387"/>
                     </a:ext>
                   </a:extLst>
                 </a:gridCol>
-                <a:gridCol w="2273225">
+                <a:gridCol w="1863877">
                   <a:extLst>
                     <a:ext uri="{9D8B030D-6E8A-4147-A177-3AD203B41FA5}">
                       <a16:colId xmlns:a16="http://schemas.microsoft.com/office/drawing/2014/main" val="1090998298"/>
                     </a:ext>
                   </a:extLst>
                 </a:gridCol>
-                <a:gridCol w="3483410">
+                <a:gridCol w="1863877">
+                  <a:extLst>
+                    <a:ext uri="{9D8B030D-6E8A-4147-A177-3AD203B41FA5}">
+                      <a16:colId xmlns:a16="http://schemas.microsoft.com/office/drawing/2014/main" val="4076407818"/>
+                    </a:ext>
+                  </a:extLst>
+                </a:gridCol>
+                <a:gridCol w="2856139">
                   <a:extLst>
                     <a:ext uri="{9D8B030D-6E8A-4147-A177-3AD203B41FA5}">
                       <a16:colId xmlns:a16="http://schemas.microsoft.com/office/drawing/2014/main" val="4149390096"/>
@@ -3984,7 +3998,7 @@
                     <a:lstStyle/>
                     <a:p>
                       <a:r>
-                        <a:rPr lang="en-US" dirty="0"/>
+                        <a:rPr lang="en-US" sz="1600" dirty="0"/>
                         <a:t>Name</a:t>
                       </a:r>
                     </a:p>
@@ -3997,7 +4011,7 @@
                     <a:lstStyle/>
                     <a:p>
                       <a:r>
-                        <a:rPr lang="en-US" dirty="0"/>
+                        <a:rPr lang="en-US" sz="1600" dirty="0"/>
                         <a:t>Voltage</a:t>
                       </a:r>
                     </a:p>
@@ -4010,7 +4024,7 @@
                     <a:lstStyle/>
                     <a:p>
                       <a:r>
-                        <a:rPr lang="en-US" dirty="0"/>
+                        <a:rPr lang="en-US" sz="1600" dirty="0"/>
                         <a:t>Current mA</a:t>
                       </a:r>
                     </a:p>
@@ -4023,7 +4037,7 @@
                     <a:lstStyle/>
                     <a:p>
                       <a:r>
-                        <a:rPr lang="en-US" dirty="0"/>
+                        <a:rPr lang="en-US" sz="1600" dirty="0"/>
                         <a:t>Pinout</a:t>
                       </a:r>
                     </a:p>
@@ -4036,7 +4050,20 @@
                     <a:lstStyle/>
                     <a:p>
                       <a:r>
-                        <a:rPr lang="en-US" dirty="0"/>
+                        <a:rPr lang="en-US" sz="1600" dirty="0"/>
+                        <a:t>Upper case wires</a:t>
+                      </a:r>
+                    </a:p>
+                  </a:txBody>
+                  <a:tcPr/>
+                </a:tc>
+                <a:tc>
+                  <a:txBody>
+                    <a:bodyPr/>
+                    <a:lstStyle/>
+                    <a:p>
+                      <a:r>
+                        <a:rPr lang="en-US" sz="1600" dirty="0"/>
                         <a:t>Info</a:t>
                       </a:r>
                     </a:p>
@@ -4056,12 +4083,12 @@
                     <a:lstStyle/>
                     <a:p>
                       <a:r>
-                        <a:rPr lang="en-US" b="0" dirty="0">
+                        <a:rPr lang="en-US" sz="1600" b="0" dirty="0">
                           <a:hlinkClick r:id="rId2"/>
                         </a:rPr>
                         <a:t>Active buzzer</a:t>
                       </a:r>
-                      <a:endParaRPr lang="en-US" b="0" dirty="0"/>
+                      <a:endParaRPr lang="en-US" sz="1600" b="0" dirty="0"/>
                     </a:p>
                   </a:txBody>
                   <a:tcPr/>
@@ -4073,7 +4100,7 @@
                     <a:p>
                       <a:pPr algn="r"/>
                       <a:r>
-                        <a:rPr lang="en-US" sz="1800" b="0" i="0" kern="1200" dirty="0">
+                        <a:rPr lang="en-US" sz="1600" b="0" i="0" kern="1200" dirty="0">
                           <a:solidFill>
                             <a:schemeClr val="dk1"/>
                           </a:solidFill>
@@ -4084,7 +4111,7 @@
                         </a:rPr>
                         <a:t>3.5-5.5</a:t>
                       </a:r>
-                      <a:endParaRPr lang="en-US" dirty="0"/>
+                      <a:endParaRPr lang="en-US" sz="1600" dirty="0"/>
                     </a:p>
                   </a:txBody>
                   <a:tcPr/>
@@ -4096,7 +4123,7 @@
                     <a:p>
                       <a:pPr algn="r"/>
                       <a:r>
-                        <a:rPr lang="en-US" sz="1800" b="0" i="0" kern="1200" dirty="0">
+                        <a:rPr lang="en-US" sz="1600" b="0" i="0" kern="1200" dirty="0">
                           <a:solidFill>
                             <a:schemeClr val="dk1"/>
                           </a:solidFill>
@@ -4107,7 +4134,7 @@
                         </a:rPr>
                         <a:t>30</a:t>
                       </a:r>
-                      <a:endParaRPr lang="en-US" dirty="0"/>
+                      <a:endParaRPr lang="en-US" sz="1600" dirty="0"/>
                     </a:p>
                   </a:txBody>
                   <a:tcPr/>
@@ -4118,7 +4145,7 @@
                     <a:lstStyle/>
                     <a:p>
                       <a:r>
-                        <a:rPr lang="en-US" dirty="0"/>
+                        <a:rPr lang="en-US" sz="1600" dirty="0"/>
                         <a:t>12</a:t>
                       </a:r>
                     </a:p>
@@ -4130,7 +4157,17 @@
                     <a:bodyPr/>
                     <a:lstStyle/>
                     <a:p>
-                      <a:endParaRPr lang="en-US"/>
+                      <a:endParaRPr lang="en-US" sz="1600" dirty="0"/>
+                    </a:p>
+                  </a:txBody>
+                  <a:tcPr/>
+                </a:tc>
+                <a:tc>
+                  <a:txBody>
+                    <a:bodyPr/>
+                    <a:lstStyle/>
+                    <a:p>
+                      <a:endParaRPr lang="en-US" sz="1600"/>
                     </a:p>
                   </a:txBody>
                   <a:tcPr/>
@@ -4148,12 +4185,12 @@
                     <a:lstStyle/>
                     <a:p>
                       <a:r>
-                        <a:rPr lang="en-US" dirty="0">
+                        <a:rPr lang="en-US" sz="1600" dirty="0">
                           <a:hlinkClick r:id="rId3"/>
                         </a:rPr>
                         <a:t>IR Receiver</a:t>
                       </a:r>
-                      <a:endParaRPr lang="en-US" dirty="0"/>
+                      <a:endParaRPr lang="en-US" sz="1600" dirty="0"/>
                     </a:p>
                   </a:txBody>
                   <a:tcPr/>
@@ -4165,7 +4202,7 @@
                     <a:p>
                       <a:pPr algn="r"/>
                       <a:r>
-                        <a:rPr lang="en-US" dirty="0"/>
+                        <a:rPr lang="en-US" sz="1600" dirty="0"/>
                         <a:t>2.5-5.5</a:t>
                       </a:r>
                     </a:p>
@@ -4179,7 +4216,7 @@
                     <a:p>
                       <a:pPr algn="r"/>
                       <a:r>
-                        <a:rPr lang="en-US" dirty="0"/>
+                        <a:rPr lang="en-US" sz="1600" dirty="0"/>
                         <a:t>0.35</a:t>
                       </a:r>
                     </a:p>
@@ -4192,7 +4229,7 @@
                     <a:lstStyle/>
                     <a:p>
                       <a:r>
-                        <a:rPr lang="en-US" dirty="0"/>
+                        <a:rPr lang="en-US" sz="1600" dirty="0"/>
                         <a:t>2</a:t>
                       </a:r>
                     </a:p>
@@ -4204,7 +4241,17 @@
                     <a:bodyPr/>
                     <a:lstStyle/>
                     <a:p>
-                      <a:endParaRPr lang="en-US"/>
+                      <a:endParaRPr lang="en-US" sz="1600" dirty="0"/>
+                    </a:p>
+                  </a:txBody>
+                  <a:tcPr/>
+                </a:tc>
+                <a:tc>
+                  <a:txBody>
+                    <a:bodyPr/>
+                    <a:lstStyle/>
+                    <a:p>
+                      <a:endParaRPr lang="en-US" sz="1600"/>
                     </a:p>
                   </a:txBody>
                   <a:tcPr/>
@@ -4222,12 +4269,12 @@
                     <a:lstStyle/>
                     <a:p>
                       <a:r>
-                        <a:rPr lang="en-US" dirty="0">
+                        <a:rPr lang="en-US" sz="1600" dirty="0">
                           <a:hlinkClick r:id="rId4"/>
                         </a:rPr>
                         <a:t>DS3231 RTC</a:t>
                       </a:r>
-                      <a:endParaRPr lang="en-US" dirty="0"/>
+                      <a:endParaRPr lang="en-US" sz="1600" dirty="0"/>
                     </a:p>
                   </a:txBody>
                   <a:tcPr/>
@@ -4239,7 +4286,7 @@
                     <a:p>
                       <a:pPr algn="r"/>
                       <a:r>
-                        <a:rPr lang="en-US" dirty="0"/>
+                        <a:rPr lang="en-US" sz="1600" dirty="0"/>
                         <a:t>2.3-5.5</a:t>
                       </a:r>
                     </a:p>
@@ -4253,7 +4300,7 @@
                     <a:p>
                       <a:pPr algn="r"/>
                       <a:r>
-                        <a:rPr lang="en-US" dirty="0"/>
+                        <a:rPr lang="en-US" sz="1600" dirty="0"/>
                         <a:t>0.5</a:t>
                       </a:r>
                     </a:p>
@@ -4266,13 +4313,13 @@
                     <a:lstStyle/>
                     <a:p>
                       <a:r>
-                        <a:rPr lang="en-US" dirty="0"/>
+                        <a:rPr lang="en-US" sz="1600" dirty="0"/>
                         <a:t>I2C (SDA=20, SCL=21)</a:t>
                       </a:r>
                     </a:p>
                     <a:p>
                       <a:r>
-                        <a:rPr lang="en-US" dirty="0"/>
+                        <a:rPr lang="en-US" sz="1600" dirty="0"/>
                         <a:t>1 Hz ticker pin = 7</a:t>
                       </a:r>
                     </a:p>
@@ -4284,7 +4331,17 @@
                     <a:bodyPr/>
                     <a:lstStyle/>
                     <a:p>
-                      <a:endParaRPr lang="en-US"/>
+                      <a:endParaRPr lang="en-US" sz="1600" dirty="0"/>
+                    </a:p>
+                  </a:txBody>
+                  <a:tcPr/>
+                </a:tc>
+                <a:tc>
+                  <a:txBody>
+                    <a:bodyPr/>
+                    <a:lstStyle/>
+                    <a:p>
+                      <a:endParaRPr lang="en-US" sz="1600"/>
                     </a:p>
                   </a:txBody>
                   <a:tcPr/>
@@ -4302,12 +4359,12 @@
                     <a:lstStyle/>
                     <a:p>
                       <a:r>
-                        <a:rPr lang="en-US" dirty="0">
+                        <a:rPr lang="en-US" sz="1600" dirty="0">
                           <a:hlinkClick r:id="rId5"/>
                         </a:rPr>
                         <a:t>RGB led</a:t>
                       </a:r>
-                      <a:endParaRPr lang="en-US" dirty="0"/>
+                      <a:endParaRPr lang="en-US" sz="1600" dirty="0"/>
                     </a:p>
                   </a:txBody>
                   <a:tcPr/>
@@ -4318,7 +4375,7 @@
                     <a:lstStyle/>
                     <a:p>
                       <a:pPr algn="r"/>
-                      <a:endParaRPr lang="en-US" dirty="0"/>
+                      <a:endParaRPr lang="en-US" sz="1600" dirty="0"/>
                     </a:p>
                   </a:txBody>
                   <a:tcPr/>
@@ -4330,7 +4387,7 @@
                     <a:p>
                       <a:pPr algn="r"/>
                       <a:r>
-                        <a:rPr lang="en-US" dirty="0"/>
+                        <a:rPr lang="en-US" sz="1600" dirty="0"/>
                         <a:t>20</a:t>
                       </a:r>
                     </a:p>
@@ -4343,7 +4400,7 @@
                     <a:lstStyle/>
                     <a:p>
                       <a:r>
-                        <a:rPr lang="en-US" dirty="0"/>
+                        <a:rPr lang="en-US" sz="1600" dirty="0"/>
                         <a:t>R(11), G(10), B(9)</a:t>
                       </a:r>
                     </a:p>
@@ -4355,8 +4412,18 @@
                     <a:bodyPr/>
                     <a:lstStyle/>
                     <a:p>
+                      <a:endParaRPr lang="en-US" sz="1600" dirty="0"/>
+                    </a:p>
+                  </a:txBody>
+                  <a:tcPr/>
+                </a:tc>
+                <a:tc>
+                  <a:txBody>
+                    <a:bodyPr/>
+                    <a:lstStyle/>
+                    <a:p>
                       <a:r>
-                        <a:rPr lang="en-US" dirty="0"/>
+                        <a:rPr lang="en-US" sz="1600" dirty="0"/>
                         <a:t>Resistor 220 ohm * 3</a:t>
                       </a:r>
                     </a:p>
@@ -4376,7 +4443,7 @@
                     <a:lstStyle/>
                     <a:p>
                       <a:r>
-                        <a:rPr lang="en-US" dirty="0"/>
+                        <a:rPr lang="en-US" sz="1600" dirty="0"/>
                         <a:t>Push button</a:t>
                       </a:r>
                     </a:p>
@@ -4389,7 +4456,7 @@
                     <a:lstStyle/>
                     <a:p>
                       <a:pPr algn="r"/>
-                      <a:endParaRPr lang="en-US" dirty="0"/>
+                      <a:endParaRPr lang="en-US" sz="1600" dirty="0"/>
                     </a:p>
                   </a:txBody>
                   <a:tcPr/>
@@ -4400,7 +4467,7 @@
                     <a:lstStyle/>
                     <a:p>
                       <a:pPr algn="r"/>
-                      <a:endParaRPr lang="en-US" dirty="0"/>
+                      <a:endParaRPr lang="en-US" sz="1600" dirty="0"/>
                     </a:p>
                   </a:txBody>
                   <a:tcPr/>
@@ -4411,7 +4478,7 @@
                     <a:lstStyle/>
                     <a:p>
                       <a:r>
-                        <a:rPr lang="en-US" dirty="0"/>
+                        <a:rPr lang="en-US" sz="1600" dirty="0"/>
                         <a:t>6</a:t>
                       </a:r>
                     </a:p>
@@ -4424,7 +4491,20 @@
                     <a:lstStyle/>
                     <a:p>
                       <a:r>
-                        <a:rPr lang="en-US" dirty="0"/>
+                        <a:rPr lang="en-US" sz="1600" dirty="0"/>
+                        <a:t>1</a:t>
+                      </a:r>
+                    </a:p>
+                  </a:txBody>
+                  <a:tcPr/>
+                </a:tc>
+                <a:tc>
+                  <a:txBody>
+                    <a:bodyPr/>
+                    <a:lstStyle/>
+                    <a:p>
+                      <a:r>
+                        <a:rPr lang="en-US" sz="1600" dirty="0"/>
                         <a:t>PULLUP</a:t>
                       </a:r>
                     </a:p>
@@ -4461,7 +4541,7 @@
                         <a:defRPr/>
                       </a:pPr>
                       <a:r>
-                        <a:rPr lang="en-US" sz="1800" b="0" i="0" kern="1200" dirty="0">
+                        <a:rPr lang="en-US" sz="1600" b="0" i="0" kern="1200" dirty="0">
                           <a:solidFill>
                             <a:schemeClr val="dk1"/>
                           </a:solidFill>
@@ -4476,12 +4556,12 @@
                     </a:p>
                     <a:p>
                       <a:r>
-                        <a:rPr lang="en-US" dirty="0">
+                        <a:rPr lang="en-US" sz="1600" dirty="0">
                           <a:hlinkClick r:id="rId6"/>
                         </a:rPr>
                         <a:t>Clock digital display</a:t>
                       </a:r>
-                      <a:endParaRPr lang="en-US" dirty="0"/>
+                      <a:endParaRPr lang="en-US" sz="1600" dirty="0"/>
                     </a:p>
                   </a:txBody>
                   <a:tcPr/>
@@ -4493,7 +4573,7 @@
                     <a:p>
                       <a:pPr algn="r"/>
                       <a:r>
-                        <a:rPr lang="en-US" dirty="0"/>
+                        <a:rPr lang="en-US" sz="1600" dirty="0"/>
                         <a:t>5</a:t>
                       </a:r>
                     </a:p>
@@ -4507,7 +4587,7 @@
                     <a:p>
                       <a:pPr algn="r"/>
                       <a:r>
-                        <a:rPr lang="en-US" dirty="0"/>
+                        <a:rPr lang="en-US" sz="1600" dirty="0"/>
                         <a:t>80</a:t>
                       </a:r>
                     </a:p>
@@ -4520,7 +4600,7 @@
                     <a:lstStyle/>
                     <a:p>
                       <a:r>
-                        <a:rPr lang="en-US" dirty="0">
+                        <a:rPr lang="en-US" sz="1600" dirty="0">
                           <a:solidFill>
                             <a:srgbClr val="373737"/>
                           </a:solidFill>
@@ -4528,7 +4608,7 @@
                         </a:rPr>
                         <a:t>CLK=4, DIO=5</a:t>
                       </a:r>
-                      <a:endParaRPr lang="en-US" dirty="0"/>
+                      <a:endParaRPr lang="en-US" sz="1600" dirty="0"/>
                     </a:p>
                   </a:txBody>
                   <a:tcPr/>
@@ -4538,7 +4618,20 @@
                     <a:bodyPr/>
                     <a:lstStyle/>
                     <a:p>
-                      <a:endParaRPr lang="en-US" dirty="0"/>
+                      <a:r>
+                        <a:rPr lang="en-US" sz="1600" dirty="0"/>
+                        <a:t>2</a:t>
+                      </a:r>
+                    </a:p>
+                  </a:txBody>
+                  <a:tcPr/>
+                </a:tc>
+                <a:tc>
+                  <a:txBody>
+                    <a:bodyPr/>
+                    <a:lstStyle/>
+                    <a:p>
+                      <a:endParaRPr lang="en-US" sz="1600" dirty="0"/>
                     </a:p>
                   </a:txBody>
                   <a:tcPr/>
@@ -4573,7 +4666,7 @@
                         <a:defRPr/>
                       </a:pPr>
                       <a:r>
-                        <a:rPr lang="en-US" sz="1800" b="0" i="0" kern="1200" dirty="0">
+                        <a:rPr lang="en-US" sz="1600" b="0" i="0" kern="1200" dirty="0">
                           <a:solidFill>
                             <a:schemeClr val="dk1"/>
                           </a:solidFill>
@@ -4587,7 +4680,7 @@
                     </a:p>
                     <a:p>
                       <a:r>
-                        <a:rPr lang="en-US" dirty="0"/>
+                        <a:rPr lang="en-US" sz="1600" dirty="0"/>
                         <a:t>LCD display</a:t>
                       </a:r>
                     </a:p>
@@ -4601,7 +4694,7 @@
                     <a:p>
                       <a:pPr algn="r"/>
                       <a:r>
-                        <a:rPr lang="en-US" dirty="0"/>
+                        <a:rPr lang="en-US" sz="1600" dirty="0"/>
                         <a:t>4.7-5.3</a:t>
                       </a:r>
                     </a:p>
@@ -4631,7 +4724,7 @@
                         <a:defRPr/>
                       </a:pPr>
                       <a:r>
-                        <a:rPr lang="en-US" dirty="0"/>
+                        <a:rPr lang="en-US" sz="1600" dirty="0"/>
                         <a:t>21</a:t>
                       </a:r>
                     </a:p>
@@ -4661,7 +4754,7 @@
                         <a:defRPr/>
                       </a:pPr>
                       <a:r>
-                        <a:rPr lang="en-US" dirty="0"/>
+                        <a:rPr lang="en-US" sz="1600" dirty="0"/>
                         <a:t>I2C (SDA=20, SCL=21)</a:t>
                       </a:r>
                     </a:p>
@@ -4673,7 +4766,37 @@
                     <a:bodyPr/>
                     <a:lstStyle/>
                     <a:p>
-                      <a:endParaRPr lang="en-US" dirty="0"/>
+                      <a:pPr marL="0" marR="0" lvl="0" indent="0" algn="l" defTabSz="914400" rtl="0" eaLnBrk="1" fontAlgn="auto" latinLnBrk="0" hangingPunct="1">
+                        <a:lnSpc>
+                          <a:spcPct val="100000"/>
+                        </a:lnSpc>
+                        <a:spcBef>
+                          <a:spcPts val="0"/>
+                        </a:spcBef>
+                        <a:spcAft>
+                          <a:spcPts val="0"/>
+                        </a:spcAft>
+                        <a:buClrTx/>
+                        <a:buSzTx/>
+                        <a:buFontTx/>
+                        <a:buNone/>
+                        <a:tabLst/>
+                        <a:defRPr/>
+                      </a:pPr>
+                      <a:r>
+                        <a:rPr lang="en-US" sz="1600" dirty="0"/>
+                        <a:t>I2C (2)</a:t>
+                      </a:r>
+                    </a:p>
+                  </a:txBody>
+                  <a:tcPr/>
+                </a:tc>
+                <a:tc>
+                  <a:txBody>
+                    <a:bodyPr/>
+                    <a:lstStyle/>
+                    <a:p>
+                      <a:endParaRPr lang="en-US" sz="1600" dirty="0"/>
                     </a:p>
                   </a:txBody>
                   <a:tcPr/>
@@ -4685,6 +4808,16 @@
                 </a:extLst>
               </a:tr>
               <a:tr h="370840">
+                <a:tc>
+                  <a:txBody>
+                    <a:bodyPr/>
+                    <a:lstStyle/>
+                    <a:p>
+                      <a:endParaRPr lang="en-US" dirty="0"/>
+                    </a:p>
+                  </a:txBody>
+                  <a:tcPr/>
+                </a:tc>
                 <a:tc>
                   <a:txBody>
                     <a:bodyPr/>
@@ -4792,6 +4925,16 @@
                   </a:txBody>
                   <a:tcPr/>
                 </a:tc>
+                <a:tc>
+                  <a:txBody>
+                    <a:bodyPr/>
+                    <a:lstStyle/>
+                    <a:p>
+                      <a:endParaRPr lang="en-US" dirty="0"/>
+                    </a:p>
+                  </a:txBody>
+                  <a:tcPr/>
+                </a:tc>
                 <a:extLst>
                   <a:ext uri="{0D108BD9-81ED-4DB2-BD59-A6C34878D82A}">
                     <a16:rowId xmlns:a16="http://schemas.microsoft.com/office/drawing/2014/main" val="2523479553"/>
@@ -4886,14 +5029,14 @@
           <p:nvPr>
             <p:extLst>
               <p:ext uri="{D42A27DB-BD31-4B8C-83A1-F6EECF244321}">
-                <p14:modId xmlns:p14="http://schemas.microsoft.com/office/powerpoint/2010/main" val="1316631892"/>
+                <p14:modId xmlns:p14="http://schemas.microsoft.com/office/powerpoint/2010/main" val="3040664479"/>
               </p:ext>
             </p:extLst>
           </p:nvPr>
         </p:nvGraphicFramePr>
         <p:xfrm>
-          <a:off x="920684" y="1841455"/>
-          <a:ext cx="10350633" cy="4892040"/>
+          <a:off x="904734" y="1374833"/>
+          <a:ext cx="10253222" cy="5176520"/>
         </p:xfrm>
         <a:graphic>
           <a:graphicData uri="http://schemas.openxmlformats.org/drawingml/2006/table">
@@ -4902,35 +5045,42 @@
                 <a:tableStyleId>{5C22544A-7EE6-4342-B048-85BDC9FD1C3A}</a:tableStyleId>
               </a:tblPr>
               <a:tblGrid>
-                <a:gridCol w="3342665">
+                <a:gridCol w="2519432">
                   <a:extLst>
                     <a:ext uri="{9D8B030D-6E8A-4147-A177-3AD203B41FA5}">
                       <a16:colId xmlns:a16="http://schemas.microsoft.com/office/drawing/2014/main" val="2453949999"/>
                     </a:ext>
                   </a:extLst>
                 </a:gridCol>
-                <a:gridCol w="940247">
+                <a:gridCol w="692728">
                   <a:extLst>
                     <a:ext uri="{9D8B030D-6E8A-4147-A177-3AD203B41FA5}">
                       <a16:colId xmlns:a16="http://schemas.microsoft.com/office/drawing/2014/main" val="1418635443"/>
                     </a:ext>
                   </a:extLst>
                 </a:gridCol>
-                <a:gridCol w="735291">
+                <a:gridCol w="581890">
                   <a:extLst>
                     <a:ext uri="{9D8B030D-6E8A-4147-A177-3AD203B41FA5}">
                       <a16:colId xmlns:a16="http://schemas.microsoft.com/office/drawing/2014/main" val="1843542747"/>
                     </a:ext>
                   </a:extLst>
                 </a:gridCol>
-                <a:gridCol w="1943259">
+                <a:gridCol w="1339273">
                   <a:extLst>
                     <a:ext uri="{9D8B030D-6E8A-4147-A177-3AD203B41FA5}">
                       <a16:colId xmlns:a16="http://schemas.microsoft.com/office/drawing/2014/main" val="1090998298"/>
                     </a:ext>
                   </a:extLst>
                 </a:gridCol>
-                <a:gridCol w="3389171">
+                <a:gridCol w="1838037">
+                  <a:extLst>
+                    <a:ext uri="{9D8B030D-6E8A-4147-A177-3AD203B41FA5}">
+                      <a16:colId xmlns:a16="http://schemas.microsoft.com/office/drawing/2014/main" val="4076749149"/>
+                    </a:ext>
+                  </a:extLst>
+                </a:gridCol>
+                <a:gridCol w="3281862">
                   <a:extLst>
                     <a:ext uri="{9D8B030D-6E8A-4147-A177-3AD203B41FA5}">
                       <a16:colId xmlns:a16="http://schemas.microsoft.com/office/drawing/2014/main" val="4149390096"/>
@@ -4946,7 +5096,7 @@
                     <a:p>
                       <a:pPr algn="l"/>
                       <a:r>
-                        <a:rPr lang="en-US" dirty="0"/>
+                        <a:rPr lang="en-US" sz="1400" dirty="0"/>
                         <a:t>Name</a:t>
                       </a:r>
                     </a:p>
@@ -4960,7 +5110,7 @@
                     <a:p>
                       <a:pPr algn="l"/>
                       <a:r>
-                        <a:rPr lang="en-US" dirty="0"/>
+                        <a:rPr lang="en-US" sz="1400" dirty="0"/>
                         <a:t>V</a:t>
                       </a:r>
                     </a:p>
@@ -4974,7 +5124,7 @@
                     <a:p>
                       <a:pPr algn="l"/>
                       <a:r>
-                        <a:rPr lang="en-US" dirty="0"/>
+                        <a:rPr lang="en-US" sz="1400" dirty="0"/>
                         <a:t>mA</a:t>
                       </a:r>
                     </a:p>
@@ -4988,10 +5138,43 @@
                     <a:p>
                       <a:pPr algn="l"/>
                       <a:r>
-                        <a:rPr lang="en-US"/>
+                        <a:rPr lang="en-US" sz="1400" dirty="0"/>
                         <a:t>Pinout</a:t>
                       </a:r>
-                      <a:endParaRPr lang="en-US" dirty="0"/>
+                    </a:p>
+                  </a:txBody>
+                  <a:tcPr/>
+                </a:tc>
+                <a:tc>
+                  <a:txBody>
+                    <a:bodyPr/>
+                    <a:lstStyle/>
+                    <a:p>
+                      <a:pPr marL="0" marR="0" lvl="0" indent="0" algn="l" defTabSz="914400" rtl="0" eaLnBrk="1" fontAlgn="auto" latinLnBrk="0" hangingPunct="1">
+                        <a:lnSpc>
+                          <a:spcPct val="100000"/>
+                        </a:lnSpc>
+                        <a:spcBef>
+                          <a:spcPts val="0"/>
+                        </a:spcBef>
+                        <a:spcAft>
+                          <a:spcPts val="0"/>
+                        </a:spcAft>
+                        <a:buClrTx/>
+                        <a:buSzTx/>
+                        <a:buFontTx/>
+                        <a:buNone/>
+                        <a:tabLst/>
+                        <a:defRPr/>
+                      </a:pPr>
+                      <a:r>
+                        <a:rPr lang="en-US" sz="1400" dirty="0"/>
+                        <a:t>Upper case wires</a:t>
+                      </a:r>
+                    </a:p>
+                    <a:p>
+                      <a:pPr algn="l"/>
+                      <a:endParaRPr lang="en-US" sz="1400" dirty="0"/>
                     </a:p>
                   </a:txBody>
                   <a:tcPr/>
@@ -5003,7 +5186,7 @@
                     <a:p>
                       <a:pPr algn="l"/>
                       <a:r>
-                        <a:rPr lang="en-US" dirty="0"/>
+                        <a:rPr lang="en-US" sz="1400" dirty="0"/>
                         <a:t>Info</a:t>
                       </a:r>
                     </a:p>
@@ -5040,7 +5223,7 @@
                         <a:defRPr/>
                       </a:pPr>
                       <a:r>
-                        <a:rPr lang="en-US" sz="1800" b="0" i="0" kern="1200" dirty="0">
+                        <a:rPr lang="en-US" sz="1400" b="0" i="0" kern="1200" dirty="0">
                           <a:solidFill>
                             <a:schemeClr val="dk1"/>
                           </a:solidFill>
@@ -5049,7 +5232,63 @@
                           <a:ea typeface="+mn-ea"/>
                           <a:cs typeface="+mn-cs"/>
                         </a:rPr>
-                        <a:t>NPN power transistor</a:t>
+                        <a:t>IRL540N </a:t>
+                      </a:r>
+                      <a:r>
+                        <a:rPr lang="en-US" sz="1400" b="0" i="0" kern="1200" dirty="0" err="1">
+                          <a:solidFill>
+                            <a:schemeClr val="dk1"/>
+                          </a:solidFill>
+                          <a:effectLst/>
+                          <a:latin typeface="+mn-lt"/>
+                          <a:ea typeface="+mn-ea"/>
+                          <a:cs typeface="+mn-cs"/>
+                        </a:rPr>
+                        <a:t>mosfet</a:t>
+                      </a:r>
+                      <a:endParaRPr lang="en-US" sz="1400" b="0" i="0" kern="1200" dirty="0">
+                        <a:solidFill>
+                          <a:schemeClr val="dk1"/>
+                        </a:solidFill>
+                        <a:effectLst/>
+                        <a:latin typeface="+mn-lt"/>
+                        <a:ea typeface="+mn-ea"/>
+                        <a:cs typeface="+mn-cs"/>
+                      </a:endParaRPr>
+                    </a:p>
+                  </a:txBody>
+                  <a:tcPr/>
+                </a:tc>
+                <a:tc>
+                  <a:txBody>
+                    <a:bodyPr/>
+                    <a:lstStyle/>
+                    <a:p>
+                      <a:pPr algn="r"/>
+                      <a:endParaRPr lang="en-US" sz="1400" dirty="0"/>
+                    </a:p>
+                  </a:txBody>
+                  <a:tcPr/>
+                </a:tc>
+                <a:tc>
+                  <a:txBody>
+                    <a:bodyPr/>
+                    <a:lstStyle/>
+                    <a:p>
+                      <a:pPr algn="r"/>
+                      <a:endParaRPr lang="en-US" sz="1400" dirty="0"/>
+                    </a:p>
+                  </a:txBody>
+                  <a:tcPr/>
+                </a:tc>
+                <a:tc>
+                  <a:txBody>
+                    <a:bodyPr/>
+                    <a:lstStyle/>
+                    <a:p>
+                      <a:r>
+                        <a:rPr lang="en-US" sz="1400" dirty="0"/>
+                        <a:t>3</a:t>
                       </a:r>
                     </a:p>
                   </a:txBody>
@@ -5060,29 +5299,7 @@
                     <a:bodyPr/>
                     <a:lstStyle/>
                     <a:p>
-                      <a:pPr algn="r"/>
-                      <a:endParaRPr lang="en-US" dirty="0"/>
-                    </a:p>
-                  </a:txBody>
-                  <a:tcPr/>
-                </a:tc>
-                <a:tc>
-                  <a:txBody>
-                    <a:bodyPr/>
-                    <a:lstStyle/>
-                    <a:p>
-                      <a:pPr algn="r"/>
-                      <a:endParaRPr lang="en-US" dirty="0"/>
-                    </a:p>
-                  </a:txBody>
-                  <a:tcPr/>
-                </a:tc>
-                <a:tc>
-                  <a:txBody>
-                    <a:bodyPr/>
-                    <a:lstStyle/>
-                    <a:p>
-                      <a:endParaRPr lang="en-US" dirty="0"/>
+                      <a:endParaRPr lang="en-US" sz="1400" dirty="0"/>
                     </a:p>
                   </a:txBody>
                   <a:tcPr/>
@@ -5093,8 +5310,14 @@
                     <a:lstStyle/>
                     <a:p>
                       <a:r>
-                        <a:rPr lang="en-US" dirty="0"/>
+                        <a:rPr lang="en-US" sz="1400" dirty="0"/>
                         <a:t>Power switch for motion sensors</a:t>
+                      </a:r>
+                    </a:p>
+                    <a:p>
+                      <a:r>
+                        <a:rPr lang="en-US" sz="1400" dirty="0"/>
+                        <a:t>Resistor 10K between G and S</a:t>
                       </a:r>
                     </a:p>
                   </a:txBody>
@@ -5130,7 +5353,7 @@
                         <a:defRPr/>
                       </a:pPr>
                       <a:r>
-                        <a:rPr lang="en-US" sz="1800" b="0" i="0" u="none" strike="noStrike" kern="1200" baseline="0" dirty="0">
+                        <a:rPr lang="en-US" sz="1400" b="0" i="0" u="none" strike="noStrike" kern="1200" baseline="0" dirty="0">
                           <a:solidFill>
                             <a:schemeClr val="dk1"/>
                           </a:solidFill>
@@ -5142,13 +5365,13 @@
                         <a:t>HC-SR501 </a:t>
                       </a:r>
                       <a:r>
-                        <a:rPr lang="en-US" b="0" dirty="0">
+                        <a:rPr lang="en-US" sz="1400" b="0" dirty="0">
                           <a:hlinkClick r:id="rId2"/>
                         </a:rPr>
                         <a:t>Motion sensor</a:t>
                       </a:r>
                       <a:r>
-                        <a:rPr lang="en-US" b="0" dirty="0"/>
+                        <a:rPr lang="en-US" sz="1400" b="0" dirty="0"/>
                         <a:t> Room</a:t>
                       </a:r>
                     </a:p>
@@ -5162,7 +5385,7 @@
                     <a:p>
                       <a:pPr algn="r"/>
                       <a:r>
-                        <a:rPr lang="en-US" dirty="0"/>
+                        <a:rPr lang="en-US" sz="1400" dirty="0"/>
                         <a:t>5-20</a:t>
                       </a:r>
                     </a:p>
@@ -5176,7 +5399,7 @@
                     <a:p>
                       <a:pPr algn="r"/>
                       <a:r>
-                        <a:rPr lang="en-US" dirty="0"/>
+                        <a:rPr lang="en-US" sz="1400" dirty="0"/>
                         <a:t>1</a:t>
                       </a:r>
                     </a:p>
@@ -5188,7 +5411,14 @@
                     <a:bodyPr/>
                     <a:lstStyle/>
                     <a:p>
-                      <a:endParaRPr lang="en-US" dirty="0"/>
+                      <a:r>
+                        <a:rPr lang="en-US" sz="1400" b="0" dirty="0">
+                          <a:solidFill>
+                            <a:schemeClr val="tx1"/>
+                          </a:solidFill>
+                        </a:rPr>
+                        <a:t>23</a:t>
+                      </a:r>
                     </a:p>
                   </a:txBody>
                   <a:tcPr/>
@@ -5199,7 +5429,20 @@
                     <a:lstStyle/>
                     <a:p>
                       <a:r>
-                        <a:rPr lang="en-US" dirty="0"/>
+                        <a:rPr lang="en-US" sz="1400" dirty="0"/>
+                        <a:t>1</a:t>
+                      </a:r>
+                    </a:p>
+                  </a:txBody>
+                  <a:tcPr/>
+                </a:tc>
+                <a:tc>
+                  <a:txBody>
+                    <a:bodyPr/>
+                    <a:lstStyle/>
+                    <a:p>
+                      <a:r>
+                        <a:rPr lang="en-US" sz="1400" dirty="0"/>
                         <a:t>GND passes throw NPN transistor</a:t>
                       </a:r>
                     </a:p>
@@ -5219,7 +5462,7 @@
                     <a:lstStyle/>
                     <a:p>
                       <a:r>
-                        <a:rPr lang="en-US" sz="1800" b="0" i="0" u="none" strike="noStrike" kern="1200" baseline="0" dirty="0">
+                        <a:rPr lang="en-US" sz="1400" b="0" i="0" u="none" strike="noStrike" kern="1200" baseline="0" dirty="0">
                           <a:solidFill>
                             <a:schemeClr val="dk1"/>
                           </a:solidFill>
@@ -5231,13 +5474,13 @@
                         <a:t>HC-SR501 </a:t>
                       </a:r>
                       <a:r>
-                        <a:rPr lang="en-US" dirty="0">
+                        <a:rPr lang="en-US" sz="1400" dirty="0">
                           <a:hlinkClick r:id="rId2"/>
                         </a:rPr>
                         <a:t>Motion sensor </a:t>
                       </a:r>
                       <a:r>
-                        <a:rPr lang="en-US" dirty="0"/>
+                        <a:rPr lang="en-US" sz="1400" dirty="0"/>
                         <a:t>Storage</a:t>
                       </a:r>
                     </a:p>
@@ -5251,7 +5494,7 @@
                     <a:p>
                       <a:pPr algn="r"/>
                       <a:r>
-                        <a:rPr lang="en-US" dirty="0"/>
+                        <a:rPr lang="en-US" sz="1400" dirty="0"/>
                         <a:t>5-20</a:t>
                       </a:r>
                     </a:p>
@@ -5264,7 +5507,7 @@
                     <a:lstStyle/>
                     <a:p>
                       <a:pPr algn="r"/>
-                      <a:endParaRPr lang="en-US" dirty="0"/>
+                      <a:endParaRPr lang="en-US" sz="1400" dirty="0"/>
                     </a:p>
                   </a:txBody>
                   <a:tcPr/>
@@ -5274,7 +5517,21 @@
                     <a:bodyPr/>
                     <a:lstStyle/>
                     <a:p>
-                      <a:endParaRPr lang="en-US" dirty="0"/>
+                      <a:r>
+                        <a:rPr lang="en-US" sz="1400"/>
+                        <a:t>A3</a:t>
+                      </a:r>
+                      <a:endParaRPr lang="en-US" sz="1400" dirty="0"/>
+                    </a:p>
+                  </a:txBody>
+                  <a:tcPr/>
+                </a:tc>
+                <a:tc>
+                  <a:txBody>
+                    <a:bodyPr/>
+                    <a:lstStyle/>
+                    <a:p>
+                      <a:endParaRPr lang="en-US" sz="1400" dirty="0"/>
                     </a:p>
                   </a:txBody>
                   <a:tcPr/>
@@ -5302,7 +5559,7 @@
                         <a:defRPr/>
                       </a:pPr>
                       <a:r>
-                        <a:rPr lang="en-US" dirty="0"/>
+                        <a:rPr lang="en-US" sz="1400" dirty="0"/>
                         <a:t>GND passes throw NPN transistor</a:t>
                       </a:r>
                     </a:p>
@@ -5339,7 +5596,7 @@
                         <a:defRPr/>
                       </a:pPr>
                       <a:r>
-                        <a:rPr lang="en-US" sz="1800" b="0" i="0" kern="1200" dirty="0">
+                        <a:rPr lang="en-US" sz="1400" b="0" i="0" kern="1200" dirty="0">
                           <a:solidFill>
                             <a:schemeClr val="dk1"/>
                           </a:solidFill>
@@ -5361,7 +5618,7 @@
                     <a:p>
                       <a:pPr algn="r"/>
                       <a:r>
-                        <a:rPr lang="en-US" dirty="0"/>
+                        <a:rPr lang="en-US" sz="1400" dirty="0"/>
                         <a:t>5</a:t>
                       </a:r>
                     </a:p>
@@ -5374,7 +5631,7 @@
                     <a:lstStyle/>
                     <a:p>
                       <a:pPr algn="r"/>
-                      <a:endParaRPr lang="en-US" dirty="0"/>
+                      <a:endParaRPr lang="en-US" sz="1400" dirty="0"/>
                     </a:p>
                   </a:txBody>
                   <a:tcPr/>
@@ -5384,7 +5641,32 @@
                     <a:bodyPr/>
                     <a:lstStyle/>
                     <a:p>
-                      <a:endParaRPr lang="en-US" dirty="0"/>
+                      <a:pPr marL="0" marR="0" lvl="0" indent="0" algn="l" defTabSz="914400" rtl="0" eaLnBrk="1" fontAlgn="auto" latinLnBrk="0" hangingPunct="1">
+                        <a:lnSpc>
+                          <a:spcPct val="100000"/>
+                        </a:lnSpc>
+                        <a:spcBef>
+                          <a:spcPts val="0"/>
+                        </a:spcBef>
+                        <a:spcAft>
+                          <a:spcPts val="0"/>
+                        </a:spcAft>
+                        <a:buClrTx/>
+                        <a:buSzTx/>
+                        <a:buFontTx/>
+                        <a:buNone/>
+                        <a:tabLst/>
+                        <a:defRPr/>
+                      </a:pPr>
+                      <a:r>
+                        <a:rPr lang="en-US" sz="1400" b="0" dirty="0">
+                          <a:solidFill>
+                            <a:schemeClr val="tx1"/>
+                          </a:solidFill>
+                        </a:rPr>
+                        <a:t>22</a:t>
+                      </a:r>
+                      <a:endParaRPr lang="en-US" sz="1400" dirty="0"/>
                     </a:p>
                   </a:txBody>
                   <a:tcPr/>
@@ -5394,7 +5676,20 @@
                     <a:bodyPr/>
                     <a:lstStyle/>
                     <a:p>
-                      <a:endParaRPr lang="en-US" dirty="0"/>
+                      <a:r>
+                        <a:rPr lang="en-US" sz="1400" dirty="0"/>
+                        <a:t>1</a:t>
+                      </a:r>
+                    </a:p>
+                  </a:txBody>
+                  <a:tcPr/>
+                </a:tc>
+                <a:tc>
+                  <a:txBody>
+                    <a:bodyPr/>
+                    <a:lstStyle/>
+                    <a:p>
+                      <a:endParaRPr lang="en-US" sz="1400" dirty="0"/>
                     </a:p>
                   </a:txBody>
                   <a:tcPr/>
@@ -5429,7 +5724,7 @@
                         <a:defRPr/>
                       </a:pPr>
                       <a:r>
-                        <a:rPr lang="en-US" sz="1800" b="0" i="0" kern="1200" dirty="0">
+                        <a:rPr lang="en-US" sz="1400" b="0" i="0" kern="1200" dirty="0">
                           <a:solidFill>
                             <a:schemeClr val="dk1"/>
                           </a:solidFill>
@@ -5441,7 +5736,7 @@
                         </a:rPr>
                         <a:t>AHT21 Temperature and Humidity Sensor</a:t>
                       </a:r>
-                      <a:endParaRPr lang="en-US" sz="1800" b="0" i="0" kern="1200" dirty="0">
+                      <a:endParaRPr lang="en-US" sz="1400" b="0" i="0" kern="1200" dirty="0">
                         <a:solidFill>
                           <a:schemeClr val="dk1"/>
                         </a:solidFill>
@@ -5461,7 +5756,7 @@
                     <a:p>
                       <a:pPr algn="r"/>
                       <a:r>
-                        <a:rPr lang="en-US" dirty="0"/>
+                        <a:rPr lang="en-US" sz="1400" dirty="0"/>
                         <a:t>2-5.5</a:t>
                       </a:r>
                     </a:p>
@@ -5475,7 +5770,7 @@
                     <a:p>
                       <a:pPr algn="r"/>
                       <a:r>
-                        <a:rPr lang="en-US" dirty="0"/>
+                        <a:rPr lang="en-US" sz="1400" dirty="0"/>
                         <a:t>1</a:t>
                       </a:r>
                     </a:p>
@@ -5505,12 +5800,12 @@
                         <a:defRPr/>
                       </a:pPr>
                       <a:r>
-                        <a:rPr lang="en-US" dirty="0"/>
+                        <a:rPr lang="en-US" sz="1400" dirty="0"/>
                         <a:t>I2C (SDA=20, SCL=21)</a:t>
                       </a:r>
                     </a:p>
                     <a:p>
-                      <a:endParaRPr lang="en-US" dirty="0"/>
+                      <a:endParaRPr lang="en-US" sz="1400" dirty="0"/>
                     </a:p>
                   </a:txBody>
                   <a:tcPr/>
@@ -5520,7 +5815,20 @@
                     <a:bodyPr/>
                     <a:lstStyle/>
                     <a:p>
-                      <a:endParaRPr lang="en-US" dirty="0"/>
+                      <a:r>
+                        <a:rPr lang="en-US" sz="1400" dirty="0"/>
+                        <a:t>I2C (2)</a:t>
+                      </a:r>
+                    </a:p>
+                  </a:txBody>
+                  <a:tcPr/>
+                </a:tc>
+                <a:tc>
+                  <a:txBody>
+                    <a:bodyPr/>
+                    <a:lstStyle/>
+                    <a:p>
+                      <a:endParaRPr lang="en-US" sz="1400" dirty="0"/>
                     </a:p>
                   </a:txBody>
                   <a:tcPr/>
@@ -5538,7 +5846,7 @@
                     <a:lstStyle/>
                     <a:p>
                       <a:r>
-                        <a:rPr lang="en-US" dirty="0"/>
+                        <a:rPr lang="en-US" sz="1400" dirty="0"/>
                         <a:t>Main Relay</a:t>
                       </a:r>
                     </a:p>
@@ -5552,7 +5860,7 @@
                     <a:p>
                       <a:pPr algn="r"/>
                       <a:r>
-                        <a:rPr lang="en-US" dirty="0"/>
+                        <a:rPr lang="en-US" sz="1400" dirty="0"/>
                         <a:t>5</a:t>
                       </a:r>
                     </a:p>
@@ -5566,7 +5874,7 @@
                     <a:p>
                       <a:pPr algn="r"/>
                       <a:r>
-                        <a:rPr lang="en-US" dirty="0"/>
+                        <a:rPr lang="en-US" sz="1400" dirty="0"/>
                         <a:t>90</a:t>
                       </a:r>
                     </a:p>
@@ -5578,7 +5886,10 @@
                     <a:bodyPr/>
                     <a:lstStyle/>
                     <a:p>
-                      <a:endParaRPr lang="en-US" dirty="0"/>
+                      <a:r>
+                        <a:rPr lang="en-US" sz="1400" dirty="0"/>
+                        <a:t>A9</a:t>
+                      </a:r>
                     </a:p>
                   </a:txBody>
                   <a:tcPr/>
@@ -5588,7 +5899,17 @@
                     <a:bodyPr/>
                     <a:lstStyle/>
                     <a:p>
-                      <a:endParaRPr lang="en-US" dirty="0"/>
+                      <a:endParaRPr lang="en-US" sz="1400" dirty="0"/>
+                    </a:p>
+                  </a:txBody>
+                  <a:tcPr/>
+                </a:tc>
+                <a:tc>
+                  <a:txBody>
+                    <a:bodyPr/>
+                    <a:lstStyle/>
+                    <a:p>
+                      <a:endParaRPr lang="en-US" sz="1400" dirty="0"/>
                     </a:p>
                   </a:txBody>
                   <a:tcPr/>
@@ -5606,11 +5927,11 @@
                     <a:lstStyle/>
                     <a:p>
                       <a:r>
-                        <a:rPr lang="en-US" dirty="0" err="1"/>
+                        <a:rPr lang="en-US" sz="1400" dirty="0" err="1"/>
                         <a:t>Venta</a:t>
                       </a:r>
                       <a:r>
-                        <a:rPr lang="en-US" dirty="0"/>
+                        <a:rPr lang="en-US" sz="1400" dirty="0"/>
                         <a:t> Relay</a:t>
                       </a:r>
                     </a:p>
@@ -5624,7 +5945,7 @@
                     <a:p>
                       <a:pPr algn="r"/>
                       <a:r>
-                        <a:rPr lang="en-US" dirty="0"/>
+                        <a:rPr lang="en-US" sz="1400" dirty="0"/>
                         <a:t>5</a:t>
                       </a:r>
                     </a:p>
@@ -5638,7 +5959,7 @@
                     <a:p>
                       <a:pPr algn="r"/>
                       <a:r>
-                        <a:rPr lang="en-US" dirty="0"/>
+                        <a:rPr lang="en-US" sz="1400" dirty="0"/>
                         <a:t>90</a:t>
                       </a:r>
                     </a:p>
@@ -5650,7 +5971,10 @@
                     <a:bodyPr/>
                     <a:lstStyle/>
                     <a:p>
-                      <a:endParaRPr lang="en-US" dirty="0"/>
+                      <a:r>
+                        <a:rPr lang="en-US" sz="1400" dirty="0"/>
+                        <a:t>A11</a:t>
+                      </a:r>
                     </a:p>
                   </a:txBody>
                   <a:tcPr/>
@@ -5660,7 +5984,17 @@
                     <a:bodyPr/>
                     <a:lstStyle/>
                     <a:p>
-                      <a:endParaRPr lang="en-US" dirty="0"/>
+                      <a:endParaRPr lang="en-US" sz="1400" dirty="0"/>
+                    </a:p>
+                  </a:txBody>
+                  <a:tcPr/>
+                </a:tc>
+                <a:tc>
+                  <a:txBody>
+                    <a:bodyPr/>
+                    <a:lstStyle/>
+                    <a:p>
+                      <a:endParaRPr lang="en-US" sz="1400" dirty="0"/>
                     </a:p>
                   </a:txBody>
                   <a:tcPr/>
@@ -5678,7 +6012,7 @@
                     <a:lstStyle/>
                     <a:p>
                       <a:r>
-                        <a:rPr lang="en-US" dirty="0"/>
+                        <a:rPr lang="en-US" sz="1400" dirty="0"/>
                         <a:t>Light Relay</a:t>
                       </a:r>
                     </a:p>
@@ -5692,7 +6026,7 @@
                     <a:p>
                       <a:pPr algn="r"/>
                       <a:r>
-                        <a:rPr lang="en-US" dirty="0"/>
+                        <a:rPr lang="en-US" sz="1400" dirty="0"/>
                         <a:t>5</a:t>
                       </a:r>
                     </a:p>
@@ -5706,7 +6040,7 @@
                     <a:p>
                       <a:pPr algn="r"/>
                       <a:r>
-                        <a:rPr lang="en-US" dirty="0"/>
+                        <a:rPr lang="en-US" sz="1400" dirty="0"/>
                         <a:t>90</a:t>
                       </a:r>
                     </a:p>
@@ -5735,7 +6069,10 @@
                         <a:tabLst/>
                         <a:defRPr/>
                       </a:pPr>
-                      <a:endParaRPr lang="en-US" dirty="0"/>
+                      <a:r>
+                        <a:rPr lang="en-US" sz="1400" dirty="0"/>
+                        <a:t>A13</a:t>
+                      </a:r>
                     </a:p>
                   </a:txBody>
                   <a:tcPr/>
@@ -5745,7 +6082,34 @@
                     <a:bodyPr/>
                     <a:lstStyle/>
                     <a:p>
-                      <a:endParaRPr lang="en-US" dirty="0"/>
+                      <a:pPr marL="0" marR="0" lvl="0" indent="0" algn="l" defTabSz="914400" rtl="0" eaLnBrk="1" fontAlgn="auto" latinLnBrk="0" hangingPunct="1">
+                        <a:lnSpc>
+                          <a:spcPct val="100000"/>
+                        </a:lnSpc>
+                        <a:spcBef>
+                          <a:spcPts val="0"/>
+                        </a:spcBef>
+                        <a:spcAft>
+                          <a:spcPts val="0"/>
+                        </a:spcAft>
+                        <a:buClrTx/>
+                        <a:buSzTx/>
+                        <a:buFontTx/>
+                        <a:buNone/>
+                        <a:tabLst/>
+                        <a:defRPr/>
+                      </a:pPr>
+                      <a:endParaRPr lang="en-US" sz="1400" dirty="0"/>
+                    </a:p>
+                  </a:txBody>
+                  <a:tcPr/>
+                </a:tc>
+                <a:tc>
+                  <a:txBody>
+                    <a:bodyPr/>
+                    <a:lstStyle/>
+                    <a:p>
+                      <a:endParaRPr lang="en-US" sz="1400" dirty="0"/>
                     </a:p>
                   </a:txBody>
                   <a:tcPr/>
@@ -5762,7 +6126,7 @@
                     <a:bodyPr/>
                     <a:lstStyle/>
                     <a:p>
-                      <a:endParaRPr lang="en-US" dirty="0"/>
+                      <a:endParaRPr lang="en-US" sz="1400" dirty="0"/>
                     </a:p>
                   </a:txBody>
                   <a:tcPr/>
@@ -5772,7 +6136,7 @@
                     <a:bodyPr/>
                     <a:lstStyle/>
                     <a:p>
-                      <a:endParaRPr lang="en-US" dirty="0"/>
+                      <a:endParaRPr lang="en-US" sz="1400" dirty="0"/>
                     </a:p>
                   </a:txBody>
                   <a:tcPr/>
@@ -5783,7 +6147,7 @@
                     <a:lstStyle/>
                     <a:p>
                       <a:pPr algn="r"/>
-                      <a:endParaRPr lang="en-US" dirty="0"/>
+                      <a:endParaRPr lang="en-US" sz="1400" dirty="0"/>
                     </a:p>
                   </a:txBody>
                   <a:tcPr/>
@@ -5793,7 +6157,7 @@
                     <a:bodyPr/>
                     <a:lstStyle/>
                     <a:p>
-                      <a:endParaRPr lang="en-US" dirty="0"/>
+                      <a:endParaRPr lang="en-US" sz="1400" dirty="0"/>
                     </a:p>
                   </a:txBody>
                   <a:tcPr/>
@@ -5803,7 +6167,26 @@
                     <a:bodyPr/>
                     <a:lstStyle/>
                     <a:p>
-                      <a:endParaRPr lang="en-US" dirty="0"/>
+                      <a:r>
+                        <a:rPr lang="en-US" sz="1400" dirty="0"/>
+                        <a:t>Power: 12V+G, 5V+G</a:t>
+                      </a:r>
+                    </a:p>
+                    <a:p>
+                      <a:r>
+                        <a:rPr lang="en-US" sz="1400" dirty="0"/>
+                        <a:t>I/O: </a:t>
+                      </a:r>
+                    </a:p>
+                  </a:txBody>
+                  <a:tcPr/>
+                </a:tc>
+                <a:tc>
+                  <a:txBody>
+                    <a:bodyPr/>
+                    <a:lstStyle/>
+                    <a:p>
+                      <a:endParaRPr lang="en-US" sz="1400" dirty="0"/>
                     </a:p>
                   </a:txBody>
                   <a:tcPr/>
@@ -5820,7 +6203,7 @@
                     <a:bodyPr/>
                     <a:lstStyle/>
                     <a:p>
-                      <a:endParaRPr lang="en-US" dirty="0"/>
+                      <a:endParaRPr lang="en-US" sz="1400" dirty="0"/>
                     </a:p>
                   </a:txBody>
                   <a:tcPr/>
@@ -5830,7 +6213,7 @@
                     <a:bodyPr/>
                     <a:lstStyle/>
                     <a:p>
-                      <a:endParaRPr lang="en-US" dirty="0"/>
+                      <a:endParaRPr lang="en-US" sz="1400" dirty="0"/>
                     </a:p>
                   </a:txBody>
                   <a:tcPr/>
@@ -5841,7 +6224,7 @@
                     <a:lstStyle/>
                     <a:p>
                       <a:pPr algn="r"/>
-                      <a:endParaRPr lang="en-US" dirty="0"/>
+                      <a:endParaRPr lang="en-US" sz="1400" dirty="0"/>
                     </a:p>
                   </a:txBody>
                   <a:tcPr/>
@@ -5851,7 +6234,7 @@
                     <a:bodyPr/>
                     <a:lstStyle/>
                     <a:p>
-                      <a:endParaRPr lang="en-US" dirty="0"/>
+                      <a:endParaRPr lang="en-US" sz="1400" dirty="0"/>
                     </a:p>
                   </a:txBody>
                   <a:tcPr/>
@@ -5861,7 +6244,17 @@
                     <a:bodyPr/>
                     <a:lstStyle/>
                     <a:p>
-                      <a:endParaRPr lang="en-US" dirty="0"/>
+                      <a:endParaRPr lang="en-US" sz="1400" dirty="0"/>
+                    </a:p>
+                  </a:txBody>
+                  <a:tcPr/>
+                </a:tc>
+                <a:tc>
+                  <a:txBody>
+                    <a:bodyPr/>
+                    <a:lstStyle/>
+                    <a:p>
+                      <a:endParaRPr lang="en-US" sz="1400" dirty="0"/>
                     </a:p>
                   </a:txBody>
                   <a:tcPr/>
@@ -5878,10 +6271,10 @@
       </p:graphicFrame>
       <p:sp>
         <p:nvSpPr>
-          <p:cNvPr id="4" name="TextBox 3">
-            <a:extLst>
-              <a:ext uri="{FF2B5EF4-FFF2-40B4-BE49-F238E27FC236}">
-                <a16:creationId xmlns:a16="http://schemas.microsoft.com/office/drawing/2014/main" id="{C3A46AFA-D8C9-49EA-9A5D-60711D4DC1F2}"/>
+          <p:cNvPr id="5" name="TextBox 4">
+            <a:extLst>
+              <a:ext uri="{FF2B5EF4-FFF2-40B4-BE49-F238E27FC236}">
+                <a16:creationId xmlns:a16="http://schemas.microsoft.com/office/drawing/2014/main" id="{87BEEAF5-B500-4AD9-B446-8E1022C8981A}"/>
               </a:ext>
             </a:extLst>
           </p:cNvPr>
@@ -5905,12 +6298,8 @@
           <a:lstStyle/>
           <a:p>
             <a:r>
-              <a:rPr lang="en-US" sz="4000" dirty="0" err="1"/>
-              <a:t>Venta</a:t>
-            </a:r>
-            <a:r>
               <a:rPr lang="en-US" sz="4000" dirty="0"/>
-              <a:t> Components</a:t>
+              <a:t>VENTA Components</a:t>
             </a:r>
           </a:p>
         </p:txBody>
@@ -6803,58 +7192,6 @@
       </p:cxnSp>
       <p:sp>
         <p:nvSpPr>
-          <p:cNvPr id="50" name="Rectangle: Rounded Corners 49">
-            <a:extLst>
-              <a:ext uri="{FF2B5EF4-FFF2-40B4-BE49-F238E27FC236}">
-                <a16:creationId xmlns:a16="http://schemas.microsoft.com/office/drawing/2014/main" id="{4007669D-D38F-4271-AD96-BE73EE6B6B5A}"/>
-              </a:ext>
-            </a:extLst>
-          </p:cNvPr>
-          <p:cNvSpPr/>
-          <p:nvPr/>
-        </p:nvSpPr>
-        <p:spPr>
-          <a:xfrm>
-            <a:off x="6275453" y="915278"/>
-            <a:ext cx="270498" cy="500013"/>
-          </a:xfrm>
-          <a:prstGeom prst="roundRect">
-            <a:avLst/>
-          </a:prstGeom>
-          <a:noFill/>
-          <a:ln w="38100">
-            <a:solidFill>
-              <a:srgbClr val="FF0000"/>
-            </a:solidFill>
-          </a:ln>
-        </p:spPr>
-        <p:style>
-          <a:lnRef idx="2">
-            <a:schemeClr val="accent1">
-              <a:shade val="50000"/>
-            </a:schemeClr>
-          </a:lnRef>
-          <a:fillRef idx="1">
-            <a:schemeClr val="accent1"/>
-          </a:fillRef>
-          <a:effectRef idx="0">
-            <a:schemeClr val="accent1"/>
-          </a:effectRef>
-          <a:fontRef idx="minor">
-            <a:schemeClr val="lt1"/>
-          </a:fontRef>
-        </p:style>
-        <p:txBody>
-          <a:bodyPr rtlCol="0" anchor="ctr"/>
-          <a:lstStyle/>
-          <a:p>
-            <a:pPr algn="ctr"/>
-            <a:endParaRPr lang="en-US"/>
-          </a:p>
-        </p:txBody>
-      </p:sp>
-      <p:sp>
-        <p:nvSpPr>
           <p:cNvPr id="51" name="Rectangle: Rounded Corners 50">
             <a:extLst>
               <a:ext uri="{FF2B5EF4-FFF2-40B4-BE49-F238E27FC236}">
@@ -7236,8 +7573,8 @@
         </p:nvCxnSpPr>
         <p:spPr>
           <a:xfrm>
-            <a:off x="4976509" y="4789439"/>
-            <a:ext cx="1" cy="842415"/>
+            <a:off x="4949443" y="4724347"/>
+            <a:ext cx="27067" cy="907507"/>
           </a:xfrm>
           <a:prstGeom prst="line">
             <a:avLst/>
@@ -7678,10 +8015,6529 @@
           </a:p>
         </p:txBody>
       </p:sp>
+      <p:sp>
+        <p:nvSpPr>
+          <p:cNvPr id="42" name="Rectangle 41">
+            <a:extLst>
+              <a:ext uri="{FF2B5EF4-FFF2-40B4-BE49-F238E27FC236}">
+                <a16:creationId xmlns:a16="http://schemas.microsoft.com/office/drawing/2014/main" id="{F1DFF273-3D0C-4B6F-B175-1F98A6C25C9F}"/>
+              </a:ext>
+            </a:extLst>
+          </p:cNvPr>
+          <p:cNvSpPr/>
+          <p:nvPr/>
+        </p:nvSpPr>
+        <p:spPr>
+          <a:xfrm>
+            <a:off x="5551543" y="4804002"/>
+            <a:ext cx="4493944" cy="391121"/>
+          </a:xfrm>
+          <a:prstGeom prst="rect">
+            <a:avLst/>
+          </a:prstGeom>
+          <a:solidFill>
+            <a:schemeClr val="accent1">
+              <a:alpha val="50000"/>
+            </a:schemeClr>
+          </a:solidFill>
+          <a:ln>
+            <a:solidFill>
+              <a:srgbClr val="FFFF00"/>
+            </a:solidFill>
+          </a:ln>
+        </p:spPr>
+        <p:style>
+          <a:lnRef idx="2">
+            <a:schemeClr val="accent1">
+              <a:shade val="50000"/>
+            </a:schemeClr>
+          </a:lnRef>
+          <a:fillRef idx="1">
+            <a:schemeClr val="accent1"/>
+          </a:fillRef>
+          <a:effectRef idx="0">
+            <a:schemeClr val="accent1"/>
+          </a:effectRef>
+          <a:fontRef idx="minor">
+            <a:schemeClr val="lt1"/>
+          </a:fontRef>
+        </p:style>
+        <p:txBody>
+          <a:bodyPr rtlCol="0" anchor="ctr"/>
+          <a:lstStyle/>
+          <a:p>
+            <a:r>
+              <a:rPr lang="en-US" sz="3000" dirty="0"/>
+              <a:t>12   G   M    5    G    0     1    2   </a:t>
+            </a:r>
+          </a:p>
+        </p:txBody>
+      </p:sp>
+      <p:sp>
+        <p:nvSpPr>
+          <p:cNvPr id="39" name="Rectangle 38">
+            <a:extLst>
+              <a:ext uri="{FF2B5EF4-FFF2-40B4-BE49-F238E27FC236}">
+                <a16:creationId xmlns:a16="http://schemas.microsoft.com/office/drawing/2014/main" id="{8595E308-41DE-43B7-85E1-4E6E8A6074AF}"/>
+              </a:ext>
+            </a:extLst>
+          </p:cNvPr>
+          <p:cNvSpPr/>
+          <p:nvPr/>
+        </p:nvSpPr>
+        <p:spPr>
+          <a:xfrm>
+            <a:off x="5958264" y="2201182"/>
+            <a:ext cx="886119" cy="361950"/>
+          </a:xfrm>
+          <a:prstGeom prst="rect">
+            <a:avLst/>
+          </a:prstGeom>
+          <a:solidFill>
+            <a:schemeClr val="accent1">
+              <a:alpha val="50000"/>
+            </a:schemeClr>
+          </a:solidFill>
+        </p:spPr>
+        <p:style>
+          <a:lnRef idx="2">
+            <a:schemeClr val="accent1">
+              <a:shade val="50000"/>
+            </a:schemeClr>
+          </a:lnRef>
+          <a:fillRef idx="1">
+            <a:schemeClr val="accent1"/>
+          </a:fillRef>
+          <a:effectRef idx="0">
+            <a:schemeClr val="accent1"/>
+          </a:effectRef>
+          <a:fontRef idx="minor">
+            <a:schemeClr val="lt1"/>
+          </a:fontRef>
+        </p:style>
+        <p:txBody>
+          <a:bodyPr rtlCol="0" anchor="ctr"/>
+          <a:lstStyle/>
+          <a:p>
+            <a:pPr algn="ctr"/>
+            <a:r>
+              <a:rPr lang="en-US" sz="3200" dirty="0"/>
+              <a:t>GDS</a:t>
+            </a:r>
+          </a:p>
+        </p:txBody>
+      </p:sp>
+      <p:cxnSp>
+        <p:nvCxnSpPr>
+          <p:cNvPr id="43" name="Straight Connector 42">
+            <a:extLst>
+              <a:ext uri="{FF2B5EF4-FFF2-40B4-BE49-F238E27FC236}">
+                <a16:creationId xmlns:a16="http://schemas.microsoft.com/office/drawing/2014/main" id="{936D1497-DE7A-4B49-8539-2265E6A51C6D}"/>
+              </a:ext>
+            </a:extLst>
+          </p:cNvPr>
+          <p:cNvCxnSpPr>
+            <a:cxnSpLocks/>
+          </p:cNvCxnSpPr>
+          <p:nvPr/>
+        </p:nvCxnSpPr>
+        <p:spPr>
+          <a:xfrm flipH="1">
+            <a:off x="4985936" y="2391198"/>
+            <a:ext cx="1712597" cy="2312558"/>
+          </a:xfrm>
+          <a:prstGeom prst="line">
+            <a:avLst/>
+          </a:prstGeom>
+          <a:ln w="57150">
+            <a:solidFill>
+              <a:srgbClr val="0070C0"/>
+            </a:solidFill>
+          </a:ln>
+        </p:spPr>
+        <p:style>
+          <a:lnRef idx="1">
+            <a:schemeClr val="accent6"/>
+          </a:lnRef>
+          <a:fillRef idx="0">
+            <a:schemeClr val="accent6"/>
+          </a:fillRef>
+          <a:effectRef idx="0">
+            <a:schemeClr val="accent6"/>
+          </a:effectRef>
+          <a:fontRef idx="minor">
+            <a:schemeClr val="tx1"/>
+          </a:fontRef>
+        </p:style>
+      </p:cxnSp>
+      <p:cxnSp>
+        <p:nvCxnSpPr>
+          <p:cNvPr id="45" name="Straight Connector 44">
+            <a:extLst>
+              <a:ext uri="{FF2B5EF4-FFF2-40B4-BE49-F238E27FC236}">
+                <a16:creationId xmlns:a16="http://schemas.microsoft.com/office/drawing/2014/main" id="{2D188343-4F6C-47B6-A7D2-BC7F621E245D}"/>
+              </a:ext>
+            </a:extLst>
+          </p:cNvPr>
+          <p:cNvCxnSpPr>
+            <a:cxnSpLocks/>
+          </p:cNvCxnSpPr>
+          <p:nvPr/>
+        </p:nvCxnSpPr>
+        <p:spPr>
+          <a:xfrm flipH="1">
+            <a:off x="6382851" y="2375827"/>
+            <a:ext cx="45136" cy="2623735"/>
+          </a:xfrm>
+          <a:prstGeom prst="line">
+            <a:avLst/>
+          </a:prstGeom>
+          <a:ln w="57150">
+            <a:solidFill>
+              <a:srgbClr val="00B0F0"/>
+            </a:solidFill>
+          </a:ln>
+        </p:spPr>
+        <p:style>
+          <a:lnRef idx="1">
+            <a:schemeClr val="accent6"/>
+          </a:lnRef>
+          <a:fillRef idx="0">
+            <a:schemeClr val="accent6"/>
+          </a:fillRef>
+          <a:effectRef idx="0">
+            <a:schemeClr val="accent6"/>
+          </a:effectRef>
+          <a:fontRef idx="minor">
+            <a:schemeClr val="tx1"/>
+          </a:fontRef>
+        </p:style>
+      </p:cxnSp>
+      <p:cxnSp>
+        <p:nvCxnSpPr>
+          <p:cNvPr id="48" name="Straight Connector 47">
+            <a:extLst>
+              <a:ext uri="{FF2B5EF4-FFF2-40B4-BE49-F238E27FC236}">
+                <a16:creationId xmlns:a16="http://schemas.microsoft.com/office/drawing/2014/main" id="{12B7DFA9-5D55-4171-922B-3EFFF0141C3D}"/>
+              </a:ext>
+            </a:extLst>
+          </p:cNvPr>
+          <p:cNvCxnSpPr>
+            <a:cxnSpLocks/>
+          </p:cNvCxnSpPr>
+          <p:nvPr/>
+        </p:nvCxnSpPr>
+        <p:spPr>
+          <a:xfrm>
+            <a:off x="6122170" y="1294905"/>
+            <a:ext cx="13752" cy="1115221"/>
+          </a:xfrm>
+          <a:prstGeom prst="line">
+            <a:avLst/>
+          </a:prstGeom>
+          <a:ln w="57150">
+            <a:solidFill>
+              <a:srgbClr val="7030A0"/>
+            </a:solidFill>
+          </a:ln>
+        </p:spPr>
+        <p:style>
+          <a:lnRef idx="1">
+            <a:schemeClr val="accent6"/>
+          </a:lnRef>
+          <a:fillRef idx="0">
+            <a:schemeClr val="accent6"/>
+          </a:fillRef>
+          <a:effectRef idx="0">
+            <a:schemeClr val="accent6"/>
+          </a:effectRef>
+          <a:fontRef idx="minor">
+            <a:schemeClr val="tx1"/>
+          </a:fontRef>
+        </p:style>
+      </p:cxnSp>
+      <p:cxnSp>
+        <p:nvCxnSpPr>
+          <p:cNvPr id="56" name="Straight Connector 55">
+            <a:extLst>
+              <a:ext uri="{FF2B5EF4-FFF2-40B4-BE49-F238E27FC236}">
+                <a16:creationId xmlns:a16="http://schemas.microsoft.com/office/drawing/2014/main" id="{54D44F67-9BFE-4514-AD06-CD8A88F8FEBA}"/>
+              </a:ext>
+            </a:extLst>
+          </p:cNvPr>
+          <p:cNvCxnSpPr>
+            <a:cxnSpLocks/>
+          </p:cNvCxnSpPr>
+          <p:nvPr/>
+        </p:nvCxnSpPr>
+        <p:spPr>
+          <a:xfrm>
+            <a:off x="5817451" y="4724347"/>
+            <a:ext cx="13752" cy="328933"/>
+          </a:xfrm>
+          <a:prstGeom prst="line">
+            <a:avLst/>
+          </a:prstGeom>
+          <a:ln w="57150">
+            <a:solidFill>
+              <a:srgbClr val="C00000"/>
+            </a:solidFill>
+          </a:ln>
+        </p:spPr>
+        <p:style>
+          <a:lnRef idx="1">
+            <a:schemeClr val="accent6"/>
+          </a:lnRef>
+          <a:fillRef idx="0">
+            <a:schemeClr val="accent6"/>
+          </a:fillRef>
+          <a:effectRef idx="0">
+            <a:schemeClr val="accent6"/>
+          </a:effectRef>
+          <a:fontRef idx="minor">
+            <a:schemeClr val="tx1"/>
+          </a:fontRef>
+        </p:style>
+      </p:cxnSp>
+      <p:cxnSp>
+        <p:nvCxnSpPr>
+          <p:cNvPr id="58" name="Straight Connector 57">
+            <a:extLst>
+              <a:ext uri="{FF2B5EF4-FFF2-40B4-BE49-F238E27FC236}">
+                <a16:creationId xmlns:a16="http://schemas.microsoft.com/office/drawing/2014/main" id="{5DCDF358-D46F-4EEC-8C2F-EB1E346E58AA}"/>
+              </a:ext>
+            </a:extLst>
+          </p:cNvPr>
+          <p:cNvCxnSpPr>
+            <a:cxnSpLocks/>
+          </p:cNvCxnSpPr>
+          <p:nvPr/>
+        </p:nvCxnSpPr>
+        <p:spPr>
+          <a:xfrm flipH="1">
+            <a:off x="3204670" y="1294905"/>
+            <a:ext cx="3219427" cy="498855"/>
+          </a:xfrm>
+          <a:prstGeom prst="line">
+            <a:avLst/>
+          </a:prstGeom>
+          <a:ln w="57150">
+            <a:solidFill>
+              <a:srgbClr val="FFFF00"/>
+            </a:solidFill>
+          </a:ln>
+        </p:spPr>
+        <p:style>
+          <a:lnRef idx="1">
+            <a:schemeClr val="accent6"/>
+          </a:lnRef>
+          <a:fillRef idx="0">
+            <a:schemeClr val="accent6"/>
+          </a:fillRef>
+          <a:effectRef idx="0">
+            <a:schemeClr val="accent6"/>
+          </a:effectRef>
+          <a:fontRef idx="minor">
+            <a:schemeClr val="tx1"/>
+          </a:fontRef>
+        </p:style>
+      </p:cxnSp>
+      <p:sp>
+        <p:nvSpPr>
+          <p:cNvPr id="59" name="Rectangle: Rounded Corners 58">
+            <a:extLst>
+              <a:ext uri="{FF2B5EF4-FFF2-40B4-BE49-F238E27FC236}">
+                <a16:creationId xmlns:a16="http://schemas.microsoft.com/office/drawing/2014/main" id="{7ABE99B5-AF7A-4F72-81FD-B3288C1F9444}"/>
+              </a:ext>
+            </a:extLst>
+          </p:cNvPr>
+          <p:cNvSpPr/>
+          <p:nvPr/>
+        </p:nvSpPr>
+        <p:spPr>
+          <a:xfrm>
+            <a:off x="9417713" y="917709"/>
+            <a:ext cx="270498" cy="500013"/>
+          </a:xfrm>
+          <a:prstGeom prst="roundRect">
+            <a:avLst/>
+          </a:prstGeom>
+          <a:noFill/>
+          <a:ln w="38100">
+            <a:solidFill>
+              <a:srgbClr val="FF0000"/>
+            </a:solidFill>
+          </a:ln>
+        </p:spPr>
+        <p:style>
+          <a:lnRef idx="2">
+            <a:schemeClr val="accent1">
+              <a:shade val="50000"/>
+            </a:schemeClr>
+          </a:lnRef>
+          <a:fillRef idx="1">
+            <a:schemeClr val="accent1"/>
+          </a:fillRef>
+          <a:effectRef idx="0">
+            <a:schemeClr val="accent1"/>
+          </a:effectRef>
+          <a:fontRef idx="minor">
+            <a:schemeClr val="lt1"/>
+          </a:fontRef>
+        </p:style>
+        <p:txBody>
+          <a:bodyPr rtlCol="0" anchor="ctr"/>
+          <a:lstStyle/>
+          <a:p>
+            <a:pPr algn="ctr"/>
+            <a:endParaRPr lang="en-US"/>
+          </a:p>
+        </p:txBody>
+      </p:sp>
+      <p:sp>
+        <p:nvSpPr>
+          <p:cNvPr id="60" name="Rectangle: Rounded Corners 59">
+            <a:extLst>
+              <a:ext uri="{FF2B5EF4-FFF2-40B4-BE49-F238E27FC236}">
+                <a16:creationId xmlns:a16="http://schemas.microsoft.com/office/drawing/2014/main" id="{EAD5AF26-449A-4D79-A56B-99B0E5A3293F}"/>
+              </a:ext>
+            </a:extLst>
+          </p:cNvPr>
+          <p:cNvSpPr/>
+          <p:nvPr/>
+        </p:nvSpPr>
+        <p:spPr>
+          <a:xfrm>
+            <a:off x="9727130" y="913094"/>
+            <a:ext cx="270498" cy="500013"/>
+          </a:xfrm>
+          <a:prstGeom prst="roundRect">
+            <a:avLst/>
+          </a:prstGeom>
+          <a:noFill/>
+          <a:ln w="38100">
+            <a:solidFill>
+              <a:srgbClr val="FF0000"/>
+            </a:solidFill>
+          </a:ln>
+        </p:spPr>
+        <p:style>
+          <a:lnRef idx="2">
+            <a:schemeClr val="accent1">
+              <a:shade val="50000"/>
+            </a:schemeClr>
+          </a:lnRef>
+          <a:fillRef idx="1">
+            <a:schemeClr val="accent1"/>
+          </a:fillRef>
+          <a:effectRef idx="0">
+            <a:schemeClr val="accent1"/>
+          </a:effectRef>
+          <a:fontRef idx="minor">
+            <a:schemeClr val="lt1"/>
+          </a:fontRef>
+        </p:style>
+        <p:txBody>
+          <a:bodyPr rtlCol="0" anchor="ctr"/>
+          <a:lstStyle/>
+          <a:p>
+            <a:pPr algn="ctr"/>
+            <a:endParaRPr lang="en-US"/>
+          </a:p>
+        </p:txBody>
+      </p:sp>
+      <p:cxnSp>
+        <p:nvCxnSpPr>
+          <p:cNvPr id="61" name="Straight Connector 60">
+            <a:extLst>
+              <a:ext uri="{FF2B5EF4-FFF2-40B4-BE49-F238E27FC236}">
+                <a16:creationId xmlns:a16="http://schemas.microsoft.com/office/drawing/2014/main" id="{42DBA4E2-84DF-4527-8FF4-EEF1D4C5CC07}"/>
+              </a:ext>
+            </a:extLst>
+          </p:cNvPr>
+          <p:cNvCxnSpPr>
+            <a:cxnSpLocks/>
+          </p:cNvCxnSpPr>
+          <p:nvPr/>
+        </p:nvCxnSpPr>
+        <p:spPr>
+          <a:xfrm>
+            <a:off x="6952361" y="5176194"/>
+            <a:ext cx="1" cy="386602"/>
+          </a:xfrm>
+          <a:prstGeom prst="line">
+            <a:avLst/>
+          </a:prstGeom>
+          <a:ln w="57150">
+            <a:solidFill>
+              <a:srgbClr val="FFFF00"/>
+            </a:solidFill>
+          </a:ln>
+        </p:spPr>
+        <p:style>
+          <a:lnRef idx="1">
+            <a:schemeClr val="accent6"/>
+          </a:lnRef>
+          <a:fillRef idx="0">
+            <a:schemeClr val="accent6"/>
+          </a:fillRef>
+          <a:effectRef idx="0">
+            <a:schemeClr val="accent6"/>
+          </a:effectRef>
+          <a:fontRef idx="minor">
+            <a:schemeClr val="tx1"/>
+          </a:fontRef>
+        </p:style>
+      </p:cxnSp>
+      <p:cxnSp>
+        <p:nvCxnSpPr>
+          <p:cNvPr id="62" name="Straight Connector 61">
+            <a:extLst>
+              <a:ext uri="{FF2B5EF4-FFF2-40B4-BE49-F238E27FC236}">
+                <a16:creationId xmlns:a16="http://schemas.microsoft.com/office/drawing/2014/main" id="{83DA42C3-900A-4B6A-B2ED-A9B22E2C2236}"/>
+              </a:ext>
+            </a:extLst>
+          </p:cNvPr>
+          <p:cNvCxnSpPr>
+            <a:cxnSpLocks/>
+          </p:cNvCxnSpPr>
+          <p:nvPr/>
+        </p:nvCxnSpPr>
+        <p:spPr>
+          <a:xfrm>
+            <a:off x="8673881" y="5174954"/>
+            <a:ext cx="1" cy="386602"/>
+          </a:xfrm>
+          <a:prstGeom prst="line">
+            <a:avLst/>
+          </a:prstGeom>
+          <a:ln w="57150">
+            <a:solidFill>
+              <a:srgbClr val="FFFF00"/>
+            </a:solidFill>
+          </a:ln>
+        </p:spPr>
+        <p:style>
+          <a:lnRef idx="1">
+            <a:schemeClr val="accent6"/>
+          </a:lnRef>
+          <a:fillRef idx="0">
+            <a:schemeClr val="accent6"/>
+          </a:fillRef>
+          <a:effectRef idx="0">
+            <a:schemeClr val="accent6"/>
+          </a:effectRef>
+          <a:fontRef idx="minor">
+            <a:schemeClr val="tx1"/>
+          </a:fontRef>
+        </p:style>
+      </p:cxnSp>
+      <p:cxnSp>
+        <p:nvCxnSpPr>
+          <p:cNvPr id="63" name="Straight Connector 62">
+            <a:extLst>
+              <a:ext uri="{FF2B5EF4-FFF2-40B4-BE49-F238E27FC236}">
+                <a16:creationId xmlns:a16="http://schemas.microsoft.com/office/drawing/2014/main" id="{C4AF49F5-3A11-4D83-A0AB-65F1EF00E59D}"/>
+              </a:ext>
+            </a:extLst>
+          </p:cNvPr>
+          <p:cNvCxnSpPr>
+            <a:cxnSpLocks/>
+          </p:cNvCxnSpPr>
+          <p:nvPr/>
+        </p:nvCxnSpPr>
+        <p:spPr>
+          <a:xfrm>
+            <a:off x="9251146" y="5170338"/>
+            <a:ext cx="1" cy="386602"/>
+          </a:xfrm>
+          <a:prstGeom prst="line">
+            <a:avLst/>
+          </a:prstGeom>
+          <a:ln w="57150">
+            <a:solidFill>
+              <a:srgbClr val="FFFF00"/>
+            </a:solidFill>
+          </a:ln>
+        </p:spPr>
+        <p:style>
+          <a:lnRef idx="1">
+            <a:schemeClr val="accent6"/>
+          </a:lnRef>
+          <a:fillRef idx="0">
+            <a:schemeClr val="accent6"/>
+          </a:fillRef>
+          <a:effectRef idx="0">
+            <a:schemeClr val="accent6"/>
+          </a:effectRef>
+          <a:fontRef idx="minor">
+            <a:schemeClr val="tx1"/>
+          </a:fontRef>
+        </p:style>
+      </p:cxnSp>
+      <p:cxnSp>
+        <p:nvCxnSpPr>
+          <p:cNvPr id="64" name="Straight Connector 63">
+            <a:extLst>
+              <a:ext uri="{FF2B5EF4-FFF2-40B4-BE49-F238E27FC236}">
+                <a16:creationId xmlns:a16="http://schemas.microsoft.com/office/drawing/2014/main" id="{5747853C-3744-4329-9ADC-8B2075099443}"/>
+              </a:ext>
+            </a:extLst>
+          </p:cNvPr>
+          <p:cNvCxnSpPr>
+            <a:cxnSpLocks/>
+          </p:cNvCxnSpPr>
+          <p:nvPr/>
+        </p:nvCxnSpPr>
+        <p:spPr>
+          <a:xfrm>
+            <a:off x="9819177" y="5174957"/>
+            <a:ext cx="1" cy="386602"/>
+          </a:xfrm>
+          <a:prstGeom prst="line">
+            <a:avLst/>
+          </a:prstGeom>
+          <a:ln w="57150">
+            <a:solidFill>
+              <a:srgbClr val="FFFF00"/>
+            </a:solidFill>
+          </a:ln>
+        </p:spPr>
+        <p:style>
+          <a:lnRef idx="1">
+            <a:schemeClr val="accent6"/>
+          </a:lnRef>
+          <a:fillRef idx="0">
+            <a:schemeClr val="accent6"/>
+          </a:fillRef>
+          <a:effectRef idx="0">
+            <a:schemeClr val="accent6"/>
+          </a:effectRef>
+          <a:fontRef idx="minor">
+            <a:schemeClr val="tx1"/>
+          </a:fontRef>
+        </p:style>
+      </p:cxnSp>
+      <p:cxnSp>
+        <p:nvCxnSpPr>
+          <p:cNvPr id="65" name="Straight Connector 64">
+            <a:extLst>
+              <a:ext uri="{FF2B5EF4-FFF2-40B4-BE49-F238E27FC236}">
+                <a16:creationId xmlns:a16="http://schemas.microsoft.com/office/drawing/2014/main" id="{BFB96D5B-E433-4DE7-A757-AD1EF5FE9DC2}"/>
+              </a:ext>
+            </a:extLst>
+          </p:cNvPr>
+          <p:cNvCxnSpPr>
+            <a:cxnSpLocks/>
+          </p:cNvCxnSpPr>
+          <p:nvPr/>
+        </p:nvCxnSpPr>
+        <p:spPr>
+          <a:xfrm>
+            <a:off x="5803699" y="2720374"/>
+            <a:ext cx="1741691" cy="2281877"/>
+          </a:xfrm>
+          <a:prstGeom prst="line">
+            <a:avLst/>
+          </a:prstGeom>
+          <a:ln w="57150">
+            <a:solidFill>
+              <a:srgbClr val="C00000"/>
+            </a:solidFill>
+          </a:ln>
+        </p:spPr>
+        <p:style>
+          <a:lnRef idx="1">
+            <a:schemeClr val="accent6"/>
+          </a:lnRef>
+          <a:fillRef idx="0">
+            <a:schemeClr val="accent6"/>
+          </a:fillRef>
+          <a:effectRef idx="0">
+            <a:schemeClr val="accent6"/>
+          </a:effectRef>
+          <a:fontRef idx="minor">
+            <a:schemeClr val="tx1"/>
+          </a:fontRef>
+        </p:style>
+      </p:cxnSp>
+      <p:cxnSp>
+        <p:nvCxnSpPr>
+          <p:cNvPr id="66" name="Straight Connector 65">
+            <a:extLst>
+              <a:ext uri="{FF2B5EF4-FFF2-40B4-BE49-F238E27FC236}">
+                <a16:creationId xmlns:a16="http://schemas.microsoft.com/office/drawing/2014/main" id="{3C29AA1A-B206-4F4D-96C2-1540D8CBF79B}"/>
+              </a:ext>
+            </a:extLst>
+          </p:cNvPr>
+          <p:cNvCxnSpPr>
+            <a:cxnSpLocks/>
+          </p:cNvCxnSpPr>
+          <p:nvPr/>
+        </p:nvCxnSpPr>
+        <p:spPr>
+          <a:xfrm flipH="1" flipV="1">
+            <a:off x="4969839" y="4725381"/>
+            <a:ext cx="3167397" cy="283575"/>
+          </a:xfrm>
+          <a:prstGeom prst="line">
+            <a:avLst/>
+          </a:prstGeom>
+          <a:ln w="57150">
+            <a:solidFill>
+              <a:srgbClr val="0070C0"/>
+            </a:solidFill>
+          </a:ln>
+        </p:spPr>
+        <p:style>
+          <a:lnRef idx="1">
+            <a:schemeClr val="accent6"/>
+          </a:lnRef>
+          <a:fillRef idx="0">
+            <a:schemeClr val="accent6"/>
+          </a:fillRef>
+          <a:effectRef idx="0">
+            <a:schemeClr val="accent6"/>
+          </a:effectRef>
+          <a:fontRef idx="minor">
+            <a:schemeClr val="tx1"/>
+          </a:fontRef>
+        </p:style>
+      </p:cxnSp>
+      <p:sp>
+        <p:nvSpPr>
+          <p:cNvPr id="67" name="Rectangle 66">
+            <a:extLst>
+              <a:ext uri="{FF2B5EF4-FFF2-40B4-BE49-F238E27FC236}">
+                <a16:creationId xmlns:a16="http://schemas.microsoft.com/office/drawing/2014/main" id="{A6AFEB01-C0C1-4F0F-86CE-AEB4413FE2BF}"/>
+              </a:ext>
+            </a:extLst>
+          </p:cNvPr>
+          <p:cNvSpPr/>
+          <p:nvPr/>
+        </p:nvSpPr>
+        <p:spPr>
+          <a:xfrm>
+            <a:off x="6207349" y="2809884"/>
+            <a:ext cx="1260000" cy="619116"/>
+          </a:xfrm>
+          <a:prstGeom prst="rect">
+            <a:avLst/>
+          </a:prstGeom>
+          <a:solidFill>
+            <a:schemeClr val="accent1">
+              <a:alpha val="50000"/>
+            </a:schemeClr>
+          </a:solidFill>
+          <a:ln>
+            <a:solidFill>
+              <a:srgbClr val="FFFF00"/>
+            </a:solidFill>
+          </a:ln>
+        </p:spPr>
+        <p:style>
+          <a:lnRef idx="2">
+            <a:schemeClr val="accent1">
+              <a:shade val="50000"/>
+            </a:schemeClr>
+          </a:lnRef>
+          <a:fillRef idx="1">
+            <a:schemeClr val="accent1"/>
+          </a:fillRef>
+          <a:effectRef idx="0">
+            <a:schemeClr val="accent1"/>
+          </a:effectRef>
+          <a:fontRef idx="minor">
+            <a:schemeClr val="lt1"/>
+          </a:fontRef>
+        </p:style>
+        <p:txBody>
+          <a:bodyPr rtlCol="0" anchor="ctr"/>
+          <a:lstStyle/>
+          <a:p>
+            <a:r>
+              <a:rPr lang="en-US" sz="1200" dirty="0"/>
+              <a:t> G   12V    G     5V</a:t>
+            </a:r>
+          </a:p>
+        </p:txBody>
+      </p:sp>
+      <p:sp>
+        <p:nvSpPr>
+          <p:cNvPr id="68" name="Rectangle 67">
+            <a:extLst>
+              <a:ext uri="{FF2B5EF4-FFF2-40B4-BE49-F238E27FC236}">
+                <a16:creationId xmlns:a16="http://schemas.microsoft.com/office/drawing/2014/main" id="{8B5FA8E5-911F-4C25-9093-F24DC965F4BE}"/>
+              </a:ext>
+            </a:extLst>
+          </p:cNvPr>
+          <p:cNvSpPr/>
+          <p:nvPr/>
+        </p:nvSpPr>
+        <p:spPr>
+          <a:xfrm>
+            <a:off x="7661632" y="2809884"/>
+            <a:ext cx="2376000" cy="619116"/>
+          </a:xfrm>
+          <a:prstGeom prst="rect">
+            <a:avLst/>
+          </a:prstGeom>
+          <a:solidFill>
+            <a:schemeClr val="accent1">
+              <a:alpha val="50000"/>
+            </a:schemeClr>
+          </a:solidFill>
+          <a:ln>
+            <a:solidFill>
+              <a:srgbClr val="FFFF00"/>
+            </a:solidFill>
+          </a:ln>
+        </p:spPr>
+        <p:style>
+          <a:lnRef idx="2">
+            <a:schemeClr val="accent1">
+              <a:shade val="50000"/>
+            </a:schemeClr>
+          </a:lnRef>
+          <a:fillRef idx="1">
+            <a:schemeClr val="accent1"/>
+          </a:fillRef>
+          <a:effectRef idx="0">
+            <a:schemeClr val="accent1"/>
+          </a:effectRef>
+          <a:fontRef idx="minor">
+            <a:schemeClr val="lt1"/>
+          </a:fontRef>
+        </p:style>
+        <p:txBody>
+          <a:bodyPr rtlCol="0" anchor="ctr"/>
+          <a:lstStyle/>
+          <a:p>
+            <a:r>
+              <a:rPr lang="en-US" sz="1200" dirty="0"/>
+              <a:t> 8      6      5      4     20    21   22    23</a:t>
+            </a:r>
+          </a:p>
+        </p:txBody>
+      </p:sp>
+      <p:cxnSp>
+        <p:nvCxnSpPr>
+          <p:cNvPr id="69" name="Straight Connector 68">
+            <a:extLst>
+              <a:ext uri="{FF2B5EF4-FFF2-40B4-BE49-F238E27FC236}">
+                <a16:creationId xmlns:a16="http://schemas.microsoft.com/office/drawing/2014/main" id="{DF7E11EC-C294-478B-A740-103F8EEA3373}"/>
+              </a:ext>
+            </a:extLst>
+          </p:cNvPr>
+          <p:cNvCxnSpPr>
+            <a:cxnSpLocks/>
+          </p:cNvCxnSpPr>
+          <p:nvPr/>
+        </p:nvCxnSpPr>
+        <p:spPr>
+          <a:xfrm flipH="1" flipV="1">
+            <a:off x="5831203" y="2739228"/>
+            <a:ext cx="1427436" cy="289411"/>
+          </a:xfrm>
+          <a:prstGeom prst="line">
+            <a:avLst/>
+          </a:prstGeom>
+          <a:ln w="57150">
+            <a:solidFill>
+              <a:srgbClr val="C00000"/>
+            </a:solidFill>
+          </a:ln>
+        </p:spPr>
+        <p:style>
+          <a:lnRef idx="1">
+            <a:schemeClr val="accent6"/>
+          </a:lnRef>
+          <a:fillRef idx="0">
+            <a:schemeClr val="accent6"/>
+          </a:fillRef>
+          <a:effectRef idx="0">
+            <a:schemeClr val="accent6"/>
+          </a:effectRef>
+          <a:fontRef idx="minor">
+            <a:schemeClr val="tx1"/>
+          </a:fontRef>
+        </p:style>
+      </p:cxnSp>
+      <p:cxnSp>
+        <p:nvCxnSpPr>
+          <p:cNvPr id="72" name="Straight Connector 71">
+            <a:extLst>
+              <a:ext uri="{FF2B5EF4-FFF2-40B4-BE49-F238E27FC236}">
+                <a16:creationId xmlns:a16="http://schemas.microsoft.com/office/drawing/2014/main" id="{14C05552-FECA-4B52-BD6B-E7C8D8D3CDDE}"/>
+              </a:ext>
+            </a:extLst>
+          </p:cNvPr>
+          <p:cNvCxnSpPr>
+            <a:cxnSpLocks/>
+          </p:cNvCxnSpPr>
+          <p:nvPr/>
+        </p:nvCxnSpPr>
+        <p:spPr>
+          <a:xfrm flipH="1">
+            <a:off x="5825537" y="2998824"/>
+            <a:ext cx="872996" cy="1716687"/>
+          </a:xfrm>
+          <a:prstGeom prst="line">
+            <a:avLst/>
+          </a:prstGeom>
+          <a:ln w="57150">
+            <a:solidFill>
+              <a:srgbClr val="C00000"/>
+            </a:solidFill>
+          </a:ln>
+        </p:spPr>
+        <p:style>
+          <a:lnRef idx="1">
+            <a:schemeClr val="accent6"/>
+          </a:lnRef>
+          <a:fillRef idx="0">
+            <a:schemeClr val="accent6"/>
+          </a:fillRef>
+          <a:effectRef idx="0">
+            <a:schemeClr val="accent6"/>
+          </a:effectRef>
+          <a:fontRef idx="minor">
+            <a:schemeClr val="tx1"/>
+          </a:fontRef>
+        </p:style>
+      </p:cxnSp>
+      <p:cxnSp>
+        <p:nvCxnSpPr>
+          <p:cNvPr id="75" name="Straight Connector 74">
+            <a:extLst>
+              <a:ext uri="{FF2B5EF4-FFF2-40B4-BE49-F238E27FC236}">
+                <a16:creationId xmlns:a16="http://schemas.microsoft.com/office/drawing/2014/main" id="{54FC94CF-F8B5-4131-BF0E-84AB1CCE6DAC}"/>
+              </a:ext>
+            </a:extLst>
+          </p:cNvPr>
+          <p:cNvCxnSpPr>
+            <a:cxnSpLocks/>
+          </p:cNvCxnSpPr>
+          <p:nvPr/>
+        </p:nvCxnSpPr>
+        <p:spPr>
+          <a:xfrm>
+            <a:off x="6700987" y="2425341"/>
+            <a:ext cx="270457" cy="603298"/>
+          </a:xfrm>
+          <a:prstGeom prst="line">
+            <a:avLst/>
+          </a:prstGeom>
+          <a:ln w="57150">
+            <a:solidFill>
+              <a:srgbClr val="0070C0"/>
+            </a:solidFill>
+          </a:ln>
+        </p:spPr>
+        <p:style>
+          <a:lnRef idx="1">
+            <a:schemeClr val="accent6"/>
+          </a:lnRef>
+          <a:fillRef idx="0">
+            <a:schemeClr val="accent6"/>
+          </a:fillRef>
+          <a:effectRef idx="0">
+            <a:schemeClr val="accent6"/>
+          </a:effectRef>
+          <a:fontRef idx="minor">
+            <a:schemeClr val="tx1"/>
+          </a:fontRef>
+        </p:style>
+      </p:cxnSp>
     </p:spTree>
     <p:extLst>
       <p:ext uri="{BB962C8B-B14F-4D97-AF65-F5344CB8AC3E}">
         <p14:creationId xmlns:p14="http://schemas.microsoft.com/office/powerpoint/2010/main" val="369849686"/>
+      </p:ext>
+    </p:extLst>
+  </p:cSld>
+  <p:clrMapOvr>
+    <a:masterClrMapping/>
+  </p:clrMapOvr>
+</p:sld>
+</file>
+
+<file path=ppt/slides/slide5.xml><?xml version="1.0" encoding="utf-8"?>
+<p:sld xmlns:a="http://schemas.openxmlformats.org/drawingml/2006/main" xmlns:r="http://schemas.openxmlformats.org/officeDocument/2006/relationships" xmlns:p="http://schemas.openxmlformats.org/presentationml/2006/main">
+  <p:cSld>
+    <p:spTree>
+      <p:nvGrpSpPr>
+        <p:cNvPr id="1" name=""/>
+        <p:cNvGrpSpPr/>
+        <p:nvPr/>
+      </p:nvGrpSpPr>
+      <p:grpSpPr>
+        <a:xfrm>
+          <a:off x="0" y="0"/>
+          <a:ext cx="0" cy="0"/>
+          <a:chOff x="0" y="0"/>
+          <a:chExt cx="0" cy="0"/>
+        </a:xfrm>
+      </p:grpSpPr>
+      <p:pic>
+        <p:nvPicPr>
+          <p:cNvPr id="5" name="Picture 4" descr="A picture containing circuit&#10;&#10;Description automatically generated">
+            <a:extLst>
+              <a:ext uri="{FF2B5EF4-FFF2-40B4-BE49-F238E27FC236}">
+                <a16:creationId xmlns:a16="http://schemas.microsoft.com/office/drawing/2014/main" id="{D87F3478-F785-4DE8-8C9F-F53410282431}"/>
+              </a:ext>
+            </a:extLst>
+          </p:cNvPr>
+          <p:cNvPicPr>
+            <a:picLocks noChangeAspect="1"/>
+          </p:cNvPicPr>
+          <p:nvPr/>
+        </p:nvPicPr>
+        <p:blipFill>
+          <a:blip r:embed="rId2">
+            <a:extLst>
+              <a:ext uri="{28A0092B-C50C-407E-A947-70E740481C1C}">
+                <a14:useLocalDpi xmlns:a14="http://schemas.microsoft.com/office/drawing/2010/main" val="0"/>
+              </a:ext>
+            </a:extLst>
+          </a:blip>
+          <a:stretch>
+            <a:fillRect/>
+          </a:stretch>
+        </p:blipFill>
+        <p:spPr>
+          <a:xfrm rot="5400000">
+            <a:off x="2945876" y="636313"/>
+            <a:ext cx="6306532" cy="5618375"/>
+          </a:xfrm>
+          <a:prstGeom prst="rect">
+            <a:avLst/>
+          </a:prstGeom>
+        </p:spPr>
+      </p:pic>
+      <p:sp>
+        <p:nvSpPr>
+          <p:cNvPr id="11" name="Rectangle 10">
+            <a:extLst>
+              <a:ext uri="{FF2B5EF4-FFF2-40B4-BE49-F238E27FC236}">
+                <a16:creationId xmlns:a16="http://schemas.microsoft.com/office/drawing/2014/main" id="{4E57FB4A-43D3-4EC7-908C-AD513422A159}"/>
+              </a:ext>
+            </a:extLst>
+          </p:cNvPr>
+          <p:cNvSpPr/>
+          <p:nvPr/>
+        </p:nvSpPr>
+        <p:spPr>
+          <a:xfrm rot="5400000">
+            <a:off x="5345877" y="240276"/>
+            <a:ext cx="402058" cy="682681"/>
+          </a:xfrm>
+          <a:prstGeom prst="rect">
+            <a:avLst/>
+          </a:prstGeom>
+          <a:solidFill>
+            <a:schemeClr val="accent1">
+              <a:alpha val="50000"/>
+            </a:schemeClr>
+          </a:solidFill>
+          <a:ln>
+            <a:solidFill>
+              <a:srgbClr val="FFFF00"/>
+            </a:solidFill>
+          </a:ln>
+        </p:spPr>
+        <p:style>
+          <a:lnRef idx="2">
+            <a:schemeClr val="accent1">
+              <a:shade val="50000"/>
+            </a:schemeClr>
+          </a:lnRef>
+          <a:fillRef idx="1">
+            <a:schemeClr val="accent1"/>
+          </a:fillRef>
+          <a:effectRef idx="0">
+            <a:schemeClr val="accent1"/>
+          </a:effectRef>
+          <a:fontRef idx="minor">
+            <a:schemeClr val="lt1"/>
+          </a:fontRef>
+        </p:style>
+        <p:txBody>
+          <a:bodyPr vert="vert270" rtlCol="0" anchor="ctr"/>
+          <a:lstStyle/>
+          <a:p>
+            <a:pPr algn="ctr"/>
+            <a:r>
+              <a:rPr lang="en-US" sz="1400" dirty="0"/>
+              <a:t>Motion</a:t>
+            </a:r>
+          </a:p>
+        </p:txBody>
+      </p:sp>
+      <p:sp>
+        <p:nvSpPr>
+          <p:cNvPr id="12" name="Rectangle 11">
+            <a:extLst>
+              <a:ext uri="{FF2B5EF4-FFF2-40B4-BE49-F238E27FC236}">
+                <a16:creationId xmlns:a16="http://schemas.microsoft.com/office/drawing/2014/main" id="{B790B93B-B983-4D14-9660-D2CB02A5EFF2}"/>
+              </a:ext>
+            </a:extLst>
+          </p:cNvPr>
+          <p:cNvSpPr/>
+          <p:nvPr/>
+        </p:nvSpPr>
+        <p:spPr>
+          <a:xfrm rot="5400000">
+            <a:off x="6237915" y="241700"/>
+            <a:ext cx="402058" cy="682681"/>
+          </a:xfrm>
+          <a:prstGeom prst="rect">
+            <a:avLst/>
+          </a:prstGeom>
+          <a:solidFill>
+            <a:schemeClr val="accent1">
+              <a:alpha val="50000"/>
+            </a:schemeClr>
+          </a:solidFill>
+          <a:ln>
+            <a:solidFill>
+              <a:srgbClr val="FFFF00"/>
+            </a:solidFill>
+          </a:ln>
+        </p:spPr>
+        <p:style>
+          <a:lnRef idx="2">
+            <a:schemeClr val="accent1">
+              <a:shade val="50000"/>
+            </a:schemeClr>
+          </a:lnRef>
+          <a:fillRef idx="1">
+            <a:schemeClr val="accent1"/>
+          </a:fillRef>
+          <a:effectRef idx="0">
+            <a:schemeClr val="accent1"/>
+          </a:effectRef>
+          <a:fontRef idx="minor">
+            <a:schemeClr val="lt1"/>
+          </a:fontRef>
+        </p:style>
+        <p:txBody>
+          <a:bodyPr vert="vert270" rtlCol="0" anchor="ctr"/>
+          <a:lstStyle/>
+          <a:p>
+            <a:pPr algn="ctr"/>
+            <a:r>
+              <a:rPr lang="en-US" sz="1400" dirty="0"/>
+              <a:t>Light</a:t>
+            </a:r>
+          </a:p>
+        </p:txBody>
+      </p:sp>
+      <p:sp>
+        <p:nvSpPr>
+          <p:cNvPr id="13" name="Rectangle 12">
+            <a:extLst>
+              <a:ext uri="{FF2B5EF4-FFF2-40B4-BE49-F238E27FC236}">
+                <a16:creationId xmlns:a16="http://schemas.microsoft.com/office/drawing/2014/main" id="{A39FB826-1BB7-4608-9A5F-2D5DF687B4CF}"/>
+              </a:ext>
+            </a:extLst>
+          </p:cNvPr>
+          <p:cNvSpPr/>
+          <p:nvPr/>
+        </p:nvSpPr>
+        <p:spPr>
+          <a:xfrm rot="5400000">
+            <a:off x="5232757" y="5794194"/>
+            <a:ext cx="402058" cy="961533"/>
+          </a:xfrm>
+          <a:prstGeom prst="rect">
+            <a:avLst/>
+          </a:prstGeom>
+          <a:solidFill>
+            <a:schemeClr val="accent1">
+              <a:alpha val="50000"/>
+            </a:schemeClr>
+          </a:solidFill>
+          <a:ln>
+            <a:solidFill>
+              <a:srgbClr val="FFFF00"/>
+            </a:solidFill>
+          </a:ln>
+        </p:spPr>
+        <p:style>
+          <a:lnRef idx="2">
+            <a:schemeClr val="accent1">
+              <a:shade val="50000"/>
+            </a:schemeClr>
+          </a:lnRef>
+          <a:fillRef idx="1">
+            <a:schemeClr val="accent1"/>
+          </a:fillRef>
+          <a:effectRef idx="0">
+            <a:schemeClr val="accent1"/>
+          </a:effectRef>
+          <a:fontRef idx="minor">
+            <a:schemeClr val="lt1"/>
+          </a:fontRef>
+        </p:style>
+        <p:txBody>
+          <a:bodyPr vert="vert270" rtlCol="0" anchor="ctr"/>
+          <a:lstStyle/>
+          <a:p>
+            <a:pPr algn="ctr"/>
+            <a:r>
+              <a:rPr lang="en-US" sz="1400" dirty="0"/>
+              <a:t>LCD</a:t>
+            </a:r>
+          </a:p>
+        </p:txBody>
+      </p:sp>
+      <p:sp>
+        <p:nvSpPr>
+          <p:cNvPr id="14" name="Rectangle 13">
+            <a:extLst>
+              <a:ext uri="{FF2B5EF4-FFF2-40B4-BE49-F238E27FC236}">
+                <a16:creationId xmlns:a16="http://schemas.microsoft.com/office/drawing/2014/main" id="{790DAAD3-EF18-4DBB-91B6-D409B2FC85D5}"/>
+              </a:ext>
+            </a:extLst>
+          </p:cNvPr>
+          <p:cNvSpPr/>
+          <p:nvPr/>
+        </p:nvSpPr>
+        <p:spPr>
+          <a:xfrm rot="5400000">
+            <a:off x="6848687" y="5794193"/>
+            <a:ext cx="402058" cy="961533"/>
+          </a:xfrm>
+          <a:prstGeom prst="rect">
+            <a:avLst/>
+          </a:prstGeom>
+          <a:solidFill>
+            <a:schemeClr val="accent1">
+              <a:alpha val="50000"/>
+            </a:schemeClr>
+          </a:solidFill>
+          <a:ln>
+            <a:solidFill>
+              <a:srgbClr val="FFFF00"/>
+            </a:solidFill>
+          </a:ln>
+        </p:spPr>
+        <p:style>
+          <a:lnRef idx="2">
+            <a:schemeClr val="accent1">
+              <a:shade val="50000"/>
+            </a:schemeClr>
+          </a:lnRef>
+          <a:fillRef idx="1">
+            <a:schemeClr val="accent1"/>
+          </a:fillRef>
+          <a:effectRef idx="0">
+            <a:schemeClr val="accent1"/>
+          </a:effectRef>
+          <a:fontRef idx="minor">
+            <a:schemeClr val="lt1"/>
+          </a:fontRef>
+        </p:style>
+        <p:txBody>
+          <a:bodyPr vert="vert270" rtlCol="0" anchor="ctr"/>
+          <a:lstStyle/>
+          <a:p>
+            <a:pPr algn="ctr"/>
+            <a:r>
+              <a:rPr lang="en-US" sz="1400" dirty="0"/>
+              <a:t>Clock</a:t>
+            </a:r>
+          </a:p>
+        </p:txBody>
+      </p:sp>
+      <p:sp>
+        <p:nvSpPr>
+          <p:cNvPr id="15" name="Rectangle 14">
+            <a:extLst>
+              <a:ext uri="{FF2B5EF4-FFF2-40B4-BE49-F238E27FC236}">
+                <a16:creationId xmlns:a16="http://schemas.microsoft.com/office/drawing/2014/main" id="{9BBEF3A5-E5BF-4F62-AACF-FACFD6C8CE38}"/>
+              </a:ext>
+            </a:extLst>
+          </p:cNvPr>
+          <p:cNvSpPr/>
+          <p:nvPr/>
+        </p:nvSpPr>
+        <p:spPr>
+          <a:xfrm rot="5400000">
+            <a:off x="7561059" y="2809944"/>
+            <a:ext cx="735290" cy="1035436"/>
+          </a:xfrm>
+          <a:prstGeom prst="rect">
+            <a:avLst/>
+          </a:prstGeom>
+          <a:solidFill>
+            <a:schemeClr val="accent1">
+              <a:alpha val="50000"/>
+            </a:schemeClr>
+          </a:solidFill>
+          <a:ln>
+            <a:solidFill>
+              <a:srgbClr val="FFFF00"/>
+            </a:solidFill>
+          </a:ln>
+        </p:spPr>
+        <p:style>
+          <a:lnRef idx="2">
+            <a:schemeClr val="accent1">
+              <a:shade val="50000"/>
+            </a:schemeClr>
+          </a:lnRef>
+          <a:fillRef idx="1">
+            <a:schemeClr val="accent1"/>
+          </a:fillRef>
+          <a:effectRef idx="0">
+            <a:schemeClr val="accent1"/>
+          </a:effectRef>
+          <a:fontRef idx="minor">
+            <a:schemeClr val="lt1"/>
+          </a:fontRef>
+        </p:style>
+        <p:txBody>
+          <a:bodyPr vert="vert270" rtlCol="0" anchor="ctr"/>
+          <a:lstStyle/>
+          <a:p>
+            <a:pPr algn="ctr"/>
+            <a:r>
+              <a:rPr lang="en-US" sz="1400" dirty="0">
+                <a:solidFill>
+                  <a:srgbClr val="FF0000"/>
+                </a:solidFill>
+              </a:rPr>
+              <a:t>Menu</a:t>
+            </a:r>
+          </a:p>
+          <a:p>
+            <a:pPr algn="ctr"/>
+            <a:r>
+              <a:rPr lang="en-US" sz="1400" dirty="0">
+                <a:solidFill>
+                  <a:srgbClr val="FF0000"/>
+                </a:solidFill>
+              </a:rPr>
+              <a:t>Button</a:t>
+            </a:r>
+          </a:p>
+        </p:txBody>
+      </p:sp>
+      <p:cxnSp>
+        <p:nvCxnSpPr>
+          <p:cNvPr id="16" name="Straight Connector 15">
+            <a:extLst>
+              <a:ext uri="{FF2B5EF4-FFF2-40B4-BE49-F238E27FC236}">
+                <a16:creationId xmlns:a16="http://schemas.microsoft.com/office/drawing/2014/main" id="{E37350D0-DD2B-413D-B97C-7366A5753FD6}"/>
+              </a:ext>
+            </a:extLst>
+          </p:cNvPr>
+          <p:cNvCxnSpPr>
+            <a:cxnSpLocks/>
+          </p:cNvCxnSpPr>
+          <p:nvPr/>
+        </p:nvCxnSpPr>
+        <p:spPr>
+          <a:xfrm flipH="1">
+            <a:off x="4298624" y="584462"/>
+            <a:ext cx="1027520" cy="1"/>
+          </a:xfrm>
+          <a:prstGeom prst="line">
+            <a:avLst/>
+          </a:prstGeom>
+          <a:ln w="57150">
+            <a:solidFill>
+              <a:srgbClr val="FFFF00"/>
+            </a:solidFill>
+          </a:ln>
+        </p:spPr>
+        <p:style>
+          <a:lnRef idx="1">
+            <a:schemeClr val="accent6"/>
+          </a:lnRef>
+          <a:fillRef idx="0">
+            <a:schemeClr val="accent6"/>
+          </a:fillRef>
+          <a:effectRef idx="0">
+            <a:schemeClr val="accent6"/>
+          </a:effectRef>
+          <a:fontRef idx="minor">
+            <a:schemeClr val="tx1"/>
+          </a:fontRef>
+        </p:style>
+      </p:cxnSp>
+      <p:cxnSp>
+        <p:nvCxnSpPr>
+          <p:cNvPr id="19" name="Straight Connector 18">
+            <a:extLst>
+              <a:ext uri="{FF2B5EF4-FFF2-40B4-BE49-F238E27FC236}">
+                <a16:creationId xmlns:a16="http://schemas.microsoft.com/office/drawing/2014/main" id="{950E3710-DCE9-4FD5-A0EF-1F559FECD9CD}"/>
+              </a:ext>
+            </a:extLst>
+          </p:cNvPr>
+          <p:cNvCxnSpPr>
+            <a:cxnSpLocks/>
+          </p:cNvCxnSpPr>
+          <p:nvPr/>
+        </p:nvCxnSpPr>
+        <p:spPr>
+          <a:xfrm flipH="1">
+            <a:off x="4264011" y="571987"/>
+            <a:ext cx="1985960" cy="467051"/>
+          </a:xfrm>
+          <a:prstGeom prst="line">
+            <a:avLst/>
+          </a:prstGeom>
+          <a:ln w="57150">
+            <a:solidFill>
+              <a:srgbClr val="FFFF00"/>
+            </a:solidFill>
+          </a:ln>
+        </p:spPr>
+        <p:style>
+          <a:lnRef idx="1">
+            <a:schemeClr val="accent6"/>
+          </a:lnRef>
+          <a:fillRef idx="0">
+            <a:schemeClr val="accent6"/>
+          </a:fillRef>
+          <a:effectRef idx="0">
+            <a:schemeClr val="accent6"/>
+          </a:effectRef>
+          <a:fontRef idx="minor">
+            <a:schemeClr val="tx1"/>
+          </a:fontRef>
+        </p:style>
+      </p:cxnSp>
+      <p:cxnSp>
+        <p:nvCxnSpPr>
+          <p:cNvPr id="21" name="Straight Connector 20">
+            <a:extLst>
+              <a:ext uri="{FF2B5EF4-FFF2-40B4-BE49-F238E27FC236}">
+                <a16:creationId xmlns:a16="http://schemas.microsoft.com/office/drawing/2014/main" id="{09554618-BBCB-45F5-B21D-4AA5D67F87F6}"/>
+              </a:ext>
+            </a:extLst>
+          </p:cNvPr>
+          <p:cNvCxnSpPr>
+            <a:cxnSpLocks/>
+          </p:cNvCxnSpPr>
+          <p:nvPr/>
+        </p:nvCxnSpPr>
+        <p:spPr>
+          <a:xfrm flipH="1">
+            <a:off x="4264011" y="581616"/>
+            <a:ext cx="1278950" cy="5017906"/>
+          </a:xfrm>
+          <a:prstGeom prst="line">
+            <a:avLst/>
+          </a:prstGeom>
+          <a:ln w="57150">
+            <a:solidFill>
+              <a:srgbClr val="C00000"/>
+            </a:solidFill>
+          </a:ln>
+        </p:spPr>
+        <p:style>
+          <a:lnRef idx="1">
+            <a:schemeClr val="accent6"/>
+          </a:lnRef>
+          <a:fillRef idx="0">
+            <a:schemeClr val="accent6"/>
+          </a:fillRef>
+          <a:effectRef idx="0">
+            <a:schemeClr val="accent6"/>
+          </a:effectRef>
+          <a:fontRef idx="minor">
+            <a:schemeClr val="tx1"/>
+          </a:fontRef>
+        </p:style>
+      </p:cxnSp>
+      <p:cxnSp>
+        <p:nvCxnSpPr>
+          <p:cNvPr id="24" name="Straight Connector 23">
+            <a:extLst>
+              <a:ext uri="{FF2B5EF4-FFF2-40B4-BE49-F238E27FC236}">
+                <a16:creationId xmlns:a16="http://schemas.microsoft.com/office/drawing/2014/main" id="{23DBE34F-5241-4533-8B33-DE2181984D27}"/>
+              </a:ext>
+            </a:extLst>
+          </p:cNvPr>
+          <p:cNvCxnSpPr>
+            <a:cxnSpLocks/>
+          </p:cNvCxnSpPr>
+          <p:nvPr/>
+        </p:nvCxnSpPr>
+        <p:spPr>
+          <a:xfrm flipH="1">
+            <a:off x="4302928" y="568001"/>
+            <a:ext cx="2127092" cy="4118692"/>
+          </a:xfrm>
+          <a:prstGeom prst="line">
+            <a:avLst/>
+          </a:prstGeom>
+          <a:ln w="57150">
+            <a:solidFill>
+              <a:srgbClr val="C00000"/>
+            </a:solidFill>
+          </a:ln>
+        </p:spPr>
+        <p:style>
+          <a:lnRef idx="1">
+            <a:schemeClr val="accent6"/>
+          </a:lnRef>
+          <a:fillRef idx="0">
+            <a:schemeClr val="accent6"/>
+          </a:fillRef>
+          <a:effectRef idx="0">
+            <a:schemeClr val="accent6"/>
+          </a:effectRef>
+          <a:fontRef idx="minor">
+            <a:schemeClr val="tx1"/>
+          </a:fontRef>
+        </p:style>
+      </p:cxnSp>
+      <p:cxnSp>
+        <p:nvCxnSpPr>
+          <p:cNvPr id="26" name="Straight Connector 25">
+            <a:extLst>
+              <a:ext uri="{FF2B5EF4-FFF2-40B4-BE49-F238E27FC236}">
+                <a16:creationId xmlns:a16="http://schemas.microsoft.com/office/drawing/2014/main" id="{B87C9EB3-B7FF-4859-B9E2-3BF6B4AAAF28}"/>
+              </a:ext>
+            </a:extLst>
+          </p:cNvPr>
+          <p:cNvCxnSpPr>
+            <a:cxnSpLocks/>
+          </p:cNvCxnSpPr>
+          <p:nvPr/>
+        </p:nvCxnSpPr>
+        <p:spPr>
+          <a:xfrm flipH="1">
+            <a:off x="4264012" y="587309"/>
+            <a:ext cx="1495765" cy="5427829"/>
+          </a:xfrm>
+          <a:prstGeom prst="line">
+            <a:avLst/>
+          </a:prstGeom>
+          <a:ln w="57150">
+            <a:solidFill>
+              <a:srgbClr val="0070C0"/>
+            </a:solidFill>
+          </a:ln>
+        </p:spPr>
+        <p:style>
+          <a:lnRef idx="1">
+            <a:schemeClr val="accent6"/>
+          </a:lnRef>
+          <a:fillRef idx="0">
+            <a:schemeClr val="accent6"/>
+          </a:fillRef>
+          <a:effectRef idx="0">
+            <a:schemeClr val="accent6"/>
+          </a:effectRef>
+          <a:fontRef idx="minor">
+            <a:schemeClr val="tx1"/>
+          </a:fontRef>
+        </p:style>
+      </p:cxnSp>
+      <p:cxnSp>
+        <p:nvCxnSpPr>
+          <p:cNvPr id="28" name="Straight Connector 27">
+            <a:extLst>
+              <a:ext uri="{FF2B5EF4-FFF2-40B4-BE49-F238E27FC236}">
+                <a16:creationId xmlns:a16="http://schemas.microsoft.com/office/drawing/2014/main" id="{AE63C357-852C-44B2-AFD3-6AF88A1FA2B0}"/>
+              </a:ext>
+            </a:extLst>
+          </p:cNvPr>
+          <p:cNvCxnSpPr>
+            <a:cxnSpLocks/>
+          </p:cNvCxnSpPr>
+          <p:nvPr/>
+        </p:nvCxnSpPr>
+        <p:spPr>
+          <a:xfrm flipH="1">
+            <a:off x="4264011" y="577630"/>
+            <a:ext cx="2385030" cy="4625966"/>
+          </a:xfrm>
+          <a:prstGeom prst="line">
+            <a:avLst/>
+          </a:prstGeom>
+          <a:ln w="57150">
+            <a:solidFill>
+              <a:srgbClr val="0070C0"/>
+            </a:solidFill>
+          </a:ln>
+        </p:spPr>
+        <p:style>
+          <a:lnRef idx="1">
+            <a:schemeClr val="accent6"/>
+          </a:lnRef>
+          <a:fillRef idx="0">
+            <a:schemeClr val="accent6"/>
+          </a:fillRef>
+          <a:effectRef idx="0">
+            <a:schemeClr val="accent6"/>
+          </a:effectRef>
+          <a:fontRef idx="minor">
+            <a:schemeClr val="tx1"/>
+          </a:fontRef>
+        </p:style>
+      </p:cxnSp>
+      <p:cxnSp>
+        <p:nvCxnSpPr>
+          <p:cNvPr id="31" name="Straight Connector 30">
+            <a:extLst>
+              <a:ext uri="{FF2B5EF4-FFF2-40B4-BE49-F238E27FC236}">
+                <a16:creationId xmlns:a16="http://schemas.microsoft.com/office/drawing/2014/main" id="{FC2F0058-73B3-4D0F-9C9A-6F14EE4EB564}"/>
+              </a:ext>
+            </a:extLst>
+          </p:cNvPr>
+          <p:cNvCxnSpPr>
+            <a:cxnSpLocks/>
+          </p:cNvCxnSpPr>
+          <p:nvPr/>
+        </p:nvCxnSpPr>
+        <p:spPr>
+          <a:xfrm flipH="1" flipV="1">
+            <a:off x="4247612" y="5127797"/>
+            <a:ext cx="893551" cy="1230116"/>
+          </a:xfrm>
+          <a:prstGeom prst="line">
+            <a:avLst/>
+          </a:prstGeom>
+          <a:ln w="57150">
+            <a:solidFill>
+              <a:srgbClr val="0070C0"/>
+            </a:solidFill>
+          </a:ln>
+        </p:spPr>
+        <p:style>
+          <a:lnRef idx="1">
+            <a:schemeClr val="accent6"/>
+          </a:lnRef>
+          <a:fillRef idx="0">
+            <a:schemeClr val="accent6"/>
+          </a:fillRef>
+          <a:effectRef idx="0">
+            <a:schemeClr val="accent6"/>
+          </a:effectRef>
+          <a:fontRef idx="minor">
+            <a:schemeClr val="tx1"/>
+          </a:fontRef>
+        </p:style>
+      </p:cxnSp>
+      <p:cxnSp>
+        <p:nvCxnSpPr>
+          <p:cNvPr id="34" name="Straight Connector 33">
+            <a:extLst>
+              <a:ext uri="{FF2B5EF4-FFF2-40B4-BE49-F238E27FC236}">
+                <a16:creationId xmlns:a16="http://schemas.microsoft.com/office/drawing/2014/main" id="{C8D8BECD-3DD6-4B16-AB9A-8987FE913A17}"/>
+              </a:ext>
+            </a:extLst>
+          </p:cNvPr>
+          <p:cNvCxnSpPr>
+            <a:cxnSpLocks/>
+          </p:cNvCxnSpPr>
+          <p:nvPr/>
+        </p:nvCxnSpPr>
+        <p:spPr>
+          <a:xfrm flipH="1">
+            <a:off x="5141164" y="6329484"/>
+            <a:ext cx="1624868" cy="8809"/>
+          </a:xfrm>
+          <a:prstGeom prst="line">
+            <a:avLst/>
+          </a:prstGeom>
+          <a:ln w="57150">
+            <a:solidFill>
+              <a:srgbClr val="0070C0"/>
+            </a:solidFill>
+          </a:ln>
+        </p:spPr>
+        <p:style>
+          <a:lnRef idx="1">
+            <a:schemeClr val="accent6"/>
+          </a:lnRef>
+          <a:fillRef idx="0">
+            <a:schemeClr val="accent6"/>
+          </a:fillRef>
+          <a:effectRef idx="0">
+            <a:schemeClr val="accent6"/>
+          </a:effectRef>
+          <a:fontRef idx="minor">
+            <a:schemeClr val="tx1"/>
+          </a:fontRef>
+        </p:style>
+      </p:cxnSp>
+      <p:cxnSp>
+        <p:nvCxnSpPr>
+          <p:cNvPr id="37" name="Straight Connector 36">
+            <a:extLst>
+              <a:ext uri="{FF2B5EF4-FFF2-40B4-BE49-F238E27FC236}">
+                <a16:creationId xmlns:a16="http://schemas.microsoft.com/office/drawing/2014/main" id="{C77ECE5D-A3A0-433D-9AF8-7C2E2BBC7304}"/>
+              </a:ext>
+            </a:extLst>
+          </p:cNvPr>
+          <p:cNvCxnSpPr>
+            <a:cxnSpLocks/>
+          </p:cNvCxnSpPr>
+          <p:nvPr/>
+        </p:nvCxnSpPr>
+        <p:spPr>
+          <a:xfrm flipH="1" flipV="1">
+            <a:off x="4220391" y="4691435"/>
+            <a:ext cx="1073172" cy="1579256"/>
+          </a:xfrm>
+          <a:prstGeom prst="line">
+            <a:avLst/>
+          </a:prstGeom>
+          <a:ln w="57150">
+            <a:solidFill>
+              <a:srgbClr val="C00000"/>
+            </a:solidFill>
+          </a:ln>
+        </p:spPr>
+        <p:style>
+          <a:lnRef idx="1">
+            <a:schemeClr val="accent6"/>
+          </a:lnRef>
+          <a:fillRef idx="0">
+            <a:schemeClr val="accent6"/>
+          </a:fillRef>
+          <a:effectRef idx="0">
+            <a:schemeClr val="accent6"/>
+          </a:effectRef>
+          <a:fontRef idx="minor">
+            <a:schemeClr val="tx1"/>
+          </a:fontRef>
+        </p:style>
+      </p:cxnSp>
+      <p:cxnSp>
+        <p:nvCxnSpPr>
+          <p:cNvPr id="40" name="Straight Connector 39">
+            <a:extLst>
+              <a:ext uri="{FF2B5EF4-FFF2-40B4-BE49-F238E27FC236}">
+                <a16:creationId xmlns:a16="http://schemas.microsoft.com/office/drawing/2014/main" id="{AA016AFB-BDBA-4474-8A56-CD16BAB859A1}"/>
+              </a:ext>
+            </a:extLst>
+          </p:cNvPr>
+          <p:cNvCxnSpPr>
+            <a:cxnSpLocks/>
+          </p:cNvCxnSpPr>
+          <p:nvPr/>
+        </p:nvCxnSpPr>
+        <p:spPr>
+          <a:xfrm flipH="1" flipV="1">
+            <a:off x="5271999" y="6245545"/>
+            <a:ext cx="1684629" cy="8168"/>
+          </a:xfrm>
+          <a:prstGeom prst="line">
+            <a:avLst/>
+          </a:prstGeom>
+          <a:ln w="57150">
+            <a:solidFill>
+              <a:srgbClr val="C00000"/>
+            </a:solidFill>
+          </a:ln>
+        </p:spPr>
+        <p:style>
+          <a:lnRef idx="1">
+            <a:schemeClr val="accent6"/>
+          </a:lnRef>
+          <a:fillRef idx="0">
+            <a:schemeClr val="accent6"/>
+          </a:fillRef>
+          <a:effectRef idx="0">
+            <a:schemeClr val="accent6"/>
+          </a:effectRef>
+          <a:fontRef idx="minor">
+            <a:schemeClr val="tx1"/>
+          </a:fontRef>
+        </p:style>
+      </p:cxnSp>
+      <p:cxnSp>
+        <p:nvCxnSpPr>
+          <p:cNvPr id="43" name="Straight Connector 42">
+            <a:extLst>
+              <a:ext uri="{FF2B5EF4-FFF2-40B4-BE49-F238E27FC236}">
+                <a16:creationId xmlns:a16="http://schemas.microsoft.com/office/drawing/2014/main" id="{C28AC6B9-7D27-44FB-A479-6240B483F6C9}"/>
+              </a:ext>
+            </a:extLst>
+          </p:cNvPr>
+          <p:cNvCxnSpPr>
+            <a:cxnSpLocks/>
+          </p:cNvCxnSpPr>
+          <p:nvPr/>
+        </p:nvCxnSpPr>
+        <p:spPr>
+          <a:xfrm flipH="1">
+            <a:off x="4298624" y="3520397"/>
+            <a:ext cx="3312755" cy="1673197"/>
+          </a:xfrm>
+          <a:prstGeom prst="line">
+            <a:avLst/>
+          </a:prstGeom>
+          <a:ln w="57150">
+            <a:solidFill>
+              <a:srgbClr val="0070C0"/>
+            </a:solidFill>
+          </a:ln>
+        </p:spPr>
+        <p:style>
+          <a:lnRef idx="1">
+            <a:schemeClr val="accent6"/>
+          </a:lnRef>
+          <a:fillRef idx="0">
+            <a:schemeClr val="accent6"/>
+          </a:fillRef>
+          <a:effectRef idx="0">
+            <a:schemeClr val="accent6"/>
+          </a:effectRef>
+          <a:fontRef idx="minor">
+            <a:schemeClr val="tx1"/>
+          </a:fontRef>
+        </p:style>
+      </p:cxnSp>
+      <p:cxnSp>
+        <p:nvCxnSpPr>
+          <p:cNvPr id="46" name="Straight Connector 45">
+            <a:extLst>
+              <a:ext uri="{FF2B5EF4-FFF2-40B4-BE49-F238E27FC236}">
+                <a16:creationId xmlns:a16="http://schemas.microsoft.com/office/drawing/2014/main" id="{A6C46D3C-9525-40F9-8803-7256F24803FF}"/>
+              </a:ext>
+            </a:extLst>
+          </p:cNvPr>
+          <p:cNvCxnSpPr>
+            <a:cxnSpLocks/>
+          </p:cNvCxnSpPr>
+          <p:nvPr/>
+        </p:nvCxnSpPr>
+        <p:spPr>
+          <a:xfrm flipH="1">
+            <a:off x="4264011" y="3065822"/>
+            <a:ext cx="3347368" cy="463989"/>
+          </a:xfrm>
+          <a:prstGeom prst="line">
+            <a:avLst/>
+          </a:prstGeom>
+          <a:ln w="57150">
+            <a:solidFill>
+              <a:srgbClr val="FFFF00"/>
+            </a:solidFill>
+          </a:ln>
+        </p:spPr>
+        <p:style>
+          <a:lnRef idx="1">
+            <a:schemeClr val="accent6"/>
+          </a:lnRef>
+          <a:fillRef idx="0">
+            <a:schemeClr val="accent6"/>
+          </a:fillRef>
+          <a:effectRef idx="0">
+            <a:schemeClr val="accent6"/>
+          </a:effectRef>
+          <a:fontRef idx="minor">
+            <a:schemeClr val="tx1"/>
+          </a:fontRef>
+        </p:style>
+      </p:cxnSp>
+      <p:sp>
+        <p:nvSpPr>
+          <p:cNvPr id="51" name="Rectangle 50">
+            <a:extLst>
+              <a:ext uri="{FF2B5EF4-FFF2-40B4-BE49-F238E27FC236}">
+                <a16:creationId xmlns:a16="http://schemas.microsoft.com/office/drawing/2014/main" id="{F26F6910-11B4-475C-861E-10A8E3094E48}"/>
+              </a:ext>
+            </a:extLst>
+          </p:cNvPr>
+          <p:cNvSpPr/>
+          <p:nvPr/>
+        </p:nvSpPr>
+        <p:spPr>
+          <a:xfrm rot="5400000">
+            <a:off x="7264010" y="103853"/>
+            <a:ext cx="402058" cy="944664"/>
+          </a:xfrm>
+          <a:prstGeom prst="rect">
+            <a:avLst/>
+          </a:prstGeom>
+          <a:solidFill>
+            <a:schemeClr val="accent1">
+              <a:alpha val="50000"/>
+            </a:schemeClr>
+          </a:solidFill>
+          <a:ln>
+            <a:solidFill>
+              <a:srgbClr val="FFFF00"/>
+            </a:solidFill>
+          </a:ln>
+        </p:spPr>
+        <p:style>
+          <a:lnRef idx="2">
+            <a:schemeClr val="accent1">
+              <a:shade val="50000"/>
+            </a:schemeClr>
+          </a:lnRef>
+          <a:fillRef idx="1">
+            <a:schemeClr val="accent1"/>
+          </a:fillRef>
+          <a:effectRef idx="0">
+            <a:schemeClr val="accent1"/>
+          </a:effectRef>
+          <a:fontRef idx="minor">
+            <a:schemeClr val="lt1"/>
+          </a:fontRef>
+        </p:style>
+        <p:txBody>
+          <a:bodyPr vert="vert270" rtlCol="0" anchor="ctr"/>
+          <a:lstStyle/>
+          <a:p>
+            <a:pPr algn="ctr"/>
+            <a:r>
+              <a:rPr lang="en-US" sz="1400" dirty="0"/>
+              <a:t>T&amp;H</a:t>
+            </a:r>
+          </a:p>
+        </p:txBody>
+      </p:sp>
+      <p:cxnSp>
+        <p:nvCxnSpPr>
+          <p:cNvPr id="52" name="Straight Connector 51">
+            <a:extLst>
+              <a:ext uri="{FF2B5EF4-FFF2-40B4-BE49-F238E27FC236}">
+                <a16:creationId xmlns:a16="http://schemas.microsoft.com/office/drawing/2014/main" id="{CEE126DC-0661-4CD8-893A-1CFA3516F298}"/>
+              </a:ext>
+            </a:extLst>
+          </p:cNvPr>
+          <p:cNvCxnSpPr>
+            <a:cxnSpLocks/>
+          </p:cNvCxnSpPr>
+          <p:nvPr/>
+        </p:nvCxnSpPr>
+        <p:spPr>
+          <a:xfrm flipH="1">
+            <a:off x="6398824" y="520686"/>
+            <a:ext cx="1212555" cy="8650"/>
+          </a:xfrm>
+          <a:prstGeom prst="line">
+            <a:avLst/>
+          </a:prstGeom>
+          <a:ln w="57150">
+            <a:solidFill>
+              <a:srgbClr val="C00000"/>
+            </a:solidFill>
+          </a:ln>
+        </p:spPr>
+        <p:style>
+          <a:lnRef idx="1">
+            <a:schemeClr val="accent6"/>
+          </a:lnRef>
+          <a:fillRef idx="0">
+            <a:schemeClr val="accent6"/>
+          </a:fillRef>
+          <a:effectRef idx="0">
+            <a:schemeClr val="accent6"/>
+          </a:effectRef>
+          <a:fontRef idx="minor">
+            <a:schemeClr val="tx1"/>
+          </a:fontRef>
+        </p:style>
+      </p:cxnSp>
+      <p:cxnSp>
+        <p:nvCxnSpPr>
+          <p:cNvPr id="56" name="Straight Connector 55">
+            <a:extLst>
+              <a:ext uri="{FF2B5EF4-FFF2-40B4-BE49-F238E27FC236}">
+                <a16:creationId xmlns:a16="http://schemas.microsoft.com/office/drawing/2014/main" id="{3486C32B-999B-4315-96B3-9044631D1D8F}"/>
+              </a:ext>
+            </a:extLst>
+          </p:cNvPr>
+          <p:cNvCxnSpPr>
+            <a:cxnSpLocks/>
+          </p:cNvCxnSpPr>
+          <p:nvPr/>
+        </p:nvCxnSpPr>
+        <p:spPr>
+          <a:xfrm flipV="1">
+            <a:off x="6639376" y="581616"/>
+            <a:ext cx="1164482" cy="26406"/>
+          </a:xfrm>
+          <a:prstGeom prst="line">
+            <a:avLst/>
+          </a:prstGeom>
+          <a:ln w="57150">
+            <a:solidFill>
+              <a:srgbClr val="0070C0"/>
+            </a:solidFill>
+          </a:ln>
+        </p:spPr>
+        <p:style>
+          <a:lnRef idx="1">
+            <a:schemeClr val="accent6"/>
+          </a:lnRef>
+          <a:fillRef idx="0">
+            <a:schemeClr val="accent6"/>
+          </a:fillRef>
+          <a:effectRef idx="0">
+            <a:schemeClr val="accent6"/>
+          </a:effectRef>
+          <a:fontRef idx="minor">
+            <a:schemeClr val="tx1"/>
+          </a:fontRef>
+        </p:style>
+      </p:cxnSp>
+      <p:cxnSp>
+        <p:nvCxnSpPr>
+          <p:cNvPr id="67" name="Straight Connector 66">
+            <a:extLst>
+              <a:ext uri="{FF2B5EF4-FFF2-40B4-BE49-F238E27FC236}">
+                <a16:creationId xmlns:a16="http://schemas.microsoft.com/office/drawing/2014/main" id="{B9D1036F-5210-4F78-AB4F-EB7DE6AC73D1}"/>
+              </a:ext>
+            </a:extLst>
+          </p:cNvPr>
+          <p:cNvCxnSpPr>
+            <a:cxnSpLocks/>
+          </p:cNvCxnSpPr>
+          <p:nvPr/>
+        </p:nvCxnSpPr>
+        <p:spPr>
+          <a:xfrm flipV="1">
+            <a:off x="5780576" y="520686"/>
+            <a:ext cx="1313888" cy="5733027"/>
+          </a:xfrm>
+          <a:prstGeom prst="line">
+            <a:avLst/>
+          </a:prstGeom>
+          <a:ln w="57150">
+            <a:solidFill>
+              <a:srgbClr val="FFC000"/>
+            </a:solidFill>
+          </a:ln>
+        </p:spPr>
+        <p:style>
+          <a:lnRef idx="1">
+            <a:schemeClr val="accent6"/>
+          </a:lnRef>
+          <a:fillRef idx="0">
+            <a:schemeClr val="accent6"/>
+          </a:fillRef>
+          <a:effectRef idx="0">
+            <a:schemeClr val="accent6"/>
+          </a:effectRef>
+          <a:fontRef idx="minor">
+            <a:schemeClr val="tx1"/>
+          </a:fontRef>
+        </p:style>
+      </p:cxnSp>
+      <p:cxnSp>
+        <p:nvCxnSpPr>
+          <p:cNvPr id="71" name="Straight Connector 70">
+            <a:extLst>
+              <a:ext uri="{FF2B5EF4-FFF2-40B4-BE49-F238E27FC236}">
+                <a16:creationId xmlns:a16="http://schemas.microsoft.com/office/drawing/2014/main" id="{57916051-06DA-4EA0-BFF3-DB711529D13F}"/>
+              </a:ext>
+            </a:extLst>
+          </p:cNvPr>
+          <p:cNvCxnSpPr>
+            <a:cxnSpLocks/>
+          </p:cNvCxnSpPr>
+          <p:nvPr/>
+        </p:nvCxnSpPr>
+        <p:spPr>
+          <a:xfrm flipH="1">
+            <a:off x="4264011" y="544702"/>
+            <a:ext cx="2869229" cy="907027"/>
+          </a:xfrm>
+          <a:prstGeom prst="line">
+            <a:avLst/>
+          </a:prstGeom>
+          <a:ln w="57150">
+            <a:solidFill>
+              <a:srgbClr val="FFC000"/>
+            </a:solidFill>
+          </a:ln>
+        </p:spPr>
+        <p:style>
+          <a:lnRef idx="1">
+            <a:schemeClr val="accent6"/>
+          </a:lnRef>
+          <a:fillRef idx="0">
+            <a:schemeClr val="accent6"/>
+          </a:fillRef>
+          <a:effectRef idx="0">
+            <a:schemeClr val="accent6"/>
+          </a:effectRef>
+          <a:fontRef idx="minor">
+            <a:schemeClr val="tx1"/>
+          </a:fontRef>
+        </p:style>
+      </p:cxnSp>
+      <p:cxnSp>
+        <p:nvCxnSpPr>
+          <p:cNvPr id="75" name="Straight Connector 74">
+            <a:extLst>
+              <a:ext uri="{FF2B5EF4-FFF2-40B4-BE49-F238E27FC236}">
+                <a16:creationId xmlns:a16="http://schemas.microsoft.com/office/drawing/2014/main" id="{B685E8E4-A0CF-4CED-9F68-6D1D761717BB}"/>
+              </a:ext>
+            </a:extLst>
+          </p:cNvPr>
+          <p:cNvCxnSpPr>
+            <a:cxnSpLocks/>
+          </p:cNvCxnSpPr>
+          <p:nvPr/>
+        </p:nvCxnSpPr>
+        <p:spPr>
+          <a:xfrm flipV="1">
+            <a:off x="5542961" y="587309"/>
+            <a:ext cx="1768857" cy="5683383"/>
+          </a:xfrm>
+          <a:prstGeom prst="line">
+            <a:avLst/>
+          </a:prstGeom>
+          <a:ln w="57150"/>
+        </p:spPr>
+        <p:style>
+          <a:lnRef idx="1">
+            <a:schemeClr val="accent6"/>
+          </a:lnRef>
+          <a:fillRef idx="0">
+            <a:schemeClr val="accent6"/>
+          </a:fillRef>
+          <a:effectRef idx="0">
+            <a:schemeClr val="accent6"/>
+          </a:effectRef>
+          <a:fontRef idx="minor">
+            <a:schemeClr val="tx1"/>
+          </a:fontRef>
+        </p:style>
+      </p:cxnSp>
+      <p:cxnSp>
+        <p:nvCxnSpPr>
+          <p:cNvPr id="79" name="Straight Connector 78">
+            <a:extLst>
+              <a:ext uri="{FF2B5EF4-FFF2-40B4-BE49-F238E27FC236}">
+                <a16:creationId xmlns:a16="http://schemas.microsoft.com/office/drawing/2014/main" id="{02D6EE60-B3C5-45AD-9BC1-C8EC1B8C317B}"/>
+              </a:ext>
+            </a:extLst>
+          </p:cNvPr>
+          <p:cNvCxnSpPr>
+            <a:cxnSpLocks/>
+          </p:cNvCxnSpPr>
+          <p:nvPr/>
+        </p:nvCxnSpPr>
+        <p:spPr>
+          <a:xfrm flipH="1">
+            <a:off x="4220391" y="564638"/>
+            <a:ext cx="3104236" cy="1339576"/>
+          </a:xfrm>
+          <a:prstGeom prst="line">
+            <a:avLst/>
+          </a:prstGeom>
+          <a:ln w="57150"/>
+        </p:spPr>
+        <p:style>
+          <a:lnRef idx="1">
+            <a:schemeClr val="accent6"/>
+          </a:lnRef>
+          <a:fillRef idx="0">
+            <a:schemeClr val="accent6"/>
+          </a:fillRef>
+          <a:effectRef idx="0">
+            <a:schemeClr val="accent6"/>
+          </a:effectRef>
+          <a:fontRef idx="minor">
+            <a:schemeClr val="tx1"/>
+          </a:fontRef>
+        </p:style>
+      </p:cxnSp>
+      <p:cxnSp>
+        <p:nvCxnSpPr>
+          <p:cNvPr id="83" name="Straight Connector 82">
+            <a:extLst>
+              <a:ext uri="{FF2B5EF4-FFF2-40B4-BE49-F238E27FC236}">
+                <a16:creationId xmlns:a16="http://schemas.microsoft.com/office/drawing/2014/main" id="{538D4A73-6E7E-4235-A8A8-E922E5D7A618}"/>
+              </a:ext>
+            </a:extLst>
+          </p:cNvPr>
+          <p:cNvCxnSpPr>
+            <a:cxnSpLocks/>
+          </p:cNvCxnSpPr>
+          <p:nvPr/>
+        </p:nvCxnSpPr>
+        <p:spPr>
+          <a:xfrm flipH="1" flipV="1">
+            <a:off x="4220391" y="3065822"/>
+            <a:ext cx="2912849" cy="3187891"/>
+          </a:xfrm>
+          <a:prstGeom prst="line">
+            <a:avLst/>
+          </a:prstGeom>
+          <a:ln w="57150">
+            <a:solidFill>
+              <a:srgbClr val="00B050"/>
+            </a:solidFill>
+          </a:ln>
+        </p:spPr>
+        <p:style>
+          <a:lnRef idx="1">
+            <a:schemeClr val="accent6"/>
+          </a:lnRef>
+          <a:fillRef idx="0">
+            <a:schemeClr val="accent6"/>
+          </a:fillRef>
+          <a:effectRef idx="0">
+            <a:schemeClr val="accent6"/>
+          </a:effectRef>
+          <a:fontRef idx="minor">
+            <a:schemeClr val="tx1"/>
+          </a:fontRef>
+        </p:style>
+      </p:cxnSp>
+      <p:cxnSp>
+        <p:nvCxnSpPr>
+          <p:cNvPr id="84" name="Straight Connector 83">
+            <a:extLst>
+              <a:ext uri="{FF2B5EF4-FFF2-40B4-BE49-F238E27FC236}">
+                <a16:creationId xmlns:a16="http://schemas.microsoft.com/office/drawing/2014/main" id="{A269B34A-F99A-40FE-BE21-935BD5F36835}"/>
+              </a:ext>
+            </a:extLst>
+          </p:cNvPr>
+          <p:cNvCxnSpPr>
+            <a:cxnSpLocks/>
+          </p:cNvCxnSpPr>
+          <p:nvPr/>
+        </p:nvCxnSpPr>
+        <p:spPr>
+          <a:xfrm flipH="1" flipV="1">
+            <a:off x="4264012" y="2630079"/>
+            <a:ext cx="3146974" cy="3650292"/>
+          </a:xfrm>
+          <a:prstGeom prst="line">
+            <a:avLst/>
+          </a:prstGeom>
+          <a:ln w="57150">
+            <a:solidFill>
+              <a:srgbClr val="00B0F0"/>
+            </a:solidFill>
+          </a:ln>
+        </p:spPr>
+        <p:style>
+          <a:lnRef idx="1">
+            <a:schemeClr val="accent6"/>
+          </a:lnRef>
+          <a:fillRef idx="0">
+            <a:schemeClr val="accent6"/>
+          </a:fillRef>
+          <a:effectRef idx="0">
+            <a:schemeClr val="accent6"/>
+          </a:effectRef>
+          <a:fontRef idx="minor">
+            <a:schemeClr val="tx1"/>
+          </a:fontRef>
+        </p:style>
+      </p:cxnSp>
+      <p:sp>
+        <p:nvSpPr>
+          <p:cNvPr id="6" name="Rectangle 5">
+            <a:extLst>
+              <a:ext uri="{FF2B5EF4-FFF2-40B4-BE49-F238E27FC236}">
+                <a16:creationId xmlns:a16="http://schemas.microsoft.com/office/drawing/2014/main" id="{414D2EE7-3F18-4286-BA55-6612EAE3552C}"/>
+              </a:ext>
+            </a:extLst>
+          </p:cNvPr>
+          <p:cNvSpPr/>
+          <p:nvPr/>
+        </p:nvSpPr>
+        <p:spPr>
+          <a:xfrm rot="5400000">
+            <a:off x="3451389" y="966001"/>
+            <a:ext cx="1641000" cy="581367"/>
+          </a:xfrm>
+          <a:prstGeom prst="rect">
+            <a:avLst/>
+          </a:prstGeom>
+          <a:solidFill>
+            <a:schemeClr val="accent1">
+              <a:alpha val="50000"/>
+            </a:schemeClr>
+          </a:solidFill>
+          <a:ln>
+            <a:solidFill>
+              <a:srgbClr val="FFFF00"/>
+            </a:solidFill>
+          </a:ln>
+        </p:spPr>
+        <p:style>
+          <a:lnRef idx="2">
+            <a:schemeClr val="accent1">
+              <a:shade val="50000"/>
+            </a:schemeClr>
+          </a:lnRef>
+          <a:fillRef idx="1">
+            <a:schemeClr val="accent1"/>
+          </a:fillRef>
+          <a:effectRef idx="0">
+            <a:schemeClr val="accent1"/>
+          </a:effectRef>
+          <a:fontRef idx="minor">
+            <a:schemeClr val="lt1"/>
+          </a:fontRef>
+        </p:style>
+        <p:txBody>
+          <a:bodyPr vert="vert270" rtlCol="0" anchor="ctr"/>
+          <a:lstStyle/>
+          <a:p>
+            <a:pPr algn="ctr"/>
+            <a:r>
+              <a:rPr lang="en-US" sz="1400" dirty="0"/>
+              <a:t>23</a:t>
+            </a:r>
+          </a:p>
+          <a:p>
+            <a:pPr algn="ctr"/>
+            <a:endParaRPr lang="en-US" sz="1400" dirty="0"/>
+          </a:p>
+          <a:p>
+            <a:pPr algn="ctr"/>
+            <a:r>
+              <a:rPr lang="en-US" sz="1400" dirty="0"/>
+              <a:t>22</a:t>
+            </a:r>
+          </a:p>
+          <a:p>
+            <a:pPr algn="ctr"/>
+            <a:endParaRPr lang="en-US" sz="1400" dirty="0"/>
+          </a:p>
+          <a:p>
+            <a:pPr algn="ctr"/>
+            <a:r>
+              <a:rPr lang="en-US" sz="1400" dirty="0"/>
+              <a:t>SCL</a:t>
+            </a:r>
+          </a:p>
+          <a:p>
+            <a:pPr algn="ctr"/>
+            <a:endParaRPr lang="en-US" sz="1400" dirty="0"/>
+          </a:p>
+          <a:p>
+            <a:pPr algn="ctr"/>
+            <a:r>
+              <a:rPr lang="en-US" sz="1400" dirty="0"/>
+              <a:t>SDA</a:t>
+            </a:r>
+          </a:p>
+        </p:txBody>
+      </p:sp>
+      <p:sp>
+        <p:nvSpPr>
+          <p:cNvPr id="7" name="Rectangle 6">
+            <a:extLst>
+              <a:ext uri="{FF2B5EF4-FFF2-40B4-BE49-F238E27FC236}">
+                <a16:creationId xmlns:a16="http://schemas.microsoft.com/office/drawing/2014/main" id="{DC342344-DEC3-4051-AEF6-7DB56FC09C15}"/>
+              </a:ext>
+            </a:extLst>
+          </p:cNvPr>
+          <p:cNvSpPr/>
+          <p:nvPr/>
+        </p:nvSpPr>
+        <p:spPr>
+          <a:xfrm rot="5400000">
+            <a:off x="3451389" y="3031744"/>
+            <a:ext cx="1641000" cy="581367"/>
+          </a:xfrm>
+          <a:prstGeom prst="rect">
+            <a:avLst/>
+          </a:prstGeom>
+          <a:solidFill>
+            <a:schemeClr val="accent1">
+              <a:alpha val="50000"/>
+            </a:schemeClr>
+          </a:solidFill>
+          <a:ln>
+            <a:solidFill>
+              <a:srgbClr val="FFFF00"/>
+            </a:solidFill>
+          </a:ln>
+        </p:spPr>
+        <p:style>
+          <a:lnRef idx="2">
+            <a:schemeClr val="accent1">
+              <a:shade val="50000"/>
+            </a:schemeClr>
+          </a:lnRef>
+          <a:fillRef idx="1">
+            <a:schemeClr val="accent1"/>
+          </a:fillRef>
+          <a:effectRef idx="0">
+            <a:schemeClr val="accent1"/>
+          </a:effectRef>
+          <a:fontRef idx="minor">
+            <a:schemeClr val="lt1"/>
+          </a:fontRef>
+        </p:style>
+        <p:txBody>
+          <a:bodyPr vert="vert270" rtlCol="0" anchor="ctr"/>
+          <a:lstStyle/>
+          <a:p>
+            <a:pPr algn="ctr"/>
+            <a:r>
+              <a:rPr lang="en-US" sz="1400" dirty="0"/>
+              <a:t>4</a:t>
+            </a:r>
+          </a:p>
+          <a:p>
+            <a:pPr algn="ctr"/>
+            <a:endParaRPr lang="en-US" sz="1400" dirty="0"/>
+          </a:p>
+          <a:p>
+            <a:pPr algn="ctr"/>
+            <a:r>
+              <a:rPr lang="en-US" sz="1400" dirty="0"/>
+              <a:t>5</a:t>
+            </a:r>
+          </a:p>
+          <a:p>
+            <a:pPr algn="ctr"/>
+            <a:endParaRPr lang="en-US" sz="1400" dirty="0"/>
+          </a:p>
+          <a:p>
+            <a:pPr algn="ctr"/>
+            <a:r>
+              <a:rPr lang="en-US" sz="1400" dirty="0"/>
+              <a:t>6</a:t>
+            </a:r>
+          </a:p>
+          <a:p>
+            <a:pPr algn="ctr"/>
+            <a:endParaRPr lang="en-US" sz="1400" dirty="0"/>
+          </a:p>
+          <a:p>
+            <a:pPr algn="ctr"/>
+            <a:r>
+              <a:rPr lang="en-US" sz="1400" dirty="0"/>
+              <a:t>8</a:t>
+            </a:r>
+          </a:p>
+        </p:txBody>
+      </p:sp>
+      <p:sp>
+        <p:nvSpPr>
+          <p:cNvPr id="10" name="Rectangle 9">
+            <a:extLst>
+              <a:ext uri="{FF2B5EF4-FFF2-40B4-BE49-F238E27FC236}">
+                <a16:creationId xmlns:a16="http://schemas.microsoft.com/office/drawing/2014/main" id="{4BF75B15-4F0A-4844-A51E-A9EA0205E176}"/>
+              </a:ext>
+            </a:extLst>
+          </p:cNvPr>
+          <p:cNvSpPr/>
+          <p:nvPr/>
+        </p:nvSpPr>
+        <p:spPr>
+          <a:xfrm rot="5400000">
+            <a:off x="3452960" y="5088361"/>
+            <a:ext cx="1641000" cy="581367"/>
+          </a:xfrm>
+          <a:prstGeom prst="rect">
+            <a:avLst/>
+          </a:prstGeom>
+          <a:solidFill>
+            <a:schemeClr val="accent1">
+              <a:alpha val="50000"/>
+            </a:schemeClr>
+          </a:solidFill>
+          <a:ln>
+            <a:solidFill>
+              <a:srgbClr val="FFFF00"/>
+            </a:solidFill>
+          </a:ln>
+        </p:spPr>
+        <p:style>
+          <a:lnRef idx="2">
+            <a:schemeClr val="accent1">
+              <a:shade val="50000"/>
+            </a:schemeClr>
+          </a:lnRef>
+          <a:fillRef idx="1">
+            <a:schemeClr val="accent1"/>
+          </a:fillRef>
+          <a:effectRef idx="0">
+            <a:schemeClr val="accent1"/>
+          </a:effectRef>
+          <a:fontRef idx="minor">
+            <a:schemeClr val="lt1"/>
+          </a:fontRef>
+        </p:style>
+        <p:txBody>
+          <a:bodyPr vert="vert270" rtlCol="0" anchor="ctr"/>
+          <a:lstStyle/>
+          <a:p>
+            <a:pPr algn="ctr"/>
+            <a:r>
+              <a:rPr lang="en-US" sz="1400" dirty="0"/>
+              <a:t>5V</a:t>
+            </a:r>
+          </a:p>
+          <a:p>
+            <a:pPr algn="ctr"/>
+            <a:endParaRPr lang="en-US" sz="1400" dirty="0"/>
+          </a:p>
+          <a:p>
+            <a:pPr algn="ctr"/>
+            <a:r>
+              <a:rPr lang="en-US" sz="1400" dirty="0"/>
+              <a:t>G</a:t>
+            </a:r>
+          </a:p>
+          <a:p>
+            <a:pPr algn="ctr"/>
+            <a:endParaRPr lang="en-US" sz="1400" dirty="0"/>
+          </a:p>
+          <a:p>
+            <a:pPr algn="ctr"/>
+            <a:r>
+              <a:rPr lang="en-US" sz="1400" dirty="0"/>
+              <a:t>12V</a:t>
+            </a:r>
+          </a:p>
+          <a:p>
+            <a:pPr algn="ctr"/>
+            <a:endParaRPr lang="en-US" sz="1400" dirty="0"/>
+          </a:p>
+          <a:p>
+            <a:pPr algn="ctr"/>
+            <a:r>
+              <a:rPr lang="en-US" sz="1400" dirty="0"/>
+              <a:t>G</a:t>
+            </a:r>
+          </a:p>
+        </p:txBody>
+      </p:sp>
+    </p:spTree>
+    <p:extLst>
+      <p:ext uri="{BB962C8B-B14F-4D97-AF65-F5344CB8AC3E}">
+        <p14:creationId xmlns:p14="http://schemas.microsoft.com/office/powerpoint/2010/main" val="1349131709"/>
+      </p:ext>
+    </p:extLst>
+  </p:cSld>
+  <p:clrMapOvr>
+    <a:masterClrMapping/>
+  </p:clrMapOvr>
+</p:sld>
+</file>
+
+<file path=ppt/slides/slide6.xml><?xml version="1.0" encoding="utf-8"?>
+<p:sld xmlns:a="http://schemas.openxmlformats.org/drawingml/2006/main" xmlns:r="http://schemas.openxmlformats.org/officeDocument/2006/relationships" xmlns:p="http://schemas.openxmlformats.org/presentationml/2006/main">
+  <p:cSld>
+    <p:spTree>
+      <p:nvGrpSpPr>
+        <p:cNvPr id="1" name=""/>
+        <p:cNvGrpSpPr/>
+        <p:nvPr/>
+      </p:nvGrpSpPr>
+      <p:grpSpPr>
+        <a:xfrm>
+          <a:off x="0" y="0"/>
+          <a:ext cx="0" cy="0"/>
+          <a:chOff x="0" y="0"/>
+          <a:chExt cx="0" cy="0"/>
+        </a:xfrm>
+      </p:grpSpPr>
+      <p:sp>
+        <p:nvSpPr>
+          <p:cNvPr id="213" name="Rectangle 212">
+            <a:extLst>
+              <a:ext uri="{FF2B5EF4-FFF2-40B4-BE49-F238E27FC236}">
+                <a16:creationId xmlns:a16="http://schemas.microsoft.com/office/drawing/2014/main" id="{DC03B363-C8EF-4A22-92CE-842DA1638975}"/>
+              </a:ext>
+            </a:extLst>
+          </p:cNvPr>
+          <p:cNvSpPr/>
+          <p:nvPr/>
+        </p:nvSpPr>
+        <p:spPr>
+          <a:xfrm flipV="1">
+            <a:off x="595979" y="1154845"/>
+            <a:ext cx="4031768" cy="4738450"/>
+          </a:xfrm>
+          <a:prstGeom prst="rect">
+            <a:avLst/>
+          </a:prstGeom>
+          <a:solidFill>
+            <a:schemeClr val="accent5">
+              <a:lumMod val="20000"/>
+              <a:lumOff val="80000"/>
+            </a:schemeClr>
+          </a:solidFill>
+        </p:spPr>
+        <p:style>
+          <a:lnRef idx="2">
+            <a:schemeClr val="accent1">
+              <a:shade val="50000"/>
+            </a:schemeClr>
+          </a:lnRef>
+          <a:fillRef idx="1">
+            <a:schemeClr val="accent1"/>
+          </a:fillRef>
+          <a:effectRef idx="0">
+            <a:schemeClr val="accent1"/>
+          </a:effectRef>
+          <a:fontRef idx="minor">
+            <a:schemeClr val="lt1"/>
+          </a:fontRef>
+        </p:style>
+        <p:txBody>
+          <a:bodyPr rtlCol="0" anchor="ctr"/>
+          <a:lstStyle/>
+          <a:p>
+            <a:pPr algn="ctr"/>
+            <a:endParaRPr lang="en-US"/>
+          </a:p>
+        </p:txBody>
+      </p:sp>
+      <p:sp>
+        <p:nvSpPr>
+          <p:cNvPr id="218" name="Rectangle 217">
+            <a:extLst>
+              <a:ext uri="{FF2B5EF4-FFF2-40B4-BE49-F238E27FC236}">
+                <a16:creationId xmlns:a16="http://schemas.microsoft.com/office/drawing/2014/main" id="{182E9820-551C-4B37-86B1-596800EEC637}"/>
+              </a:ext>
+            </a:extLst>
+          </p:cNvPr>
+          <p:cNvSpPr/>
+          <p:nvPr/>
+        </p:nvSpPr>
+        <p:spPr>
+          <a:xfrm flipV="1">
+            <a:off x="3778663" y="2877941"/>
+            <a:ext cx="609600" cy="2399651"/>
+          </a:xfrm>
+          <a:prstGeom prst="rect">
+            <a:avLst/>
+          </a:prstGeom>
+          <a:noFill/>
+        </p:spPr>
+        <p:style>
+          <a:lnRef idx="2">
+            <a:schemeClr val="accent1">
+              <a:shade val="50000"/>
+            </a:schemeClr>
+          </a:lnRef>
+          <a:fillRef idx="1">
+            <a:schemeClr val="accent1"/>
+          </a:fillRef>
+          <a:effectRef idx="0">
+            <a:schemeClr val="accent1"/>
+          </a:effectRef>
+          <a:fontRef idx="minor">
+            <a:schemeClr val="lt1"/>
+          </a:fontRef>
+        </p:style>
+        <p:txBody>
+          <a:bodyPr rtlCol="0" anchor="ctr"/>
+          <a:lstStyle/>
+          <a:p>
+            <a:pPr algn="ctr"/>
+            <a:endParaRPr lang="en-US"/>
+          </a:p>
+        </p:txBody>
+      </p:sp>
+      <p:sp>
+        <p:nvSpPr>
+          <p:cNvPr id="219" name="Oval 218">
+            <a:extLst>
+              <a:ext uri="{FF2B5EF4-FFF2-40B4-BE49-F238E27FC236}">
+                <a16:creationId xmlns:a16="http://schemas.microsoft.com/office/drawing/2014/main" id="{F2C6A46D-FF1C-4264-A8E6-E510E8E1C2A7}"/>
+              </a:ext>
+            </a:extLst>
+          </p:cNvPr>
+          <p:cNvSpPr/>
+          <p:nvPr/>
+        </p:nvSpPr>
+        <p:spPr>
+          <a:xfrm flipV="1">
+            <a:off x="3951488" y="4862927"/>
+            <a:ext cx="254523" cy="257708"/>
+          </a:xfrm>
+          <a:prstGeom prst="ellipse">
+            <a:avLst/>
+          </a:prstGeom>
+          <a:solidFill>
+            <a:schemeClr val="tx1"/>
+          </a:solidFill>
+        </p:spPr>
+        <p:style>
+          <a:lnRef idx="2">
+            <a:schemeClr val="accent1">
+              <a:shade val="50000"/>
+            </a:schemeClr>
+          </a:lnRef>
+          <a:fillRef idx="1">
+            <a:schemeClr val="accent1"/>
+          </a:fillRef>
+          <a:effectRef idx="0">
+            <a:schemeClr val="accent1"/>
+          </a:effectRef>
+          <a:fontRef idx="minor">
+            <a:schemeClr val="lt1"/>
+          </a:fontRef>
+        </p:style>
+        <p:txBody>
+          <a:bodyPr rtlCol="0" anchor="ctr"/>
+          <a:lstStyle/>
+          <a:p>
+            <a:pPr algn="ctr"/>
+            <a:endParaRPr lang="en-US"/>
+          </a:p>
+        </p:txBody>
+      </p:sp>
+      <p:sp>
+        <p:nvSpPr>
+          <p:cNvPr id="220" name="Oval 219">
+            <a:extLst>
+              <a:ext uri="{FF2B5EF4-FFF2-40B4-BE49-F238E27FC236}">
+                <a16:creationId xmlns:a16="http://schemas.microsoft.com/office/drawing/2014/main" id="{CEA38BCC-F699-4263-9DD0-68A62B0469D4}"/>
+              </a:ext>
+            </a:extLst>
+          </p:cNvPr>
+          <p:cNvSpPr/>
+          <p:nvPr/>
+        </p:nvSpPr>
+        <p:spPr>
+          <a:xfrm flipV="1">
+            <a:off x="3951488" y="4415612"/>
+            <a:ext cx="254523" cy="257708"/>
+          </a:xfrm>
+          <a:prstGeom prst="ellipse">
+            <a:avLst/>
+          </a:prstGeom>
+          <a:solidFill>
+            <a:schemeClr val="tx1"/>
+          </a:solidFill>
+        </p:spPr>
+        <p:style>
+          <a:lnRef idx="2">
+            <a:schemeClr val="accent1">
+              <a:shade val="50000"/>
+            </a:schemeClr>
+          </a:lnRef>
+          <a:fillRef idx="1">
+            <a:schemeClr val="accent1"/>
+          </a:fillRef>
+          <a:effectRef idx="0">
+            <a:schemeClr val="accent1"/>
+          </a:effectRef>
+          <a:fontRef idx="minor">
+            <a:schemeClr val="lt1"/>
+          </a:fontRef>
+        </p:style>
+        <p:txBody>
+          <a:bodyPr rtlCol="0" anchor="ctr"/>
+          <a:lstStyle/>
+          <a:p>
+            <a:pPr algn="ctr"/>
+            <a:endParaRPr lang="en-US"/>
+          </a:p>
+        </p:txBody>
+      </p:sp>
+      <p:sp>
+        <p:nvSpPr>
+          <p:cNvPr id="221" name="Oval 220">
+            <a:extLst>
+              <a:ext uri="{FF2B5EF4-FFF2-40B4-BE49-F238E27FC236}">
+                <a16:creationId xmlns:a16="http://schemas.microsoft.com/office/drawing/2014/main" id="{FFBD229D-04B7-47C7-B428-A8E87E7F14B2}"/>
+              </a:ext>
+            </a:extLst>
+          </p:cNvPr>
+          <p:cNvSpPr/>
+          <p:nvPr/>
+        </p:nvSpPr>
+        <p:spPr>
+          <a:xfrm flipV="1">
+            <a:off x="3960912" y="3964017"/>
+            <a:ext cx="254523" cy="257708"/>
+          </a:xfrm>
+          <a:prstGeom prst="ellipse">
+            <a:avLst/>
+          </a:prstGeom>
+          <a:solidFill>
+            <a:schemeClr val="tx1"/>
+          </a:solidFill>
+        </p:spPr>
+        <p:style>
+          <a:lnRef idx="2">
+            <a:schemeClr val="accent1">
+              <a:shade val="50000"/>
+            </a:schemeClr>
+          </a:lnRef>
+          <a:fillRef idx="1">
+            <a:schemeClr val="accent1"/>
+          </a:fillRef>
+          <a:effectRef idx="0">
+            <a:schemeClr val="accent1"/>
+          </a:effectRef>
+          <a:fontRef idx="minor">
+            <a:schemeClr val="lt1"/>
+          </a:fontRef>
+        </p:style>
+        <p:txBody>
+          <a:bodyPr rtlCol="0" anchor="ctr"/>
+          <a:lstStyle/>
+          <a:p>
+            <a:pPr algn="ctr"/>
+            <a:endParaRPr lang="en-US"/>
+          </a:p>
+        </p:txBody>
+      </p:sp>
+      <p:sp>
+        <p:nvSpPr>
+          <p:cNvPr id="226" name="Oval 225">
+            <a:extLst>
+              <a:ext uri="{FF2B5EF4-FFF2-40B4-BE49-F238E27FC236}">
+                <a16:creationId xmlns:a16="http://schemas.microsoft.com/office/drawing/2014/main" id="{FD3AFD15-4FA3-4C83-8631-1925B2B58691}"/>
+              </a:ext>
+            </a:extLst>
+          </p:cNvPr>
+          <p:cNvSpPr/>
+          <p:nvPr/>
+        </p:nvSpPr>
+        <p:spPr>
+          <a:xfrm flipV="1">
+            <a:off x="3976458" y="3516702"/>
+            <a:ext cx="254523" cy="257708"/>
+          </a:xfrm>
+          <a:prstGeom prst="ellipse">
+            <a:avLst/>
+          </a:prstGeom>
+          <a:solidFill>
+            <a:schemeClr val="tx1"/>
+          </a:solidFill>
+        </p:spPr>
+        <p:style>
+          <a:lnRef idx="2">
+            <a:schemeClr val="accent1">
+              <a:shade val="50000"/>
+            </a:schemeClr>
+          </a:lnRef>
+          <a:fillRef idx="1">
+            <a:schemeClr val="accent1"/>
+          </a:fillRef>
+          <a:effectRef idx="0">
+            <a:schemeClr val="accent1"/>
+          </a:effectRef>
+          <a:fontRef idx="minor">
+            <a:schemeClr val="lt1"/>
+          </a:fontRef>
+        </p:style>
+        <p:txBody>
+          <a:bodyPr rtlCol="0" anchor="ctr"/>
+          <a:lstStyle/>
+          <a:p>
+            <a:pPr algn="ctr"/>
+            <a:endParaRPr lang="en-US"/>
+          </a:p>
+        </p:txBody>
+      </p:sp>
+      <p:sp>
+        <p:nvSpPr>
+          <p:cNvPr id="227" name="Oval 226">
+            <a:extLst>
+              <a:ext uri="{FF2B5EF4-FFF2-40B4-BE49-F238E27FC236}">
+                <a16:creationId xmlns:a16="http://schemas.microsoft.com/office/drawing/2014/main" id="{AB5E0D42-D290-423D-A535-63A1938DCC79}"/>
+              </a:ext>
+            </a:extLst>
+          </p:cNvPr>
+          <p:cNvSpPr/>
+          <p:nvPr/>
+        </p:nvSpPr>
+        <p:spPr>
+          <a:xfrm flipV="1">
+            <a:off x="3985882" y="3065107"/>
+            <a:ext cx="254523" cy="257708"/>
+          </a:xfrm>
+          <a:prstGeom prst="ellipse">
+            <a:avLst/>
+          </a:prstGeom>
+          <a:solidFill>
+            <a:schemeClr val="tx1"/>
+          </a:solidFill>
+        </p:spPr>
+        <p:style>
+          <a:lnRef idx="2">
+            <a:schemeClr val="accent1">
+              <a:shade val="50000"/>
+            </a:schemeClr>
+          </a:lnRef>
+          <a:fillRef idx="1">
+            <a:schemeClr val="accent1"/>
+          </a:fillRef>
+          <a:effectRef idx="0">
+            <a:schemeClr val="accent1"/>
+          </a:effectRef>
+          <a:fontRef idx="minor">
+            <a:schemeClr val="lt1"/>
+          </a:fontRef>
+        </p:style>
+        <p:txBody>
+          <a:bodyPr rtlCol="0" anchor="ctr"/>
+          <a:lstStyle/>
+          <a:p>
+            <a:pPr algn="ctr"/>
+            <a:endParaRPr lang="en-US"/>
+          </a:p>
+        </p:txBody>
+      </p:sp>
+      <p:sp>
+        <p:nvSpPr>
+          <p:cNvPr id="249" name="Oval 248">
+            <a:extLst>
+              <a:ext uri="{FF2B5EF4-FFF2-40B4-BE49-F238E27FC236}">
+                <a16:creationId xmlns:a16="http://schemas.microsoft.com/office/drawing/2014/main" id="{41BC849F-308B-4697-8A55-E0C74643BE8F}"/>
+              </a:ext>
+            </a:extLst>
+          </p:cNvPr>
+          <p:cNvSpPr/>
+          <p:nvPr/>
+        </p:nvSpPr>
+        <p:spPr>
+          <a:xfrm flipV="1">
+            <a:off x="804381" y="3685016"/>
+            <a:ext cx="254523" cy="257708"/>
+          </a:xfrm>
+          <a:prstGeom prst="ellipse">
+            <a:avLst/>
+          </a:prstGeom>
+          <a:solidFill>
+            <a:schemeClr val="tx1"/>
+          </a:solidFill>
+        </p:spPr>
+        <p:style>
+          <a:lnRef idx="2">
+            <a:schemeClr val="accent1">
+              <a:shade val="50000"/>
+            </a:schemeClr>
+          </a:lnRef>
+          <a:fillRef idx="1">
+            <a:schemeClr val="accent1"/>
+          </a:fillRef>
+          <a:effectRef idx="0">
+            <a:schemeClr val="accent1"/>
+          </a:effectRef>
+          <a:fontRef idx="minor">
+            <a:schemeClr val="lt1"/>
+          </a:fontRef>
+        </p:style>
+        <p:txBody>
+          <a:bodyPr rtlCol="0" anchor="ctr"/>
+          <a:lstStyle/>
+          <a:p>
+            <a:pPr algn="ctr"/>
+            <a:endParaRPr lang="en-US"/>
+          </a:p>
+        </p:txBody>
+      </p:sp>
+      <p:sp>
+        <p:nvSpPr>
+          <p:cNvPr id="250" name="Oval 249">
+            <a:extLst>
+              <a:ext uri="{FF2B5EF4-FFF2-40B4-BE49-F238E27FC236}">
+                <a16:creationId xmlns:a16="http://schemas.microsoft.com/office/drawing/2014/main" id="{D87A5C2E-F2B3-4182-95DD-23F50DA02BC7}"/>
+              </a:ext>
+            </a:extLst>
+          </p:cNvPr>
+          <p:cNvSpPr/>
+          <p:nvPr/>
+        </p:nvSpPr>
+        <p:spPr>
+          <a:xfrm flipV="1">
+            <a:off x="804381" y="3237701"/>
+            <a:ext cx="254523" cy="257708"/>
+          </a:xfrm>
+          <a:prstGeom prst="ellipse">
+            <a:avLst/>
+          </a:prstGeom>
+          <a:solidFill>
+            <a:schemeClr val="tx1"/>
+          </a:solidFill>
+        </p:spPr>
+        <p:style>
+          <a:lnRef idx="2">
+            <a:schemeClr val="accent1">
+              <a:shade val="50000"/>
+            </a:schemeClr>
+          </a:lnRef>
+          <a:fillRef idx="1">
+            <a:schemeClr val="accent1"/>
+          </a:fillRef>
+          <a:effectRef idx="0">
+            <a:schemeClr val="accent1"/>
+          </a:effectRef>
+          <a:fontRef idx="minor">
+            <a:schemeClr val="lt1"/>
+          </a:fontRef>
+        </p:style>
+        <p:txBody>
+          <a:bodyPr rtlCol="0" anchor="ctr"/>
+          <a:lstStyle/>
+          <a:p>
+            <a:pPr algn="ctr"/>
+            <a:endParaRPr lang="en-US"/>
+          </a:p>
+        </p:txBody>
+      </p:sp>
+      <p:sp>
+        <p:nvSpPr>
+          <p:cNvPr id="253" name="Oval 252">
+            <a:extLst>
+              <a:ext uri="{FF2B5EF4-FFF2-40B4-BE49-F238E27FC236}">
+                <a16:creationId xmlns:a16="http://schemas.microsoft.com/office/drawing/2014/main" id="{80236E39-2025-4557-8E41-D9E198677C13}"/>
+              </a:ext>
+            </a:extLst>
+          </p:cNvPr>
+          <p:cNvSpPr/>
+          <p:nvPr/>
+        </p:nvSpPr>
+        <p:spPr>
+          <a:xfrm flipV="1">
+            <a:off x="2140811" y="5481487"/>
+            <a:ext cx="254523" cy="257708"/>
+          </a:xfrm>
+          <a:prstGeom prst="ellipse">
+            <a:avLst/>
+          </a:prstGeom>
+          <a:solidFill>
+            <a:schemeClr val="tx1"/>
+          </a:solidFill>
+        </p:spPr>
+        <p:style>
+          <a:lnRef idx="2">
+            <a:schemeClr val="accent1">
+              <a:shade val="50000"/>
+            </a:schemeClr>
+          </a:lnRef>
+          <a:fillRef idx="1">
+            <a:schemeClr val="accent1"/>
+          </a:fillRef>
+          <a:effectRef idx="0">
+            <a:schemeClr val="accent1"/>
+          </a:effectRef>
+          <a:fontRef idx="minor">
+            <a:schemeClr val="lt1"/>
+          </a:fontRef>
+        </p:style>
+        <p:txBody>
+          <a:bodyPr rtlCol="0" anchor="ctr"/>
+          <a:lstStyle/>
+          <a:p>
+            <a:pPr algn="ctr"/>
+            <a:endParaRPr lang="en-US"/>
+          </a:p>
+        </p:txBody>
+      </p:sp>
+      <p:sp>
+        <p:nvSpPr>
+          <p:cNvPr id="254" name="Oval 253">
+            <a:extLst>
+              <a:ext uri="{FF2B5EF4-FFF2-40B4-BE49-F238E27FC236}">
+                <a16:creationId xmlns:a16="http://schemas.microsoft.com/office/drawing/2014/main" id="{42E1DC21-05EC-4D57-BAEF-73EB253A3F3F}"/>
+              </a:ext>
+            </a:extLst>
+          </p:cNvPr>
+          <p:cNvSpPr/>
+          <p:nvPr/>
+        </p:nvSpPr>
+        <p:spPr>
+          <a:xfrm flipV="1">
+            <a:off x="2611467" y="5481656"/>
+            <a:ext cx="254523" cy="257708"/>
+          </a:xfrm>
+          <a:prstGeom prst="ellipse">
+            <a:avLst/>
+          </a:prstGeom>
+          <a:solidFill>
+            <a:schemeClr val="tx1"/>
+          </a:solidFill>
+        </p:spPr>
+        <p:style>
+          <a:lnRef idx="2">
+            <a:schemeClr val="accent1">
+              <a:shade val="50000"/>
+            </a:schemeClr>
+          </a:lnRef>
+          <a:fillRef idx="1">
+            <a:schemeClr val="accent1"/>
+          </a:fillRef>
+          <a:effectRef idx="0">
+            <a:schemeClr val="accent1"/>
+          </a:effectRef>
+          <a:fontRef idx="minor">
+            <a:schemeClr val="lt1"/>
+          </a:fontRef>
+        </p:style>
+        <p:txBody>
+          <a:bodyPr rtlCol="0" anchor="ctr"/>
+          <a:lstStyle/>
+          <a:p>
+            <a:pPr algn="ctr"/>
+            <a:endParaRPr lang="en-US"/>
+          </a:p>
+        </p:txBody>
+      </p:sp>
+      <p:sp>
+        <p:nvSpPr>
+          <p:cNvPr id="257" name="Oval 256">
+            <a:extLst>
+              <a:ext uri="{FF2B5EF4-FFF2-40B4-BE49-F238E27FC236}">
+                <a16:creationId xmlns:a16="http://schemas.microsoft.com/office/drawing/2014/main" id="{32F3DD4E-8F06-4599-B7C2-8FCA873535E0}"/>
+              </a:ext>
+            </a:extLst>
+          </p:cNvPr>
+          <p:cNvSpPr/>
+          <p:nvPr/>
+        </p:nvSpPr>
+        <p:spPr>
+          <a:xfrm flipV="1">
+            <a:off x="2140811" y="1377415"/>
+            <a:ext cx="254523" cy="257708"/>
+          </a:xfrm>
+          <a:prstGeom prst="ellipse">
+            <a:avLst/>
+          </a:prstGeom>
+          <a:solidFill>
+            <a:schemeClr val="tx1"/>
+          </a:solidFill>
+        </p:spPr>
+        <p:style>
+          <a:lnRef idx="2">
+            <a:schemeClr val="accent1">
+              <a:shade val="50000"/>
+            </a:schemeClr>
+          </a:lnRef>
+          <a:fillRef idx="1">
+            <a:schemeClr val="accent1"/>
+          </a:fillRef>
+          <a:effectRef idx="0">
+            <a:schemeClr val="accent1"/>
+          </a:effectRef>
+          <a:fontRef idx="minor">
+            <a:schemeClr val="lt1"/>
+          </a:fontRef>
+        </p:style>
+        <p:txBody>
+          <a:bodyPr rtlCol="0" anchor="ctr"/>
+          <a:lstStyle/>
+          <a:p>
+            <a:pPr algn="ctr"/>
+            <a:endParaRPr lang="en-US"/>
+          </a:p>
+        </p:txBody>
+      </p:sp>
+      <p:sp>
+        <p:nvSpPr>
+          <p:cNvPr id="258" name="Oval 257">
+            <a:extLst>
+              <a:ext uri="{FF2B5EF4-FFF2-40B4-BE49-F238E27FC236}">
+                <a16:creationId xmlns:a16="http://schemas.microsoft.com/office/drawing/2014/main" id="{94EC8B33-FB4A-42F4-8CFA-9B45F0BA3C57}"/>
+              </a:ext>
+            </a:extLst>
+          </p:cNvPr>
+          <p:cNvSpPr/>
+          <p:nvPr/>
+        </p:nvSpPr>
+        <p:spPr>
+          <a:xfrm flipV="1">
+            <a:off x="2611467" y="1377583"/>
+            <a:ext cx="254523" cy="257708"/>
+          </a:xfrm>
+          <a:prstGeom prst="ellipse">
+            <a:avLst/>
+          </a:prstGeom>
+          <a:solidFill>
+            <a:schemeClr val="tx1"/>
+          </a:solidFill>
+        </p:spPr>
+        <p:style>
+          <a:lnRef idx="2">
+            <a:schemeClr val="accent1">
+              <a:shade val="50000"/>
+            </a:schemeClr>
+          </a:lnRef>
+          <a:fillRef idx="1">
+            <a:schemeClr val="accent1"/>
+          </a:fillRef>
+          <a:effectRef idx="0">
+            <a:schemeClr val="accent1"/>
+          </a:effectRef>
+          <a:fontRef idx="minor">
+            <a:schemeClr val="lt1"/>
+          </a:fontRef>
+        </p:style>
+        <p:txBody>
+          <a:bodyPr rtlCol="0" anchor="ctr"/>
+          <a:lstStyle/>
+          <a:p>
+            <a:pPr algn="ctr"/>
+            <a:endParaRPr lang="en-US"/>
+          </a:p>
+        </p:txBody>
+      </p:sp>
+      <p:cxnSp>
+        <p:nvCxnSpPr>
+          <p:cNvPr id="259" name="Straight Connector 258">
+            <a:extLst>
+              <a:ext uri="{FF2B5EF4-FFF2-40B4-BE49-F238E27FC236}">
+                <a16:creationId xmlns:a16="http://schemas.microsoft.com/office/drawing/2014/main" id="{EB2E5830-B2C9-4F30-B50E-686D9FB396A8}"/>
+              </a:ext>
+            </a:extLst>
+          </p:cNvPr>
+          <p:cNvCxnSpPr>
+            <a:cxnSpLocks/>
+          </p:cNvCxnSpPr>
+          <p:nvPr/>
+        </p:nvCxnSpPr>
+        <p:spPr>
+          <a:xfrm>
+            <a:off x="2741716" y="1519186"/>
+            <a:ext cx="1400993" cy="1687875"/>
+          </a:xfrm>
+          <a:prstGeom prst="line">
+            <a:avLst/>
+          </a:prstGeom>
+          <a:ln w="57150">
+            <a:solidFill>
+              <a:srgbClr val="CCFF33"/>
+            </a:solidFill>
+          </a:ln>
+        </p:spPr>
+        <p:style>
+          <a:lnRef idx="1">
+            <a:schemeClr val="accent1"/>
+          </a:lnRef>
+          <a:fillRef idx="0">
+            <a:schemeClr val="accent1"/>
+          </a:fillRef>
+          <a:effectRef idx="0">
+            <a:schemeClr val="accent1"/>
+          </a:effectRef>
+          <a:fontRef idx="minor">
+            <a:schemeClr val="tx1"/>
+          </a:fontRef>
+        </p:style>
+      </p:cxnSp>
+      <p:cxnSp>
+        <p:nvCxnSpPr>
+          <p:cNvPr id="263" name="Straight Connector 262">
+            <a:extLst>
+              <a:ext uri="{FF2B5EF4-FFF2-40B4-BE49-F238E27FC236}">
+                <a16:creationId xmlns:a16="http://schemas.microsoft.com/office/drawing/2014/main" id="{8D88B97E-1168-47B5-9FBB-F95107EEA39F}"/>
+              </a:ext>
+            </a:extLst>
+          </p:cNvPr>
+          <p:cNvCxnSpPr>
+            <a:cxnSpLocks/>
+          </p:cNvCxnSpPr>
+          <p:nvPr/>
+        </p:nvCxnSpPr>
+        <p:spPr>
+          <a:xfrm>
+            <a:off x="2274703" y="1504832"/>
+            <a:ext cx="1855846" cy="2156892"/>
+          </a:xfrm>
+          <a:prstGeom prst="line">
+            <a:avLst/>
+          </a:prstGeom>
+          <a:ln w="57150">
+            <a:solidFill>
+              <a:srgbClr val="00B0F0"/>
+            </a:solidFill>
+          </a:ln>
+        </p:spPr>
+        <p:style>
+          <a:lnRef idx="1">
+            <a:schemeClr val="accent1"/>
+          </a:lnRef>
+          <a:fillRef idx="0">
+            <a:schemeClr val="accent1"/>
+          </a:fillRef>
+          <a:effectRef idx="0">
+            <a:schemeClr val="accent1"/>
+          </a:effectRef>
+          <a:fontRef idx="minor">
+            <a:schemeClr val="tx1"/>
+          </a:fontRef>
+        </p:style>
+      </p:cxnSp>
+      <p:cxnSp>
+        <p:nvCxnSpPr>
+          <p:cNvPr id="267" name="Straight Connector 266">
+            <a:extLst>
+              <a:ext uri="{FF2B5EF4-FFF2-40B4-BE49-F238E27FC236}">
+                <a16:creationId xmlns:a16="http://schemas.microsoft.com/office/drawing/2014/main" id="{71B4F54A-E771-4DE1-879A-0A394F34510B}"/>
+              </a:ext>
+            </a:extLst>
+          </p:cNvPr>
+          <p:cNvCxnSpPr>
+            <a:cxnSpLocks/>
+          </p:cNvCxnSpPr>
+          <p:nvPr/>
+        </p:nvCxnSpPr>
+        <p:spPr>
+          <a:xfrm>
+            <a:off x="931642" y="3366556"/>
+            <a:ext cx="3185969" cy="1176496"/>
+          </a:xfrm>
+          <a:prstGeom prst="line">
+            <a:avLst/>
+          </a:prstGeom>
+          <a:ln w="57150"/>
+        </p:spPr>
+        <p:style>
+          <a:lnRef idx="1">
+            <a:schemeClr val="accent1"/>
+          </a:lnRef>
+          <a:fillRef idx="0">
+            <a:schemeClr val="accent1"/>
+          </a:fillRef>
+          <a:effectRef idx="0">
+            <a:schemeClr val="accent1"/>
+          </a:effectRef>
+          <a:fontRef idx="minor">
+            <a:schemeClr val="tx1"/>
+          </a:fontRef>
+        </p:style>
+      </p:cxnSp>
+      <p:cxnSp>
+        <p:nvCxnSpPr>
+          <p:cNvPr id="269" name="Straight Connector 268">
+            <a:extLst>
+              <a:ext uri="{FF2B5EF4-FFF2-40B4-BE49-F238E27FC236}">
+                <a16:creationId xmlns:a16="http://schemas.microsoft.com/office/drawing/2014/main" id="{23F5B301-F2D7-4AAE-96E8-92501CB0CD1E}"/>
+              </a:ext>
+            </a:extLst>
+          </p:cNvPr>
+          <p:cNvCxnSpPr>
+            <a:cxnSpLocks/>
+          </p:cNvCxnSpPr>
+          <p:nvPr/>
+        </p:nvCxnSpPr>
+        <p:spPr>
+          <a:xfrm>
+            <a:off x="914251" y="3818804"/>
+            <a:ext cx="3178582" cy="1174901"/>
+          </a:xfrm>
+          <a:prstGeom prst="line">
+            <a:avLst/>
+          </a:prstGeom>
+          <a:ln w="57150">
+            <a:solidFill>
+              <a:schemeClr val="accent2">
+                <a:lumMod val="50000"/>
+              </a:schemeClr>
+            </a:solidFill>
+          </a:ln>
+        </p:spPr>
+        <p:style>
+          <a:lnRef idx="1">
+            <a:schemeClr val="accent1"/>
+          </a:lnRef>
+          <a:fillRef idx="0">
+            <a:schemeClr val="accent1"/>
+          </a:fillRef>
+          <a:effectRef idx="0">
+            <a:schemeClr val="accent1"/>
+          </a:effectRef>
+          <a:fontRef idx="minor">
+            <a:schemeClr val="tx1"/>
+          </a:fontRef>
+        </p:style>
+      </p:cxnSp>
+      <p:cxnSp>
+        <p:nvCxnSpPr>
+          <p:cNvPr id="271" name="Straight Connector 270">
+            <a:extLst>
+              <a:ext uri="{FF2B5EF4-FFF2-40B4-BE49-F238E27FC236}">
+                <a16:creationId xmlns:a16="http://schemas.microsoft.com/office/drawing/2014/main" id="{AB4F86D5-9917-4A01-9A4F-35D3FA9FC562}"/>
+              </a:ext>
+            </a:extLst>
+          </p:cNvPr>
+          <p:cNvCxnSpPr>
+            <a:cxnSpLocks/>
+          </p:cNvCxnSpPr>
+          <p:nvPr/>
+        </p:nvCxnSpPr>
+        <p:spPr>
+          <a:xfrm flipV="1">
+            <a:off x="2741716" y="4543605"/>
+            <a:ext cx="1375896" cy="1074245"/>
+          </a:xfrm>
+          <a:prstGeom prst="line">
+            <a:avLst/>
+          </a:prstGeom>
+          <a:ln w="57150"/>
+        </p:spPr>
+        <p:style>
+          <a:lnRef idx="1">
+            <a:schemeClr val="accent1"/>
+          </a:lnRef>
+          <a:fillRef idx="0">
+            <a:schemeClr val="accent1"/>
+          </a:fillRef>
+          <a:effectRef idx="0">
+            <a:schemeClr val="accent1"/>
+          </a:effectRef>
+          <a:fontRef idx="minor">
+            <a:schemeClr val="tx1"/>
+          </a:fontRef>
+        </p:style>
+      </p:cxnSp>
+      <p:cxnSp>
+        <p:nvCxnSpPr>
+          <p:cNvPr id="273" name="Straight Connector 272">
+            <a:extLst>
+              <a:ext uri="{FF2B5EF4-FFF2-40B4-BE49-F238E27FC236}">
+                <a16:creationId xmlns:a16="http://schemas.microsoft.com/office/drawing/2014/main" id="{6FD15E35-B010-4D98-B647-0E4413C4D99D}"/>
+              </a:ext>
+            </a:extLst>
+          </p:cNvPr>
+          <p:cNvCxnSpPr>
+            <a:cxnSpLocks/>
+          </p:cNvCxnSpPr>
+          <p:nvPr/>
+        </p:nvCxnSpPr>
+        <p:spPr>
+          <a:xfrm flipV="1">
+            <a:off x="2241718" y="4051271"/>
+            <a:ext cx="1862872" cy="1557268"/>
+          </a:xfrm>
+          <a:prstGeom prst="line">
+            <a:avLst/>
+          </a:prstGeom>
+          <a:ln w="57150">
+            <a:solidFill>
+              <a:schemeClr val="accent2">
+                <a:lumMod val="75000"/>
+              </a:schemeClr>
+            </a:solidFill>
+          </a:ln>
+        </p:spPr>
+        <p:style>
+          <a:lnRef idx="1">
+            <a:schemeClr val="accent1"/>
+          </a:lnRef>
+          <a:fillRef idx="0">
+            <a:schemeClr val="accent1"/>
+          </a:fillRef>
+          <a:effectRef idx="0">
+            <a:schemeClr val="accent1"/>
+          </a:effectRef>
+          <a:fontRef idx="minor">
+            <a:schemeClr val="tx1"/>
+          </a:fontRef>
+        </p:style>
+      </p:cxnSp>
+      <p:sp>
+        <p:nvSpPr>
+          <p:cNvPr id="275" name="TextBox 274">
+            <a:extLst>
+              <a:ext uri="{FF2B5EF4-FFF2-40B4-BE49-F238E27FC236}">
+                <a16:creationId xmlns:a16="http://schemas.microsoft.com/office/drawing/2014/main" id="{05369ECB-C7D6-47A7-8BF2-98A478BF95E3}"/>
+              </a:ext>
+            </a:extLst>
+          </p:cNvPr>
+          <p:cNvSpPr txBox="1"/>
+          <p:nvPr/>
+        </p:nvSpPr>
+        <p:spPr>
+          <a:xfrm rot="5400000" flipV="1">
+            <a:off x="30108" y="3447753"/>
+            <a:ext cx="869472" cy="369332"/>
+          </a:xfrm>
+          <a:prstGeom prst="rect">
+            <a:avLst/>
+          </a:prstGeom>
+          <a:noFill/>
+        </p:spPr>
+        <p:txBody>
+          <a:bodyPr wrap="square" rtlCol="0">
+            <a:spAutoFit/>
+          </a:bodyPr>
+          <a:lstStyle/>
+          <a:p>
+            <a:r>
+              <a:rPr lang="en-US" dirty="0"/>
+              <a:t>Power</a:t>
+            </a:r>
+          </a:p>
+        </p:txBody>
+      </p:sp>
+      <p:sp>
+        <p:nvSpPr>
+          <p:cNvPr id="276" name="TextBox 275">
+            <a:extLst>
+              <a:ext uri="{FF2B5EF4-FFF2-40B4-BE49-F238E27FC236}">
+                <a16:creationId xmlns:a16="http://schemas.microsoft.com/office/drawing/2014/main" id="{842788A8-BF01-4825-AAAA-A2E9330C929C}"/>
+              </a:ext>
+            </a:extLst>
+          </p:cNvPr>
+          <p:cNvSpPr txBox="1"/>
+          <p:nvPr/>
+        </p:nvSpPr>
+        <p:spPr>
+          <a:xfrm rot="10955313" flipV="1">
+            <a:off x="2140811" y="5864231"/>
+            <a:ext cx="860273" cy="373282"/>
+          </a:xfrm>
+          <a:prstGeom prst="rect">
+            <a:avLst/>
+          </a:prstGeom>
+          <a:noFill/>
+        </p:spPr>
+        <p:txBody>
+          <a:bodyPr wrap="square" rtlCol="0">
+            <a:spAutoFit/>
+          </a:bodyPr>
+          <a:lstStyle/>
+          <a:p>
+            <a:r>
+              <a:rPr lang="en-US" dirty="0" err="1"/>
+              <a:t>Venta</a:t>
+            </a:r>
+            <a:endParaRPr lang="en-US" dirty="0"/>
+          </a:p>
+        </p:txBody>
+      </p:sp>
+      <p:sp>
+        <p:nvSpPr>
+          <p:cNvPr id="277" name="TextBox 276">
+            <a:extLst>
+              <a:ext uri="{FF2B5EF4-FFF2-40B4-BE49-F238E27FC236}">
+                <a16:creationId xmlns:a16="http://schemas.microsoft.com/office/drawing/2014/main" id="{088C800E-444D-41C8-9767-A72879D1BE26}"/>
+              </a:ext>
+            </a:extLst>
+          </p:cNvPr>
+          <p:cNvSpPr txBox="1"/>
+          <p:nvPr/>
+        </p:nvSpPr>
+        <p:spPr>
+          <a:xfrm rot="10800000" flipV="1">
+            <a:off x="2073405" y="501602"/>
+            <a:ext cx="860273" cy="653243"/>
+          </a:xfrm>
+          <a:prstGeom prst="rect">
+            <a:avLst/>
+          </a:prstGeom>
+          <a:noFill/>
+        </p:spPr>
+        <p:txBody>
+          <a:bodyPr wrap="square" rtlCol="0">
+            <a:spAutoFit/>
+          </a:bodyPr>
+          <a:lstStyle/>
+          <a:p>
+            <a:pPr algn="ctr"/>
+            <a:r>
+              <a:rPr lang="en-US" dirty="0"/>
+              <a:t>Light</a:t>
+            </a:r>
+          </a:p>
+          <a:p>
+            <a:pPr algn="ctr"/>
+            <a:r>
+              <a:rPr lang="en-US" dirty="0"/>
+              <a:t>Switch</a:t>
+            </a:r>
+          </a:p>
+        </p:txBody>
+      </p:sp>
+      <p:sp>
+        <p:nvSpPr>
+          <p:cNvPr id="212" name="Rectangle 211">
+            <a:extLst>
+              <a:ext uri="{FF2B5EF4-FFF2-40B4-BE49-F238E27FC236}">
+                <a16:creationId xmlns:a16="http://schemas.microsoft.com/office/drawing/2014/main" id="{EE758EE2-7D6E-4BB4-88B8-C0688A0945EF}"/>
+              </a:ext>
+            </a:extLst>
+          </p:cNvPr>
+          <p:cNvSpPr/>
+          <p:nvPr/>
+        </p:nvSpPr>
+        <p:spPr>
+          <a:xfrm>
+            <a:off x="6297103" y="869552"/>
+            <a:ext cx="5535862" cy="4688315"/>
+          </a:xfrm>
+          <a:prstGeom prst="rect">
+            <a:avLst/>
+          </a:prstGeom>
+          <a:solidFill>
+            <a:schemeClr val="accent5">
+              <a:lumMod val="20000"/>
+              <a:lumOff val="80000"/>
+            </a:schemeClr>
+          </a:solidFill>
+        </p:spPr>
+        <p:style>
+          <a:lnRef idx="2">
+            <a:schemeClr val="accent1">
+              <a:shade val="50000"/>
+            </a:schemeClr>
+          </a:lnRef>
+          <a:fillRef idx="1">
+            <a:schemeClr val="accent1"/>
+          </a:fillRef>
+          <a:effectRef idx="0">
+            <a:schemeClr val="accent1"/>
+          </a:effectRef>
+          <a:fontRef idx="minor">
+            <a:schemeClr val="lt1"/>
+          </a:fontRef>
+        </p:style>
+        <p:txBody>
+          <a:bodyPr rtlCol="0" anchor="ctr"/>
+          <a:lstStyle/>
+          <a:p>
+            <a:pPr algn="ctr"/>
+            <a:endParaRPr lang="en-US"/>
+          </a:p>
+        </p:txBody>
+      </p:sp>
+      <p:sp>
+        <p:nvSpPr>
+          <p:cNvPr id="4" name="Rectangle 3">
+            <a:extLst>
+              <a:ext uri="{FF2B5EF4-FFF2-40B4-BE49-F238E27FC236}">
+                <a16:creationId xmlns:a16="http://schemas.microsoft.com/office/drawing/2014/main" id="{1C559755-EDC6-4576-9EDA-65B4A382CFA3}"/>
+              </a:ext>
+            </a:extLst>
+          </p:cNvPr>
+          <p:cNvSpPr/>
+          <p:nvPr/>
+        </p:nvSpPr>
+        <p:spPr>
+          <a:xfrm>
+            <a:off x="7386792" y="1382895"/>
+            <a:ext cx="609600" cy="3699776"/>
+          </a:xfrm>
+          <a:prstGeom prst="rect">
+            <a:avLst/>
+          </a:prstGeom>
+          <a:noFill/>
+        </p:spPr>
+        <p:style>
+          <a:lnRef idx="2">
+            <a:schemeClr val="accent1">
+              <a:shade val="50000"/>
+            </a:schemeClr>
+          </a:lnRef>
+          <a:fillRef idx="1">
+            <a:schemeClr val="accent1"/>
+          </a:fillRef>
+          <a:effectRef idx="0">
+            <a:schemeClr val="accent1"/>
+          </a:effectRef>
+          <a:fontRef idx="minor">
+            <a:schemeClr val="lt1"/>
+          </a:fontRef>
+        </p:style>
+        <p:txBody>
+          <a:bodyPr rtlCol="0" anchor="ctr"/>
+          <a:lstStyle/>
+          <a:p>
+            <a:pPr algn="ctr"/>
+            <a:endParaRPr lang="en-US"/>
+          </a:p>
+        </p:txBody>
+      </p:sp>
+      <p:sp>
+        <p:nvSpPr>
+          <p:cNvPr id="93" name="Oval 92">
+            <a:extLst>
+              <a:ext uri="{FF2B5EF4-FFF2-40B4-BE49-F238E27FC236}">
+                <a16:creationId xmlns:a16="http://schemas.microsoft.com/office/drawing/2014/main" id="{A7CCE184-4775-4149-8D53-28CCDD64F5F4}"/>
+              </a:ext>
+            </a:extLst>
+          </p:cNvPr>
+          <p:cNvSpPr/>
+          <p:nvPr/>
+        </p:nvSpPr>
+        <p:spPr>
+          <a:xfrm>
+            <a:off x="7559617" y="1538191"/>
+            <a:ext cx="254523" cy="263946"/>
+          </a:xfrm>
+          <a:prstGeom prst="ellipse">
+            <a:avLst/>
+          </a:prstGeom>
+          <a:solidFill>
+            <a:schemeClr val="tx1"/>
+          </a:solidFill>
+        </p:spPr>
+        <p:style>
+          <a:lnRef idx="2">
+            <a:schemeClr val="accent1">
+              <a:shade val="50000"/>
+            </a:schemeClr>
+          </a:lnRef>
+          <a:fillRef idx="1">
+            <a:schemeClr val="accent1"/>
+          </a:fillRef>
+          <a:effectRef idx="0">
+            <a:schemeClr val="accent1"/>
+          </a:effectRef>
+          <a:fontRef idx="minor">
+            <a:schemeClr val="lt1"/>
+          </a:fontRef>
+        </p:style>
+        <p:txBody>
+          <a:bodyPr rtlCol="0" anchor="ctr"/>
+          <a:lstStyle/>
+          <a:p>
+            <a:pPr algn="ctr"/>
+            <a:endParaRPr lang="en-US"/>
+          </a:p>
+        </p:txBody>
+      </p:sp>
+      <p:sp>
+        <p:nvSpPr>
+          <p:cNvPr id="94" name="Oval 93">
+            <a:extLst>
+              <a:ext uri="{FF2B5EF4-FFF2-40B4-BE49-F238E27FC236}">
+                <a16:creationId xmlns:a16="http://schemas.microsoft.com/office/drawing/2014/main" id="{145D7E0B-7036-4823-AFED-027EDB155EF5}"/>
+              </a:ext>
+            </a:extLst>
+          </p:cNvPr>
+          <p:cNvSpPr/>
+          <p:nvPr/>
+        </p:nvSpPr>
+        <p:spPr>
+          <a:xfrm>
+            <a:off x="7559617" y="1980773"/>
+            <a:ext cx="254523" cy="263946"/>
+          </a:xfrm>
+          <a:prstGeom prst="ellipse">
+            <a:avLst/>
+          </a:prstGeom>
+          <a:solidFill>
+            <a:schemeClr val="tx1"/>
+          </a:solidFill>
+        </p:spPr>
+        <p:style>
+          <a:lnRef idx="2">
+            <a:schemeClr val="accent1">
+              <a:shade val="50000"/>
+            </a:schemeClr>
+          </a:lnRef>
+          <a:fillRef idx="1">
+            <a:schemeClr val="accent1"/>
+          </a:fillRef>
+          <a:effectRef idx="0">
+            <a:schemeClr val="accent1"/>
+          </a:effectRef>
+          <a:fontRef idx="minor">
+            <a:schemeClr val="lt1"/>
+          </a:fontRef>
+        </p:style>
+        <p:txBody>
+          <a:bodyPr rtlCol="0" anchor="ctr"/>
+          <a:lstStyle/>
+          <a:p>
+            <a:pPr algn="ctr"/>
+            <a:endParaRPr lang="en-US"/>
+          </a:p>
+        </p:txBody>
+      </p:sp>
+      <p:sp>
+        <p:nvSpPr>
+          <p:cNvPr id="95" name="Oval 94">
+            <a:extLst>
+              <a:ext uri="{FF2B5EF4-FFF2-40B4-BE49-F238E27FC236}">
+                <a16:creationId xmlns:a16="http://schemas.microsoft.com/office/drawing/2014/main" id="{C975EC3A-EF95-47ED-96FA-9B2C19D37029}"/>
+              </a:ext>
+            </a:extLst>
+          </p:cNvPr>
+          <p:cNvSpPr/>
+          <p:nvPr/>
+        </p:nvSpPr>
+        <p:spPr>
+          <a:xfrm>
+            <a:off x="7569041" y="2427590"/>
+            <a:ext cx="254523" cy="263946"/>
+          </a:xfrm>
+          <a:prstGeom prst="ellipse">
+            <a:avLst/>
+          </a:prstGeom>
+          <a:solidFill>
+            <a:schemeClr val="tx1"/>
+          </a:solidFill>
+        </p:spPr>
+        <p:style>
+          <a:lnRef idx="2">
+            <a:schemeClr val="accent1">
+              <a:shade val="50000"/>
+            </a:schemeClr>
+          </a:lnRef>
+          <a:fillRef idx="1">
+            <a:schemeClr val="accent1"/>
+          </a:fillRef>
+          <a:effectRef idx="0">
+            <a:schemeClr val="accent1"/>
+          </a:effectRef>
+          <a:fontRef idx="minor">
+            <a:schemeClr val="lt1"/>
+          </a:fontRef>
+        </p:style>
+        <p:txBody>
+          <a:bodyPr rtlCol="0" anchor="ctr"/>
+          <a:lstStyle/>
+          <a:p>
+            <a:pPr algn="ctr"/>
+            <a:endParaRPr lang="en-US"/>
+          </a:p>
+        </p:txBody>
+      </p:sp>
+      <p:sp>
+        <p:nvSpPr>
+          <p:cNvPr id="96" name="Oval 95">
+            <a:extLst>
+              <a:ext uri="{FF2B5EF4-FFF2-40B4-BE49-F238E27FC236}">
+                <a16:creationId xmlns:a16="http://schemas.microsoft.com/office/drawing/2014/main" id="{64A532B9-2811-4A53-985C-273BD3F1AF4E}"/>
+              </a:ext>
+            </a:extLst>
+          </p:cNvPr>
+          <p:cNvSpPr/>
+          <p:nvPr/>
+        </p:nvSpPr>
+        <p:spPr>
+          <a:xfrm>
+            <a:off x="7559617" y="2870172"/>
+            <a:ext cx="254523" cy="263946"/>
+          </a:xfrm>
+          <a:prstGeom prst="ellipse">
+            <a:avLst/>
+          </a:prstGeom>
+          <a:solidFill>
+            <a:schemeClr val="tx1"/>
+          </a:solidFill>
+        </p:spPr>
+        <p:style>
+          <a:lnRef idx="2">
+            <a:schemeClr val="accent1">
+              <a:shade val="50000"/>
+            </a:schemeClr>
+          </a:lnRef>
+          <a:fillRef idx="1">
+            <a:schemeClr val="accent1"/>
+          </a:fillRef>
+          <a:effectRef idx="0">
+            <a:schemeClr val="accent1"/>
+          </a:effectRef>
+          <a:fontRef idx="minor">
+            <a:schemeClr val="lt1"/>
+          </a:fontRef>
+        </p:style>
+        <p:txBody>
+          <a:bodyPr rtlCol="0" anchor="ctr"/>
+          <a:lstStyle/>
+          <a:p>
+            <a:pPr algn="ctr"/>
+            <a:endParaRPr lang="en-US"/>
+          </a:p>
+        </p:txBody>
+      </p:sp>
+      <p:sp>
+        <p:nvSpPr>
+          <p:cNvPr id="97" name="Oval 96">
+            <a:extLst>
+              <a:ext uri="{FF2B5EF4-FFF2-40B4-BE49-F238E27FC236}">
+                <a16:creationId xmlns:a16="http://schemas.microsoft.com/office/drawing/2014/main" id="{01B2F524-1E5F-43E4-8139-867E5AA05002}"/>
+              </a:ext>
+            </a:extLst>
+          </p:cNvPr>
+          <p:cNvSpPr/>
+          <p:nvPr/>
+        </p:nvSpPr>
+        <p:spPr>
+          <a:xfrm>
+            <a:off x="7559617" y="3291567"/>
+            <a:ext cx="254523" cy="263946"/>
+          </a:xfrm>
+          <a:prstGeom prst="ellipse">
+            <a:avLst/>
+          </a:prstGeom>
+          <a:solidFill>
+            <a:schemeClr val="tx1"/>
+          </a:solidFill>
+        </p:spPr>
+        <p:style>
+          <a:lnRef idx="2">
+            <a:schemeClr val="accent1">
+              <a:shade val="50000"/>
+            </a:schemeClr>
+          </a:lnRef>
+          <a:fillRef idx="1">
+            <a:schemeClr val="accent1"/>
+          </a:fillRef>
+          <a:effectRef idx="0">
+            <a:schemeClr val="accent1"/>
+          </a:effectRef>
+          <a:fontRef idx="minor">
+            <a:schemeClr val="lt1"/>
+          </a:fontRef>
+        </p:style>
+        <p:txBody>
+          <a:bodyPr rtlCol="0" anchor="ctr"/>
+          <a:lstStyle/>
+          <a:p>
+            <a:pPr algn="ctr"/>
+            <a:endParaRPr lang="en-US"/>
+          </a:p>
+        </p:txBody>
+      </p:sp>
+      <p:sp>
+        <p:nvSpPr>
+          <p:cNvPr id="98" name="Oval 97">
+            <a:extLst>
+              <a:ext uri="{FF2B5EF4-FFF2-40B4-BE49-F238E27FC236}">
+                <a16:creationId xmlns:a16="http://schemas.microsoft.com/office/drawing/2014/main" id="{41CDA221-073C-4EA0-B541-A6F417146959}"/>
+              </a:ext>
+            </a:extLst>
+          </p:cNvPr>
+          <p:cNvSpPr/>
+          <p:nvPr/>
+        </p:nvSpPr>
+        <p:spPr>
+          <a:xfrm>
+            <a:off x="7559617" y="3734149"/>
+            <a:ext cx="254523" cy="263946"/>
+          </a:xfrm>
+          <a:prstGeom prst="ellipse">
+            <a:avLst/>
+          </a:prstGeom>
+          <a:solidFill>
+            <a:schemeClr val="tx1"/>
+          </a:solidFill>
+        </p:spPr>
+        <p:style>
+          <a:lnRef idx="2">
+            <a:schemeClr val="accent1">
+              <a:shade val="50000"/>
+            </a:schemeClr>
+          </a:lnRef>
+          <a:fillRef idx="1">
+            <a:schemeClr val="accent1"/>
+          </a:fillRef>
+          <a:effectRef idx="0">
+            <a:schemeClr val="accent1"/>
+          </a:effectRef>
+          <a:fontRef idx="minor">
+            <a:schemeClr val="lt1"/>
+          </a:fontRef>
+        </p:style>
+        <p:txBody>
+          <a:bodyPr rtlCol="0" anchor="ctr"/>
+          <a:lstStyle/>
+          <a:p>
+            <a:pPr algn="ctr"/>
+            <a:endParaRPr lang="en-US"/>
+          </a:p>
+        </p:txBody>
+      </p:sp>
+      <p:sp>
+        <p:nvSpPr>
+          <p:cNvPr id="99" name="Oval 98">
+            <a:extLst>
+              <a:ext uri="{FF2B5EF4-FFF2-40B4-BE49-F238E27FC236}">
+                <a16:creationId xmlns:a16="http://schemas.microsoft.com/office/drawing/2014/main" id="{CF3B2EDF-3674-4764-B75D-5B5ABC782A79}"/>
+              </a:ext>
+            </a:extLst>
+          </p:cNvPr>
+          <p:cNvSpPr/>
+          <p:nvPr/>
+        </p:nvSpPr>
+        <p:spPr>
+          <a:xfrm>
+            <a:off x="7569041" y="4180966"/>
+            <a:ext cx="254523" cy="263946"/>
+          </a:xfrm>
+          <a:prstGeom prst="ellipse">
+            <a:avLst/>
+          </a:prstGeom>
+          <a:noFill/>
+        </p:spPr>
+        <p:style>
+          <a:lnRef idx="2">
+            <a:schemeClr val="accent1">
+              <a:shade val="50000"/>
+            </a:schemeClr>
+          </a:lnRef>
+          <a:fillRef idx="1">
+            <a:schemeClr val="accent1"/>
+          </a:fillRef>
+          <a:effectRef idx="0">
+            <a:schemeClr val="accent1"/>
+          </a:effectRef>
+          <a:fontRef idx="minor">
+            <a:schemeClr val="lt1"/>
+          </a:fontRef>
+        </p:style>
+        <p:txBody>
+          <a:bodyPr rtlCol="0" anchor="ctr"/>
+          <a:lstStyle/>
+          <a:p>
+            <a:pPr algn="ctr"/>
+            <a:endParaRPr lang="en-US"/>
+          </a:p>
+        </p:txBody>
+      </p:sp>
+      <p:sp>
+        <p:nvSpPr>
+          <p:cNvPr id="100" name="Oval 99">
+            <a:extLst>
+              <a:ext uri="{FF2B5EF4-FFF2-40B4-BE49-F238E27FC236}">
+                <a16:creationId xmlns:a16="http://schemas.microsoft.com/office/drawing/2014/main" id="{BDB519D0-F7F8-43BF-85C4-AE23B732F7B5}"/>
+              </a:ext>
+            </a:extLst>
+          </p:cNvPr>
+          <p:cNvSpPr/>
+          <p:nvPr/>
+        </p:nvSpPr>
+        <p:spPr>
+          <a:xfrm>
+            <a:off x="7559617" y="4623548"/>
+            <a:ext cx="254523" cy="263946"/>
+          </a:xfrm>
+          <a:prstGeom prst="ellipse">
+            <a:avLst/>
+          </a:prstGeom>
+          <a:solidFill>
+            <a:schemeClr val="tx1"/>
+          </a:solidFill>
+        </p:spPr>
+        <p:style>
+          <a:lnRef idx="2">
+            <a:schemeClr val="accent1">
+              <a:shade val="50000"/>
+            </a:schemeClr>
+          </a:lnRef>
+          <a:fillRef idx="1">
+            <a:schemeClr val="accent1"/>
+          </a:fillRef>
+          <a:effectRef idx="0">
+            <a:schemeClr val="accent1"/>
+          </a:effectRef>
+          <a:fontRef idx="minor">
+            <a:schemeClr val="lt1"/>
+          </a:fontRef>
+        </p:style>
+        <p:txBody>
+          <a:bodyPr rtlCol="0" anchor="ctr"/>
+          <a:lstStyle/>
+          <a:p>
+            <a:pPr algn="ctr"/>
+            <a:endParaRPr lang="en-US"/>
+          </a:p>
+        </p:txBody>
+      </p:sp>
+      <p:cxnSp>
+        <p:nvCxnSpPr>
+          <p:cNvPr id="6" name="Straight Connector 5">
+            <a:extLst>
+              <a:ext uri="{FF2B5EF4-FFF2-40B4-BE49-F238E27FC236}">
+                <a16:creationId xmlns:a16="http://schemas.microsoft.com/office/drawing/2014/main" id="{75056DB9-1F62-4A28-A02E-04E1BE53D466}"/>
+              </a:ext>
+            </a:extLst>
+          </p:cNvPr>
+          <p:cNvCxnSpPr>
+            <a:cxnSpLocks/>
+          </p:cNvCxnSpPr>
+          <p:nvPr/>
+        </p:nvCxnSpPr>
+        <p:spPr>
+          <a:xfrm rot="16200000" flipH="1">
+            <a:off x="7601234" y="993298"/>
+            <a:ext cx="19654" cy="1352409"/>
+          </a:xfrm>
+          <a:prstGeom prst="line">
+            <a:avLst/>
+          </a:prstGeom>
+          <a:ln w="57150"/>
+        </p:spPr>
+        <p:style>
+          <a:lnRef idx="1">
+            <a:schemeClr val="accent1"/>
+          </a:lnRef>
+          <a:fillRef idx="0">
+            <a:schemeClr val="accent1"/>
+          </a:fillRef>
+          <a:effectRef idx="0">
+            <a:schemeClr val="accent1"/>
+          </a:effectRef>
+          <a:fontRef idx="minor">
+            <a:schemeClr val="tx1"/>
+          </a:fontRef>
+        </p:style>
+      </p:cxnSp>
+      <p:grpSp>
+        <p:nvGrpSpPr>
+          <p:cNvPr id="155" name="Group 154">
+            <a:extLst>
+              <a:ext uri="{FF2B5EF4-FFF2-40B4-BE49-F238E27FC236}">
+                <a16:creationId xmlns:a16="http://schemas.microsoft.com/office/drawing/2014/main" id="{DCD73023-9C53-4732-8F82-B69DA7D19A79}"/>
+              </a:ext>
+            </a:extLst>
+          </p:cNvPr>
+          <p:cNvGrpSpPr/>
+          <p:nvPr/>
+        </p:nvGrpSpPr>
+        <p:grpSpPr>
+          <a:xfrm>
+            <a:off x="9383173" y="1360423"/>
+            <a:ext cx="1225485" cy="3692426"/>
+            <a:chOff x="4198642" y="1269008"/>
+            <a:chExt cx="1225485" cy="3692426"/>
+          </a:xfrm>
+        </p:grpSpPr>
+        <p:grpSp>
+          <p:nvGrpSpPr>
+            <p:cNvPr id="18" name="Group 17">
+              <a:extLst>
+                <a:ext uri="{FF2B5EF4-FFF2-40B4-BE49-F238E27FC236}">
+                  <a16:creationId xmlns:a16="http://schemas.microsoft.com/office/drawing/2014/main" id="{67A69472-06DE-4A13-8312-B5BA8717D088}"/>
+                </a:ext>
+              </a:extLst>
+            </p:cNvPr>
+            <p:cNvGrpSpPr/>
+            <p:nvPr/>
+          </p:nvGrpSpPr>
+          <p:grpSpPr>
+            <a:xfrm>
+              <a:off x="4198642" y="1269008"/>
+              <a:ext cx="1225485" cy="791840"/>
+              <a:chOff x="2045616" y="1923068"/>
+              <a:chExt cx="1225485" cy="791840"/>
+            </a:xfrm>
+          </p:grpSpPr>
+          <p:sp>
+            <p:nvSpPr>
+              <p:cNvPr id="9" name="Oval 8">
+                <a:extLst>
+                  <a:ext uri="{FF2B5EF4-FFF2-40B4-BE49-F238E27FC236}">
+                    <a16:creationId xmlns:a16="http://schemas.microsoft.com/office/drawing/2014/main" id="{E5D4B8A8-121D-4A6C-B36F-DABC8547BB5B}"/>
+                  </a:ext>
+                </a:extLst>
+              </p:cNvPr>
+              <p:cNvSpPr/>
+              <p:nvPr/>
+            </p:nvSpPr>
+            <p:spPr>
+              <a:xfrm>
+                <a:off x="2121032" y="1998479"/>
+                <a:ext cx="113122" cy="124739"/>
+              </a:xfrm>
+              <a:prstGeom prst="ellipse">
+                <a:avLst/>
+              </a:prstGeom>
+            </p:spPr>
+            <p:style>
+              <a:lnRef idx="2">
+                <a:schemeClr val="accent1">
+                  <a:shade val="50000"/>
+                </a:schemeClr>
+              </a:lnRef>
+              <a:fillRef idx="1">
+                <a:schemeClr val="accent1"/>
+              </a:fillRef>
+              <a:effectRef idx="0">
+                <a:schemeClr val="accent1"/>
+              </a:effectRef>
+              <a:fontRef idx="minor">
+                <a:schemeClr val="lt1"/>
+              </a:fontRef>
+            </p:style>
+            <p:txBody>
+              <a:bodyPr rtlCol="0" anchor="ctr"/>
+              <a:lstStyle/>
+              <a:p>
+                <a:pPr algn="ctr"/>
+                <a:endParaRPr lang="en-US"/>
+              </a:p>
+            </p:txBody>
+          </p:sp>
+          <p:sp>
+            <p:nvSpPr>
+              <p:cNvPr id="10" name="Oval 9">
+                <a:extLst>
+                  <a:ext uri="{FF2B5EF4-FFF2-40B4-BE49-F238E27FC236}">
+                    <a16:creationId xmlns:a16="http://schemas.microsoft.com/office/drawing/2014/main" id="{479DCAB6-D776-4D9A-B6F6-F40BB39ED6B6}"/>
+                  </a:ext>
+                </a:extLst>
+              </p:cNvPr>
+              <p:cNvSpPr/>
+              <p:nvPr/>
+            </p:nvSpPr>
+            <p:spPr>
+              <a:xfrm>
+                <a:off x="2121032" y="2509099"/>
+                <a:ext cx="113122" cy="124739"/>
+              </a:xfrm>
+              <a:prstGeom prst="ellipse">
+                <a:avLst/>
+              </a:prstGeom>
+            </p:spPr>
+            <p:style>
+              <a:lnRef idx="2">
+                <a:schemeClr val="accent1">
+                  <a:shade val="50000"/>
+                </a:schemeClr>
+              </a:lnRef>
+              <a:fillRef idx="1">
+                <a:schemeClr val="accent1"/>
+              </a:fillRef>
+              <a:effectRef idx="0">
+                <a:schemeClr val="accent1"/>
+              </a:effectRef>
+              <a:fontRef idx="minor">
+                <a:schemeClr val="lt1"/>
+              </a:fontRef>
+            </p:style>
+            <p:txBody>
+              <a:bodyPr rtlCol="0" anchor="ctr"/>
+              <a:lstStyle/>
+              <a:p>
+                <a:pPr algn="ctr"/>
+                <a:endParaRPr lang="en-US"/>
+              </a:p>
+            </p:txBody>
+          </p:sp>
+          <p:sp>
+            <p:nvSpPr>
+              <p:cNvPr id="8" name="Rectangle 7">
+                <a:extLst>
+                  <a:ext uri="{FF2B5EF4-FFF2-40B4-BE49-F238E27FC236}">
+                    <a16:creationId xmlns:a16="http://schemas.microsoft.com/office/drawing/2014/main" id="{3B34E184-6241-4CD3-BADF-7B3495CBA4F9}"/>
+                  </a:ext>
+                </a:extLst>
+              </p:cNvPr>
+              <p:cNvSpPr/>
+              <p:nvPr/>
+            </p:nvSpPr>
+            <p:spPr>
+              <a:xfrm>
+                <a:off x="2045616" y="1923068"/>
+                <a:ext cx="1225485" cy="791840"/>
+              </a:xfrm>
+              <a:prstGeom prst="rect">
+                <a:avLst/>
+              </a:prstGeom>
+              <a:noFill/>
+            </p:spPr>
+            <p:style>
+              <a:lnRef idx="2">
+                <a:schemeClr val="accent1">
+                  <a:shade val="50000"/>
+                </a:schemeClr>
+              </a:lnRef>
+              <a:fillRef idx="1">
+                <a:schemeClr val="accent1"/>
+              </a:fillRef>
+              <a:effectRef idx="0">
+                <a:schemeClr val="accent1"/>
+              </a:effectRef>
+              <a:fontRef idx="minor">
+                <a:schemeClr val="lt1"/>
+              </a:fontRef>
+            </p:style>
+            <p:txBody>
+              <a:bodyPr rtlCol="0" anchor="ctr"/>
+              <a:lstStyle/>
+              <a:p>
+                <a:pPr algn="ctr"/>
+                <a:endParaRPr lang="en-US"/>
+              </a:p>
+            </p:txBody>
+          </p:sp>
+          <p:sp>
+            <p:nvSpPr>
+              <p:cNvPr id="12" name="Oval 11">
+                <a:extLst>
+                  <a:ext uri="{FF2B5EF4-FFF2-40B4-BE49-F238E27FC236}">
+                    <a16:creationId xmlns:a16="http://schemas.microsoft.com/office/drawing/2014/main" id="{354F2A3C-680E-4428-A308-3694697606FA}"/>
+                  </a:ext>
+                </a:extLst>
+              </p:cNvPr>
+              <p:cNvSpPr/>
+              <p:nvPr/>
+            </p:nvSpPr>
+            <p:spPr>
+              <a:xfrm>
+                <a:off x="2121032" y="2248919"/>
+                <a:ext cx="113122" cy="124739"/>
+              </a:xfrm>
+              <a:prstGeom prst="ellipse">
+                <a:avLst/>
+              </a:prstGeom>
+            </p:spPr>
+            <p:style>
+              <a:lnRef idx="2">
+                <a:schemeClr val="accent1">
+                  <a:shade val="50000"/>
+                </a:schemeClr>
+              </a:lnRef>
+              <a:fillRef idx="1">
+                <a:schemeClr val="accent1"/>
+              </a:fillRef>
+              <a:effectRef idx="0">
+                <a:schemeClr val="accent1"/>
+              </a:effectRef>
+              <a:fontRef idx="minor">
+                <a:schemeClr val="lt1"/>
+              </a:fontRef>
+            </p:style>
+            <p:txBody>
+              <a:bodyPr rtlCol="0" anchor="ctr"/>
+              <a:lstStyle/>
+              <a:p>
+                <a:pPr algn="ctr"/>
+                <a:endParaRPr lang="en-US"/>
+              </a:p>
+            </p:txBody>
+          </p:sp>
+        </p:grpSp>
+        <p:grpSp>
+          <p:nvGrpSpPr>
+            <p:cNvPr id="19" name="Group 18">
+              <a:extLst>
+                <a:ext uri="{FF2B5EF4-FFF2-40B4-BE49-F238E27FC236}">
+                  <a16:creationId xmlns:a16="http://schemas.microsoft.com/office/drawing/2014/main" id="{271FD6C9-6EE0-4F7F-A4AC-9C778064BFCE}"/>
+                </a:ext>
+              </a:extLst>
+            </p:cNvPr>
+            <p:cNvGrpSpPr/>
+            <p:nvPr/>
+          </p:nvGrpSpPr>
+          <p:grpSpPr>
+            <a:xfrm>
+              <a:off x="4198642" y="2235870"/>
+              <a:ext cx="1225485" cy="791840"/>
+              <a:chOff x="2045616" y="1923068"/>
+              <a:chExt cx="1225485" cy="791840"/>
+            </a:xfrm>
+          </p:grpSpPr>
+          <p:sp>
+            <p:nvSpPr>
+              <p:cNvPr id="20" name="Oval 19">
+                <a:extLst>
+                  <a:ext uri="{FF2B5EF4-FFF2-40B4-BE49-F238E27FC236}">
+                    <a16:creationId xmlns:a16="http://schemas.microsoft.com/office/drawing/2014/main" id="{A01ECBF6-2E88-405A-81A5-2415CD0A4F25}"/>
+                  </a:ext>
+                </a:extLst>
+              </p:cNvPr>
+              <p:cNvSpPr/>
+              <p:nvPr/>
+            </p:nvSpPr>
+            <p:spPr>
+              <a:xfrm>
+                <a:off x="2121032" y="1998479"/>
+                <a:ext cx="113122" cy="124739"/>
+              </a:xfrm>
+              <a:prstGeom prst="ellipse">
+                <a:avLst/>
+              </a:prstGeom>
+            </p:spPr>
+            <p:style>
+              <a:lnRef idx="2">
+                <a:schemeClr val="accent1">
+                  <a:shade val="50000"/>
+                </a:schemeClr>
+              </a:lnRef>
+              <a:fillRef idx="1">
+                <a:schemeClr val="accent1"/>
+              </a:fillRef>
+              <a:effectRef idx="0">
+                <a:schemeClr val="accent1"/>
+              </a:effectRef>
+              <a:fontRef idx="minor">
+                <a:schemeClr val="lt1"/>
+              </a:fontRef>
+            </p:style>
+            <p:txBody>
+              <a:bodyPr rtlCol="0" anchor="ctr"/>
+              <a:lstStyle/>
+              <a:p>
+                <a:pPr algn="ctr"/>
+                <a:endParaRPr lang="en-US"/>
+              </a:p>
+            </p:txBody>
+          </p:sp>
+          <p:sp>
+            <p:nvSpPr>
+              <p:cNvPr id="21" name="Oval 20">
+                <a:extLst>
+                  <a:ext uri="{FF2B5EF4-FFF2-40B4-BE49-F238E27FC236}">
+                    <a16:creationId xmlns:a16="http://schemas.microsoft.com/office/drawing/2014/main" id="{68829208-F71E-4BF0-BC92-AE94C83AA3BD}"/>
+                  </a:ext>
+                </a:extLst>
+              </p:cNvPr>
+              <p:cNvSpPr/>
+              <p:nvPr/>
+            </p:nvSpPr>
+            <p:spPr>
+              <a:xfrm>
+                <a:off x="2121032" y="2509099"/>
+                <a:ext cx="113122" cy="124739"/>
+              </a:xfrm>
+              <a:prstGeom prst="ellipse">
+                <a:avLst/>
+              </a:prstGeom>
+            </p:spPr>
+            <p:style>
+              <a:lnRef idx="2">
+                <a:schemeClr val="accent1">
+                  <a:shade val="50000"/>
+                </a:schemeClr>
+              </a:lnRef>
+              <a:fillRef idx="1">
+                <a:schemeClr val="accent1"/>
+              </a:fillRef>
+              <a:effectRef idx="0">
+                <a:schemeClr val="accent1"/>
+              </a:effectRef>
+              <a:fontRef idx="minor">
+                <a:schemeClr val="lt1"/>
+              </a:fontRef>
+            </p:style>
+            <p:txBody>
+              <a:bodyPr rtlCol="0" anchor="ctr"/>
+              <a:lstStyle/>
+              <a:p>
+                <a:pPr algn="ctr"/>
+                <a:endParaRPr lang="en-US"/>
+              </a:p>
+            </p:txBody>
+          </p:sp>
+          <p:sp>
+            <p:nvSpPr>
+              <p:cNvPr id="22" name="Rectangle 21">
+                <a:extLst>
+                  <a:ext uri="{FF2B5EF4-FFF2-40B4-BE49-F238E27FC236}">
+                    <a16:creationId xmlns:a16="http://schemas.microsoft.com/office/drawing/2014/main" id="{D1AEEC2F-F69C-48CC-B769-5EC97A8355C5}"/>
+                  </a:ext>
+                </a:extLst>
+              </p:cNvPr>
+              <p:cNvSpPr/>
+              <p:nvPr/>
+            </p:nvSpPr>
+            <p:spPr>
+              <a:xfrm>
+                <a:off x="2045616" y="1923068"/>
+                <a:ext cx="1225485" cy="791840"/>
+              </a:xfrm>
+              <a:prstGeom prst="rect">
+                <a:avLst/>
+              </a:prstGeom>
+              <a:noFill/>
+            </p:spPr>
+            <p:style>
+              <a:lnRef idx="2">
+                <a:schemeClr val="accent1">
+                  <a:shade val="50000"/>
+                </a:schemeClr>
+              </a:lnRef>
+              <a:fillRef idx="1">
+                <a:schemeClr val="accent1"/>
+              </a:fillRef>
+              <a:effectRef idx="0">
+                <a:schemeClr val="accent1"/>
+              </a:effectRef>
+              <a:fontRef idx="minor">
+                <a:schemeClr val="lt1"/>
+              </a:fontRef>
+            </p:style>
+            <p:txBody>
+              <a:bodyPr rtlCol="0" anchor="ctr"/>
+              <a:lstStyle/>
+              <a:p>
+                <a:pPr algn="ctr"/>
+                <a:endParaRPr lang="en-US"/>
+              </a:p>
+            </p:txBody>
+          </p:sp>
+          <p:sp>
+            <p:nvSpPr>
+              <p:cNvPr id="23" name="Oval 22">
+                <a:extLst>
+                  <a:ext uri="{FF2B5EF4-FFF2-40B4-BE49-F238E27FC236}">
+                    <a16:creationId xmlns:a16="http://schemas.microsoft.com/office/drawing/2014/main" id="{4B212662-316D-4C63-A71F-51DA26FAF994}"/>
+                  </a:ext>
+                </a:extLst>
+              </p:cNvPr>
+              <p:cNvSpPr/>
+              <p:nvPr/>
+            </p:nvSpPr>
+            <p:spPr>
+              <a:xfrm>
+                <a:off x="2121032" y="2248919"/>
+                <a:ext cx="113122" cy="124739"/>
+              </a:xfrm>
+              <a:prstGeom prst="ellipse">
+                <a:avLst/>
+              </a:prstGeom>
+            </p:spPr>
+            <p:style>
+              <a:lnRef idx="2">
+                <a:schemeClr val="accent1">
+                  <a:shade val="50000"/>
+                </a:schemeClr>
+              </a:lnRef>
+              <a:fillRef idx="1">
+                <a:schemeClr val="accent1"/>
+              </a:fillRef>
+              <a:effectRef idx="0">
+                <a:schemeClr val="accent1"/>
+              </a:effectRef>
+              <a:fontRef idx="minor">
+                <a:schemeClr val="lt1"/>
+              </a:fontRef>
+            </p:style>
+            <p:txBody>
+              <a:bodyPr rtlCol="0" anchor="ctr"/>
+              <a:lstStyle/>
+              <a:p>
+                <a:pPr algn="ctr"/>
+                <a:endParaRPr lang="en-US"/>
+              </a:p>
+            </p:txBody>
+          </p:sp>
+        </p:grpSp>
+        <p:grpSp>
+          <p:nvGrpSpPr>
+            <p:cNvPr id="24" name="Group 23">
+              <a:extLst>
+                <a:ext uri="{FF2B5EF4-FFF2-40B4-BE49-F238E27FC236}">
+                  <a16:creationId xmlns:a16="http://schemas.microsoft.com/office/drawing/2014/main" id="{98B3A216-3C32-406C-A36F-C2306EC912A5}"/>
+                </a:ext>
+              </a:extLst>
+            </p:cNvPr>
+            <p:cNvGrpSpPr/>
+            <p:nvPr/>
+          </p:nvGrpSpPr>
+          <p:grpSpPr>
+            <a:xfrm>
+              <a:off x="4198642" y="3202732"/>
+              <a:ext cx="1225485" cy="791840"/>
+              <a:chOff x="2045616" y="1923068"/>
+              <a:chExt cx="1225485" cy="791840"/>
+            </a:xfrm>
+          </p:grpSpPr>
+          <p:sp>
+            <p:nvSpPr>
+              <p:cNvPr id="25" name="Oval 24">
+                <a:extLst>
+                  <a:ext uri="{FF2B5EF4-FFF2-40B4-BE49-F238E27FC236}">
+                    <a16:creationId xmlns:a16="http://schemas.microsoft.com/office/drawing/2014/main" id="{FDFA731D-A097-483F-8912-47D47BFF28AC}"/>
+                  </a:ext>
+                </a:extLst>
+              </p:cNvPr>
+              <p:cNvSpPr/>
+              <p:nvPr/>
+            </p:nvSpPr>
+            <p:spPr>
+              <a:xfrm>
+                <a:off x="2121032" y="1998479"/>
+                <a:ext cx="113122" cy="124739"/>
+              </a:xfrm>
+              <a:prstGeom prst="ellipse">
+                <a:avLst/>
+              </a:prstGeom>
+            </p:spPr>
+            <p:style>
+              <a:lnRef idx="2">
+                <a:schemeClr val="accent1">
+                  <a:shade val="50000"/>
+                </a:schemeClr>
+              </a:lnRef>
+              <a:fillRef idx="1">
+                <a:schemeClr val="accent1"/>
+              </a:fillRef>
+              <a:effectRef idx="0">
+                <a:schemeClr val="accent1"/>
+              </a:effectRef>
+              <a:fontRef idx="minor">
+                <a:schemeClr val="lt1"/>
+              </a:fontRef>
+            </p:style>
+            <p:txBody>
+              <a:bodyPr rtlCol="0" anchor="ctr"/>
+              <a:lstStyle/>
+              <a:p>
+                <a:pPr algn="ctr"/>
+                <a:endParaRPr lang="en-US"/>
+              </a:p>
+            </p:txBody>
+          </p:sp>
+          <p:sp>
+            <p:nvSpPr>
+              <p:cNvPr id="26" name="Oval 25">
+                <a:extLst>
+                  <a:ext uri="{FF2B5EF4-FFF2-40B4-BE49-F238E27FC236}">
+                    <a16:creationId xmlns:a16="http://schemas.microsoft.com/office/drawing/2014/main" id="{9F262FA6-2EDC-4B3A-B1E8-20E83188909C}"/>
+                  </a:ext>
+                </a:extLst>
+              </p:cNvPr>
+              <p:cNvSpPr/>
+              <p:nvPr/>
+            </p:nvSpPr>
+            <p:spPr>
+              <a:xfrm>
+                <a:off x="2121032" y="2509099"/>
+                <a:ext cx="113122" cy="124739"/>
+              </a:xfrm>
+              <a:prstGeom prst="ellipse">
+                <a:avLst/>
+              </a:prstGeom>
+            </p:spPr>
+            <p:style>
+              <a:lnRef idx="2">
+                <a:schemeClr val="accent1">
+                  <a:shade val="50000"/>
+                </a:schemeClr>
+              </a:lnRef>
+              <a:fillRef idx="1">
+                <a:schemeClr val="accent1"/>
+              </a:fillRef>
+              <a:effectRef idx="0">
+                <a:schemeClr val="accent1"/>
+              </a:effectRef>
+              <a:fontRef idx="minor">
+                <a:schemeClr val="lt1"/>
+              </a:fontRef>
+            </p:style>
+            <p:txBody>
+              <a:bodyPr rtlCol="0" anchor="ctr"/>
+              <a:lstStyle/>
+              <a:p>
+                <a:pPr algn="ctr"/>
+                <a:endParaRPr lang="en-US"/>
+              </a:p>
+            </p:txBody>
+          </p:sp>
+          <p:sp>
+            <p:nvSpPr>
+              <p:cNvPr id="27" name="Rectangle 26">
+                <a:extLst>
+                  <a:ext uri="{FF2B5EF4-FFF2-40B4-BE49-F238E27FC236}">
+                    <a16:creationId xmlns:a16="http://schemas.microsoft.com/office/drawing/2014/main" id="{D1B970B1-06CA-4C4B-A5CA-CD0A1D20E2C4}"/>
+                  </a:ext>
+                </a:extLst>
+              </p:cNvPr>
+              <p:cNvSpPr/>
+              <p:nvPr/>
+            </p:nvSpPr>
+            <p:spPr>
+              <a:xfrm>
+                <a:off x="2045616" y="1923068"/>
+                <a:ext cx="1225485" cy="791840"/>
+              </a:xfrm>
+              <a:prstGeom prst="rect">
+                <a:avLst/>
+              </a:prstGeom>
+              <a:noFill/>
+            </p:spPr>
+            <p:style>
+              <a:lnRef idx="2">
+                <a:schemeClr val="accent1">
+                  <a:shade val="50000"/>
+                </a:schemeClr>
+              </a:lnRef>
+              <a:fillRef idx="1">
+                <a:schemeClr val="accent1"/>
+              </a:fillRef>
+              <a:effectRef idx="0">
+                <a:schemeClr val="accent1"/>
+              </a:effectRef>
+              <a:fontRef idx="minor">
+                <a:schemeClr val="lt1"/>
+              </a:fontRef>
+            </p:style>
+            <p:txBody>
+              <a:bodyPr rtlCol="0" anchor="ctr"/>
+              <a:lstStyle/>
+              <a:p>
+                <a:pPr algn="ctr"/>
+                <a:endParaRPr lang="en-US"/>
+              </a:p>
+            </p:txBody>
+          </p:sp>
+          <p:sp>
+            <p:nvSpPr>
+              <p:cNvPr id="28" name="Oval 27">
+                <a:extLst>
+                  <a:ext uri="{FF2B5EF4-FFF2-40B4-BE49-F238E27FC236}">
+                    <a16:creationId xmlns:a16="http://schemas.microsoft.com/office/drawing/2014/main" id="{94B2C2CA-88AB-4D92-B152-1E186827E686}"/>
+                  </a:ext>
+                </a:extLst>
+              </p:cNvPr>
+              <p:cNvSpPr/>
+              <p:nvPr/>
+            </p:nvSpPr>
+            <p:spPr>
+              <a:xfrm>
+                <a:off x="2121032" y="2248919"/>
+                <a:ext cx="113122" cy="124739"/>
+              </a:xfrm>
+              <a:prstGeom prst="ellipse">
+                <a:avLst/>
+              </a:prstGeom>
+            </p:spPr>
+            <p:style>
+              <a:lnRef idx="2">
+                <a:schemeClr val="accent1">
+                  <a:shade val="50000"/>
+                </a:schemeClr>
+              </a:lnRef>
+              <a:fillRef idx="1">
+                <a:schemeClr val="accent1"/>
+              </a:fillRef>
+              <a:effectRef idx="0">
+                <a:schemeClr val="accent1"/>
+              </a:effectRef>
+              <a:fontRef idx="minor">
+                <a:schemeClr val="lt1"/>
+              </a:fontRef>
+            </p:style>
+            <p:txBody>
+              <a:bodyPr rtlCol="0" anchor="ctr"/>
+              <a:lstStyle/>
+              <a:p>
+                <a:pPr algn="ctr"/>
+                <a:endParaRPr lang="en-US"/>
+              </a:p>
+            </p:txBody>
+          </p:sp>
+        </p:grpSp>
+        <p:grpSp>
+          <p:nvGrpSpPr>
+            <p:cNvPr id="29" name="Group 28">
+              <a:extLst>
+                <a:ext uri="{FF2B5EF4-FFF2-40B4-BE49-F238E27FC236}">
+                  <a16:creationId xmlns:a16="http://schemas.microsoft.com/office/drawing/2014/main" id="{FDDB81A0-07C3-43D8-8FB4-9FD20B23E575}"/>
+                </a:ext>
+              </a:extLst>
+            </p:cNvPr>
+            <p:cNvGrpSpPr/>
+            <p:nvPr/>
+          </p:nvGrpSpPr>
+          <p:grpSpPr>
+            <a:xfrm>
+              <a:off x="4198642" y="4169594"/>
+              <a:ext cx="1225485" cy="791840"/>
+              <a:chOff x="2045616" y="1923068"/>
+              <a:chExt cx="1225485" cy="791840"/>
+            </a:xfrm>
+          </p:grpSpPr>
+          <p:sp>
+            <p:nvSpPr>
+              <p:cNvPr id="30" name="Oval 29">
+                <a:extLst>
+                  <a:ext uri="{FF2B5EF4-FFF2-40B4-BE49-F238E27FC236}">
+                    <a16:creationId xmlns:a16="http://schemas.microsoft.com/office/drawing/2014/main" id="{FB1B9B18-DCEF-42D8-A07B-2209B0FA29C5}"/>
+                  </a:ext>
+                </a:extLst>
+              </p:cNvPr>
+              <p:cNvSpPr/>
+              <p:nvPr/>
+            </p:nvSpPr>
+            <p:spPr>
+              <a:xfrm>
+                <a:off x="2121032" y="1998479"/>
+                <a:ext cx="113122" cy="124739"/>
+              </a:xfrm>
+              <a:prstGeom prst="ellipse">
+                <a:avLst/>
+              </a:prstGeom>
+            </p:spPr>
+            <p:style>
+              <a:lnRef idx="2">
+                <a:schemeClr val="accent1">
+                  <a:shade val="50000"/>
+                </a:schemeClr>
+              </a:lnRef>
+              <a:fillRef idx="1">
+                <a:schemeClr val="accent1"/>
+              </a:fillRef>
+              <a:effectRef idx="0">
+                <a:schemeClr val="accent1"/>
+              </a:effectRef>
+              <a:fontRef idx="minor">
+                <a:schemeClr val="lt1"/>
+              </a:fontRef>
+            </p:style>
+            <p:txBody>
+              <a:bodyPr rtlCol="0" anchor="ctr"/>
+              <a:lstStyle/>
+              <a:p>
+                <a:pPr algn="ctr"/>
+                <a:endParaRPr lang="en-US"/>
+              </a:p>
+            </p:txBody>
+          </p:sp>
+          <p:sp>
+            <p:nvSpPr>
+              <p:cNvPr id="31" name="Oval 30">
+                <a:extLst>
+                  <a:ext uri="{FF2B5EF4-FFF2-40B4-BE49-F238E27FC236}">
+                    <a16:creationId xmlns:a16="http://schemas.microsoft.com/office/drawing/2014/main" id="{C6F43872-5701-46BA-BD8B-E9C4F1C60BFB}"/>
+                  </a:ext>
+                </a:extLst>
+              </p:cNvPr>
+              <p:cNvSpPr/>
+              <p:nvPr/>
+            </p:nvSpPr>
+            <p:spPr>
+              <a:xfrm>
+                <a:off x="2121032" y="2509099"/>
+                <a:ext cx="113122" cy="124739"/>
+              </a:xfrm>
+              <a:prstGeom prst="ellipse">
+                <a:avLst/>
+              </a:prstGeom>
+            </p:spPr>
+            <p:style>
+              <a:lnRef idx="2">
+                <a:schemeClr val="accent1">
+                  <a:shade val="50000"/>
+                </a:schemeClr>
+              </a:lnRef>
+              <a:fillRef idx="1">
+                <a:schemeClr val="accent1"/>
+              </a:fillRef>
+              <a:effectRef idx="0">
+                <a:schemeClr val="accent1"/>
+              </a:effectRef>
+              <a:fontRef idx="minor">
+                <a:schemeClr val="lt1"/>
+              </a:fontRef>
+            </p:style>
+            <p:txBody>
+              <a:bodyPr rtlCol="0" anchor="ctr"/>
+              <a:lstStyle/>
+              <a:p>
+                <a:pPr algn="ctr"/>
+                <a:endParaRPr lang="en-US"/>
+              </a:p>
+            </p:txBody>
+          </p:sp>
+          <p:sp>
+            <p:nvSpPr>
+              <p:cNvPr id="32" name="Rectangle 31">
+                <a:extLst>
+                  <a:ext uri="{FF2B5EF4-FFF2-40B4-BE49-F238E27FC236}">
+                    <a16:creationId xmlns:a16="http://schemas.microsoft.com/office/drawing/2014/main" id="{2E730002-EC91-42DB-8F23-B305DCC48E0D}"/>
+                  </a:ext>
+                </a:extLst>
+              </p:cNvPr>
+              <p:cNvSpPr/>
+              <p:nvPr/>
+            </p:nvSpPr>
+            <p:spPr>
+              <a:xfrm>
+                <a:off x="2045616" y="1923068"/>
+                <a:ext cx="1225485" cy="791840"/>
+              </a:xfrm>
+              <a:prstGeom prst="rect">
+                <a:avLst/>
+              </a:prstGeom>
+              <a:noFill/>
+            </p:spPr>
+            <p:style>
+              <a:lnRef idx="2">
+                <a:schemeClr val="accent1">
+                  <a:shade val="50000"/>
+                </a:schemeClr>
+              </a:lnRef>
+              <a:fillRef idx="1">
+                <a:schemeClr val="accent1"/>
+              </a:fillRef>
+              <a:effectRef idx="0">
+                <a:schemeClr val="accent1"/>
+              </a:effectRef>
+              <a:fontRef idx="minor">
+                <a:schemeClr val="lt1"/>
+              </a:fontRef>
+            </p:style>
+            <p:txBody>
+              <a:bodyPr rtlCol="0" anchor="ctr"/>
+              <a:lstStyle/>
+              <a:p>
+                <a:pPr algn="ctr"/>
+                <a:endParaRPr lang="en-US"/>
+              </a:p>
+            </p:txBody>
+          </p:sp>
+          <p:sp>
+            <p:nvSpPr>
+              <p:cNvPr id="33" name="Oval 32">
+                <a:extLst>
+                  <a:ext uri="{FF2B5EF4-FFF2-40B4-BE49-F238E27FC236}">
+                    <a16:creationId xmlns:a16="http://schemas.microsoft.com/office/drawing/2014/main" id="{403EC4A0-0D1E-4899-AA56-A06C9E28916B}"/>
+                  </a:ext>
+                </a:extLst>
+              </p:cNvPr>
+              <p:cNvSpPr/>
+              <p:nvPr/>
+            </p:nvSpPr>
+            <p:spPr>
+              <a:xfrm>
+                <a:off x="2121032" y="2248919"/>
+                <a:ext cx="113122" cy="124739"/>
+              </a:xfrm>
+              <a:prstGeom prst="ellipse">
+                <a:avLst/>
+              </a:prstGeom>
+            </p:spPr>
+            <p:style>
+              <a:lnRef idx="2">
+                <a:schemeClr val="accent1">
+                  <a:shade val="50000"/>
+                </a:schemeClr>
+              </a:lnRef>
+              <a:fillRef idx="1">
+                <a:schemeClr val="accent1"/>
+              </a:fillRef>
+              <a:effectRef idx="0">
+                <a:schemeClr val="accent1"/>
+              </a:effectRef>
+              <a:fontRef idx="minor">
+                <a:schemeClr val="lt1"/>
+              </a:fontRef>
+            </p:style>
+            <p:txBody>
+              <a:bodyPr rtlCol="0" anchor="ctr"/>
+              <a:lstStyle/>
+              <a:p>
+                <a:pPr algn="ctr"/>
+                <a:endParaRPr lang="en-US"/>
+              </a:p>
+            </p:txBody>
+          </p:sp>
+        </p:grpSp>
+      </p:grpSp>
+      <p:cxnSp>
+        <p:nvCxnSpPr>
+          <p:cNvPr id="34" name="Straight Connector 33">
+            <a:extLst>
+              <a:ext uri="{FF2B5EF4-FFF2-40B4-BE49-F238E27FC236}">
+                <a16:creationId xmlns:a16="http://schemas.microsoft.com/office/drawing/2014/main" id="{E7755569-43F9-4316-AE74-3DE1809D5D32}"/>
+              </a:ext>
+            </a:extLst>
+          </p:cNvPr>
+          <p:cNvCxnSpPr>
+            <a:cxnSpLocks/>
+          </p:cNvCxnSpPr>
+          <p:nvPr/>
+        </p:nvCxnSpPr>
+        <p:spPr>
+          <a:xfrm flipH="1">
+            <a:off x="7691591" y="2975687"/>
+            <a:ext cx="1823560" cy="1777752"/>
+          </a:xfrm>
+          <a:prstGeom prst="line">
+            <a:avLst/>
+          </a:prstGeom>
+          <a:ln w="57150">
+            <a:solidFill>
+              <a:srgbClr val="7030A0"/>
+            </a:solidFill>
+          </a:ln>
+        </p:spPr>
+        <p:style>
+          <a:lnRef idx="1">
+            <a:schemeClr val="accent1"/>
+          </a:lnRef>
+          <a:fillRef idx="0">
+            <a:schemeClr val="accent1"/>
+          </a:fillRef>
+          <a:effectRef idx="0">
+            <a:schemeClr val="accent1"/>
+          </a:effectRef>
+          <a:fontRef idx="minor">
+            <a:schemeClr val="tx1"/>
+          </a:fontRef>
+        </p:style>
+      </p:cxnSp>
+      <p:cxnSp>
+        <p:nvCxnSpPr>
+          <p:cNvPr id="49" name="Straight Connector 48">
+            <a:extLst>
+              <a:ext uri="{FF2B5EF4-FFF2-40B4-BE49-F238E27FC236}">
+                <a16:creationId xmlns:a16="http://schemas.microsoft.com/office/drawing/2014/main" id="{3C33A2F0-DA6F-4D48-AF83-8402D2C4B71F}"/>
+              </a:ext>
+            </a:extLst>
+          </p:cNvPr>
+          <p:cNvCxnSpPr>
+            <a:cxnSpLocks/>
+          </p:cNvCxnSpPr>
+          <p:nvPr/>
+        </p:nvCxnSpPr>
+        <p:spPr>
+          <a:xfrm flipV="1">
+            <a:off x="7684520" y="2008823"/>
+            <a:ext cx="1847422" cy="1857299"/>
+          </a:xfrm>
+          <a:prstGeom prst="line">
+            <a:avLst/>
+          </a:prstGeom>
+          <a:ln w="57150">
+            <a:solidFill>
+              <a:schemeClr val="accent2"/>
+            </a:solidFill>
+          </a:ln>
+        </p:spPr>
+        <p:style>
+          <a:lnRef idx="1">
+            <a:schemeClr val="accent1"/>
+          </a:lnRef>
+          <a:fillRef idx="0">
+            <a:schemeClr val="accent1"/>
+          </a:fillRef>
+          <a:effectRef idx="0">
+            <a:schemeClr val="accent1"/>
+          </a:effectRef>
+          <a:fontRef idx="minor">
+            <a:schemeClr val="tx1"/>
+          </a:fontRef>
+        </p:style>
+      </p:cxnSp>
+      <p:cxnSp>
+        <p:nvCxnSpPr>
+          <p:cNvPr id="52" name="Straight Connector 51">
+            <a:extLst>
+              <a:ext uri="{FF2B5EF4-FFF2-40B4-BE49-F238E27FC236}">
+                <a16:creationId xmlns:a16="http://schemas.microsoft.com/office/drawing/2014/main" id="{39AD7D9C-2F89-404C-AA90-3900ECBF99E5}"/>
+              </a:ext>
+            </a:extLst>
+          </p:cNvPr>
+          <p:cNvCxnSpPr>
+            <a:cxnSpLocks/>
+            <a:endCxn id="25" idx="2"/>
+          </p:cNvCxnSpPr>
+          <p:nvPr/>
+        </p:nvCxnSpPr>
+        <p:spPr>
+          <a:xfrm flipV="1">
+            <a:off x="7684520" y="3431928"/>
+            <a:ext cx="1774069" cy="432010"/>
+          </a:xfrm>
+          <a:prstGeom prst="line">
+            <a:avLst/>
+          </a:prstGeom>
+          <a:ln w="57150">
+            <a:solidFill>
+              <a:schemeClr val="accent2"/>
+            </a:solidFill>
+          </a:ln>
+        </p:spPr>
+        <p:style>
+          <a:lnRef idx="1">
+            <a:schemeClr val="accent1"/>
+          </a:lnRef>
+          <a:fillRef idx="0">
+            <a:schemeClr val="accent1"/>
+          </a:fillRef>
+          <a:effectRef idx="0">
+            <a:schemeClr val="accent1"/>
+          </a:effectRef>
+          <a:fontRef idx="minor">
+            <a:schemeClr val="tx1"/>
+          </a:fontRef>
+        </p:style>
+      </p:cxnSp>
+      <p:cxnSp>
+        <p:nvCxnSpPr>
+          <p:cNvPr id="60" name="Connector: Elbow 59">
+            <a:extLst>
+              <a:ext uri="{FF2B5EF4-FFF2-40B4-BE49-F238E27FC236}">
+                <a16:creationId xmlns:a16="http://schemas.microsoft.com/office/drawing/2014/main" id="{56085B3D-04A9-4830-A94E-4B7F0638FA6F}"/>
+              </a:ext>
+            </a:extLst>
+          </p:cNvPr>
+          <p:cNvCxnSpPr>
+            <a:cxnSpLocks/>
+            <a:stCxn id="9" idx="2"/>
+          </p:cNvCxnSpPr>
+          <p:nvPr/>
+        </p:nvCxnSpPr>
+        <p:spPr>
+          <a:xfrm rot="10800000" flipV="1">
+            <a:off x="9253631" y="1498205"/>
+            <a:ext cx="204958" cy="2180734"/>
+          </a:xfrm>
+          <a:prstGeom prst="bentConnector2">
+            <a:avLst/>
+          </a:prstGeom>
+          <a:ln w="57150">
+            <a:solidFill>
+              <a:srgbClr val="FFFF00"/>
+            </a:solidFill>
+          </a:ln>
+        </p:spPr>
+        <p:style>
+          <a:lnRef idx="1">
+            <a:schemeClr val="accent1"/>
+          </a:lnRef>
+          <a:fillRef idx="0">
+            <a:schemeClr val="accent1"/>
+          </a:fillRef>
+          <a:effectRef idx="0">
+            <a:schemeClr val="accent1"/>
+          </a:effectRef>
+          <a:fontRef idx="minor">
+            <a:schemeClr val="tx1"/>
+          </a:fontRef>
+        </p:style>
+      </p:cxnSp>
+      <p:cxnSp>
+        <p:nvCxnSpPr>
+          <p:cNvPr id="64" name="Straight Connector 63">
+            <a:extLst>
+              <a:ext uri="{FF2B5EF4-FFF2-40B4-BE49-F238E27FC236}">
+                <a16:creationId xmlns:a16="http://schemas.microsoft.com/office/drawing/2014/main" id="{B7B0F28E-A4BC-4BCB-98CB-D20596C14C7B}"/>
+              </a:ext>
+            </a:extLst>
+          </p:cNvPr>
+          <p:cNvCxnSpPr>
+            <a:cxnSpLocks/>
+          </p:cNvCxnSpPr>
+          <p:nvPr/>
+        </p:nvCxnSpPr>
+        <p:spPr>
+          <a:xfrm>
+            <a:off x="9253630" y="3678939"/>
+            <a:ext cx="270059" cy="11129"/>
+          </a:xfrm>
+          <a:prstGeom prst="line">
+            <a:avLst/>
+          </a:prstGeom>
+          <a:ln w="57150">
+            <a:solidFill>
+              <a:srgbClr val="FFFF00"/>
+            </a:solidFill>
+          </a:ln>
+        </p:spPr>
+        <p:style>
+          <a:lnRef idx="1">
+            <a:schemeClr val="accent1"/>
+          </a:lnRef>
+          <a:fillRef idx="0">
+            <a:schemeClr val="accent1"/>
+          </a:fillRef>
+          <a:effectRef idx="0">
+            <a:schemeClr val="accent1"/>
+          </a:effectRef>
+          <a:fontRef idx="minor">
+            <a:schemeClr val="tx1"/>
+          </a:fontRef>
+        </p:style>
+      </p:cxnSp>
+      <p:cxnSp>
+        <p:nvCxnSpPr>
+          <p:cNvPr id="74" name="Connector: Elbow 73">
+            <a:extLst>
+              <a:ext uri="{FF2B5EF4-FFF2-40B4-BE49-F238E27FC236}">
+                <a16:creationId xmlns:a16="http://schemas.microsoft.com/office/drawing/2014/main" id="{DB88D5F4-D43E-480E-9E8C-87F7BC0C690D}"/>
+              </a:ext>
+            </a:extLst>
+          </p:cNvPr>
+          <p:cNvCxnSpPr>
+            <a:cxnSpLocks/>
+          </p:cNvCxnSpPr>
+          <p:nvPr/>
+        </p:nvCxnSpPr>
+        <p:spPr>
+          <a:xfrm rot="5400000">
+            <a:off x="8185675" y="3375801"/>
+            <a:ext cx="2210705" cy="293169"/>
+          </a:xfrm>
+          <a:prstGeom prst="bentConnector3">
+            <a:avLst>
+              <a:gd name="adj1" fmla="val 1389"/>
+            </a:avLst>
+          </a:prstGeom>
+          <a:ln w="57150">
+            <a:solidFill>
+              <a:schemeClr val="accent6">
+                <a:lumMod val="60000"/>
+                <a:lumOff val="40000"/>
+              </a:schemeClr>
+            </a:solidFill>
+          </a:ln>
+        </p:spPr>
+        <p:style>
+          <a:lnRef idx="1">
+            <a:schemeClr val="accent1"/>
+          </a:lnRef>
+          <a:fillRef idx="0">
+            <a:schemeClr val="accent1"/>
+          </a:fillRef>
+          <a:effectRef idx="0">
+            <a:schemeClr val="accent1"/>
+          </a:effectRef>
+          <a:fontRef idx="minor">
+            <a:schemeClr val="tx1"/>
+          </a:fontRef>
+        </p:style>
+      </p:cxnSp>
+      <p:cxnSp>
+        <p:nvCxnSpPr>
+          <p:cNvPr id="75" name="Straight Connector 74">
+            <a:extLst>
+              <a:ext uri="{FF2B5EF4-FFF2-40B4-BE49-F238E27FC236}">
+                <a16:creationId xmlns:a16="http://schemas.microsoft.com/office/drawing/2014/main" id="{388A8BEF-E47F-423A-8532-1AE8DD7E768C}"/>
+              </a:ext>
+            </a:extLst>
+          </p:cNvPr>
+          <p:cNvCxnSpPr>
+            <a:cxnSpLocks/>
+          </p:cNvCxnSpPr>
+          <p:nvPr/>
+        </p:nvCxnSpPr>
+        <p:spPr>
+          <a:xfrm flipV="1">
+            <a:off x="9117170" y="4653009"/>
+            <a:ext cx="414772" cy="4126"/>
+          </a:xfrm>
+          <a:prstGeom prst="line">
+            <a:avLst/>
+          </a:prstGeom>
+          <a:ln w="57150">
+            <a:solidFill>
+              <a:schemeClr val="accent6">
+                <a:lumMod val="60000"/>
+                <a:lumOff val="40000"/>
+              </a:schemeClr>
+            </a:solidFill>
+          </a:ln>
+        </p:spPr>
+        <p:style>
+          <a:lnRef idx="1">
+            <a:schemeClr val="accent1"/>
+          </a:lnRef>
+          <a:fillRef idx="0">
+            <a:schemeClr val="accent1"/>
+          </a:fillRef>
+          <a:effectRef idx="0">
+            <a:schemeClr val="accent1"/>
+          </a:effectRef>
+          <a:fontRef idx="minor">
+            <a:schemeClr val="tx1"/>
+          </a:fontRef>
+        </p:style>
+      </p:cxnSp>
+      <p:cxnSp>
+        <p:nvCxnSpPr>
+          <p:cNvPr id="130" name="Straight Connector 129">
+            <a:extLst>
+              <a:ext uri="{FF2B5EF4-FFF2-40B4-BE49-F238E27FC236}">
+                <a16:creationId xmlns:a16="http://schemas.microsoft.com/office/drawing/2014/main" id="{0C5BAAEA-9C1B-408B-9821-58F2EF0BEC20}"/>
+              </a:ext>
+            </a:extLst>
+          </p:cNvPr>
+          <p:cNvCxnSpPr>
+            <a:cxnSpLocks/>
+          </p:cNvCxnSpPr>
+          <p:nvPr/>
+        </p:nvCxnSpPr>
+        <p:spPr>
+          <a:xfrm flipV="1">
+            <a:off x="7691591" y="2551376"/>
+            <a:ext cx="592404" cy="12655"/>
+          </a:xfrm>
+          <a:prstGeom prst="line">
+            <a:avLst/>
+          </a:prstGeom>
+          <a:ln w="57150"/>
+        </p:spPr>
+        <p:style>
+          <a:lnRef idx="1">
+            <a:schemeClr val="accent1"/>
+          </a:lnRef>
+          <a:fillRef idx="0">
+            <a:schemeClr val="accent1"/>
+          </a:fillRef>
+          <a:effectRef idx="0">
+            <a:schemeClr val="accent1"/>
+          </a:effectRef>
+          <a:fontRef idx="minor">
+            <a:schemeClr val="tx1"/>
+          </a:fontRef>
+        </p:style>
+      </p:cxnSp>
+      <p:cxnSp>
+        <p:nvCxnSpPr>
+          <p:cNvPr id="131" name="Straight Connector 130">
+            <a:extLst>
+              <a:ext uri="{FF2B5EF4-FFF2-40B4-BE49-F238E27FC236}">
+                <a16:creationId xmlns:a16="http://schemas.microsoft.com/office/drawing/2014/main" id="{3A7344EB-1B0A-4DFC-BBB1-04B25B7DCF91}"/>
+              </a:ext>
+            </a:extLst>
+          </p:cNvPr>
+          <p:cNvCxnSpPr>
+            <a:cxnSpLocks/>
+          </p:cNvCxnSpPr>
+          <p:nvPr/>
+        </p:nvCxnSpPr>
+        <p:spPr>
+          <a:xfrm>
+            <a:off x="8265846" y="1689512"/>
+            <a:ext cx="0" cy="888566"/>
+          </a:xfrm>
+          <a:prstGeom prst="line">
+            <a:avLst/>
+          </a:prstGeom>
+          <a:ln w="57150"/>
+        </p:spPr>
+        <p:style>
+          <a:lnRef idx="1">
+            <a:schemeClr val="accent1"/>
+          </a:lnRef>
+          <a:fillRef idx="0">
+            <a:schemeClr val="accent1"/>
+          </a:fillRef>
+          <a:effectRef idx="0">
+            <a:schemeClr val="accent1"/>
+          </a:effectRef>
+          <a:fontRef idx="minor">
+            <a:schemeClr val="tx1"/>
+          </a:fontRef>
+        </p:style>
+      </p:cxnSp>
+      <p:cxnSp>
+        <p:nvCxnSpPr>
+          <p:cNvPr id="134" name="Straight Connector 133">
+            <a:extLst>
+              <a:ext uri="{FF2B5EF4-FFF2-40B4-BE49-F238E27FC236}">
+                <a16:creationId xmlns:a16="http://schemas.microsoft.com/office/drawing/2014/main" id="{80001D7F-5D3F-4266-9594-0565338CC6FA}"/>
+              </a:ext>
+            </a:extLst>
+          </p:cNvPr>
+          <p:cNvCxnSpPr>
+            <a:cxnSpLocks/>
+          </p:cNvCxnSpPr>
+          <p:nvPr/>
+        </p:nvCxnSpPr>
+        <p:spPr>
+          <a:xfrm rot="16200000" flipH="1">
+            <a:off x="7858149" y="457962"/>
+            <a:ext cx="7116" cy="1479147"/>
+          </a:xfrm>
+          <a:prstGeom prst="line">
+            <a:avLst/>
+          </a:prstGeom>
+          <a:ln w="57150">
+            <a:solidFill>
+              <a:srgbClr val="CCFF33"/>
+            </a:solidFill>
+          </a:ln>
+        </p:spPr>
+        <p:style>
+          <a:lnRef idx="1">
+            <a:schemeClr val="accent1"/>
+          </a:lnRef>
+          <a:fillRef idx="0">
+            <a:schemeClr val="accent1"/>
+          </a:fillRef>
+          <a:effectRef idx="0">
+            <a:schemeClr val="accent1"/>
+          </a:effectRef>
+          <a:fontRef idx="minor">
+            <a:schemeClr val="tx1"/>
+          </a:fontRef>
+        </p:style>
+      </p:cxnSp>
+      <p:cxnSp>
+        <p:nvCxnSpPr>
+          <p:cNvPr id="136" name="Straight Connector 135">
+            <a:extLst>
+              <a:ext uri="{FF2B5EF4-FFF2-40B4-BE49-F238E27FC236}">
+                <a16:creationId xmlns:a16="http://schemas.microsoft.com/office/drawing/2014/main" id="{12E92023-E89B-4267-A09C-290237AD69D2}"/>
+              </a:ext>
+            </a:extLst>
+          </p:cNvPr>
+          <p:cNvCxnSpPr>
+            <a:cxnSpLocks/>
+          </p:cNvCxnSpPr>
+          <p:nvPr/>
+        </p:nvCxnSpPr>
+        <p:spPr>
+          <a:xfrm>
+            <a:off x="8573002" y="1201094"/>
+            <a:ext cx="0" cy="2282639"/>
+          </a:xfrm>
+          <a:prstGeom prst="line">
+            <a:avLst/>
+          </a:prstGeom>
+          <a:ln w="57150">
+            <a:solidFill>
+              <a:srgbClr val="CCFF33"/>
+            </a:solidFill>
+          </a:ln>
+        </p:spPr>
+        <p:style>
+          <a:lnRef idx="1">
+            <a:schemeClr val="accent1"/>
+          </a:lnRef>
+          <a:fillRef idx="0">
+            <a:schemeClr val="accent1"/>
+          </a:fillRef>
+          <a:effectRef idx="0">
+            <a:schemeClr val="accent1"/>
+          </a:effectRef>
+          <a:fontRef idx="minor">
+            <a:schemeClr val="tx1"/>
+          </a:fontRef>
+        </p:style>
+      </p:cxnSp>
+      <p:cxnSp>
+        <p:nvCxnSpPr>
+          <p:cNvPr id="142" name="Straight Connector 141">
+            <a:extLst>
+              <a:ext uri="{FF2B5EF4-FFF2-40B4-BE49-F238E27FC236}">
+                <a16:creationId xmlns:a16="http://schemas.microsoft.com/office/drawing/2014/main" id="{059AD757-4EC0-4ACB-8E1E-21EAC2A69593}"/>
+              </a:ext>
+            </a:extLst>
+          </p:cNvPr>
+          <p:cNvCxnSpPr>
+            <a:cxnSpLocks/>
+          </p:cNvCxnSpPr>
+          <p:nvPr/>
+        </p:nvCxnSpPr>
+        <p:spPr>
+          <a:xfrm>
+            <a:off x="7684520" y="3429000"/>
+            <a:ext cx="923832" cy="7598"/>
+          </a:xfrm>
+          <a:prstGeom prst="line">
+            <a:avLst/>
+          </a:prstGeom>
+          <a:ln w="57150">
+            <a:solidFill>
+              <a:srgbClr val="CCFF33"/>
+            </a:solidFill>
+          </a:ln>
+        </p:spPr>
+        <p:style>
+          <a:lnRef idx="1">
+            <a:schemeClr val="accent1"/>
+          </a:lnRef>
+          <a:fillRef idx="0">
+            <a:schemeClr val="accent1"/>
+          </a:fillRef>
+          <a:effectRef idx="0">
+            <a:schemeClr val="accent1"/>
+          </a:effectRef>
+          <a:fontRef idx="minor">
+            <a:schemeClr val="tx1"/>
+          </a:fontRef>
+        </p:style>
+      </p:cxnSp>
+      <p:cxnSp>
+        <p:nvCxnSpPr>
+          <p:cNvPr id="143" name="Straight Connector 142">
+            <a:extLst>
+              <a:ext uri="{FF2B5EF4-FFF2-40B4-BE49-F238E27FC236}">
+                <a16:creationId xmlns:a16="http://schemas.microsoft.com/office/drawing/2014/main" id="{D614C01D-DF8D-4FC9-91EE-D55C9FA49E4C}"/>
+              </a:ext>
+            </a:extLst>
+          </p:cNvPr>
+          <p:cNvCxnSpPr>
+            <a:cxnSpLocks/>
+          </p:cNvCxnSpPr>
+          <p:nvPr/>
+        </p:nvCxnSpPr>
+        <p:spPr>
+          <a:xfrm>
+            <a:off x="6767760" y="2111948"/>
+            <a:ext cx="1665990" cy="13858"/>
+          </a:xfrm>
+          <a:prstGeom prst="line">
+            <a:avLst/>
+          </a:prstGeom>
+          <a:ln w="57150">
+            <a:solidFill>
+              <a:schemeClr val="accent2">
+                <a:lumMod val="50000"/>
+              </a:schemeClr>
+            </a:solidFill>
+          </a:ln>
+        </p:spPr>
+        <p:style>
+          <a:lnRef idx="1">
+            <a:schemeClr val="accent1"/>
+          </a:lnRef>
+          <a:fillRef idx="0">
+            <a:schemeClr val="accent1"/>
+          </a:fillRef>
+          <a:effectRef idx="0">
+            <a:schemeClr val="accent1"/>
+          </a:effectRef>
+          <a:fontRef idx="minor">
+            <a:schemeClr val="tx1"/>
+          </a:fontRef>
+        </p:style>
+      </p:cxnSp>
+      <p:cxnSp>
+        <p:nvCxnSpPr>
+          <p:cNvPr id="144" name="Straight Connector 143">
+            <a:extLst>
+              <a:ext uri="{FF2B5EF4-FFF2-40B4-BE49-F238E27FC236}">
+                <a16:creationId xmlns:a16="http://schemas.microsoft.com/office/drawing/2014/main" id="{C3B4E40E-5116-44C8-9373-B0FB7BC0AD2A}"/>
+              </a:ext>
+            </a:extLst>
+          </p:cNvPr>
+          <p:cNvCxnSpPr>
+            <a:cxnSpLocks/>
+          </p:cNvCxnSpPr>
+          <p:nvPr/>
+        </p:nvCxnSpPr>
+        <p:spPr>
+          <a:xfrm>
+            <a:off x="7683053" y="2996499"/>
+            <a:ext cx="736349" cy="8190"/>
+          </a:xfrm>
+          <a:prstGeom prst="line">
+            <a:avLst/>
+          </a:prstGeom>
+          <a:ln w="57150">
+            <a:solidFill>
+              <a:schemeClr val="accent2">
+                <a:lumMod val="50000"/>
+              </a:schemeClr>
+            </a:solidFill>
+          </a:ln>
+        </p:spPr>
+        <p:style>
+          <a:lnRef idx="1">
+            <a:schemeClr val="accent1"/>
+          </a:lnRef>
+          <a:fillRef idx="0">
+            <a:schemeClr val="accent1"/>
+          </a:fillRef>
+          <a:effectRef idx="0">
+            <a:schemeClr val="accent1"/>
+          </a:effectRef>
+          <a:fontRef idx="minor">
+            <a:schemeClr val="tx1"/>
+          </a:fontRef>
+        </p:style>
+      </p:cxnSp>
+      <p:cxnSp>
+        <p:nvCxnSpPr>
+          <p:cNvPr id="145" name="Straight Connector 144">
+            <a:extLst>
+              <a:ext uri="{FF2B5EF4-FFF2-40B4-BE49-F238E27FC236}">
+                <a16:creationId xmlns:a16="http://schemas.microsoft.com/office/drawing/2014/main" id="{E1E12D3E-E3AC-46EB-86AF-1FE6C2EC587C}"/>
+              </a:ext>
+            </a:extLst>
+          </p:cNvPr>
+          <p:cNvCxnSpPr>
+            <a:cxnSpLocks/>
+          </p:cNvCxnSpPr>
+          <p:nvPr/>
+        </p:nvCxnSpPr>
+        <p:spPr>
+          <a:xfrm>
+            <a:off x="8419402" y="2134716"/>
+            <a:ext cx="0" cy="888566"/>
+          </a:xfrm>
+          <a:prstGeom prst="line">
+            <a:avLst/>
+          </a:prstGeom>
+          <a:ln w="57150">
+            <a:solidFill>
+              <a:schemeClr val="accent2">
+                <a:lumMod val="50000"/>
+              </a:schemeClr>
+            </a:solidFill>
+          </a:ln>
+        </p:spPr>
+        <p:style>
+          <a:lnRef idx="1">
+            <a:schemeClr val="accent1"/>
+          </a:lnRef>
+          <a:fillRef idx="0">
+            <a:schemeClr val="accent1"/>
+          </a:fillRef>
+          <a:effectRef idx="0">
+            <a:schemeClr val="accent1"/>
+          </a:effectRef>
+          <a:fontRef idx="minor">
+            <a:schemeClr val="tx1"/>
+          </a:fontRef>
+        </p:style>
+      </p:cxnSp>
+      <p:cxnSp>
+        <p:nvCxnSpPr>
+          <p:cNvPr id="166" name="Straight Connector 165">
+            <a:extLst>
+              <a:ext uri="{FF2B5EF4-FFF2-40B4-BE49-F238E27FC236}">
+                <a16:creationId xmlns:a16="http://schemas.microsoft.com/office/drawing/2014/main" id="{B6478A40-9FF7-4ED9-A68B-F2984D5DD2BE}"/>
+              </a:ext>
+            </a:extLst>
+          </p:cNvPr>
+          <p:cNvCxnSpPr>
+            <a:cxnSpLocks/>
+            <a:endCxn id="12" idx="6"/>
+          </p:cNvCxnSpPr>
+          <p:nvPr/>
+        </p:nvCxnSpPr>
+        <p:spPr>
+          <a:xfrm flipV="1">
+            <a:off x="8418241" y="1748645"/>
+            <a:ext cx="1153470" cy="377162"/>
+          </a:xfrm>
+          <a:prstGeom prst="line">
+            <a:avLst/>
+          </a:prstGeom>
+          <a:ln w="57150">
+            <a:solidFill>
+              <a:schemeClr val="accent2">
+                <a:lumMod val="50000"/>
+              </a:schemeClr>
+            </a:solidFill>
+          </a:ln>
+        </p:spPr>
+        <p:style>
+          <a:lnRef idx="1">
+            <a:schemeClr val="accent1"/>
+          </a:lnRef>
+          <a:fillRef idx="0">
+            <a:schemeClr val="accent1"/>
+          </a:fillRef>
+          <a:effectRef idx="0">
+            <a:schemeClr val="accent1"/>
+          </a:effectRef>
+          <a:fontRef idx="minor">
+            <a:schemeClr val="tx1"/>
+          </a:fontRef>
+        </p:style>
+      </p:cxnSp>
+      <p:cxnSp>
+        <p:nvCxnSpPr>
+          <p:cNvPr id="170" name="Straight Connector 169">
+            <a:extLst>
+              <a:ext uri="{FF2B5EF4-FFF2-40B4-BE49-F238E27FC236}">
+                <a16:creationId xmlns:a16="http://schemas.microsoft.com/office/drawing/2014/main" id="{646B7994-1451-412E-B477-1C6D53FE409F}"/>
+              </a:ext>
+            </a:extLst>
+          </p:cNvPr>
+          <p:cNvCxnSpPr>
+            <a:cxnSpLocks/>
+            <a:endCxn id="23" idx="2"/>
+          </p:cNvCxnSpPr>
+          <p:nvPr/>
+        </p:nvCxnSpPr>
+        <p:spPr>
+          <a:xfrm flipV="1">
+            <a:off x="8401526" y="2715506"/>
+            <a:ext cx="1057063" cy="297740"/>
+          </a:xfrm>
+          <a:prstGeom prst="line">
+            <a:avLst/>
+          </a:prstGeom>
+          <a:ln w="57150">
+            <a:solidFill>
+              <a:schemeClr val="accent2">
+                <a:lumMod val="50000"/>
+              </a:schemeClr>
+            </a:solidFill>
+          </a:ln>
+        </p:spPr>
+        <p:style>
+          <a:lnRef idx="1">
+            <a:schemeClr val="accent1"/>
+          </a:lnRef>
+          <a:fillRef idx="0">
+            <a:schemeClr val="accent1"/>
+          </a:fillRef>
+          <a:effectRef idx="0">
+            <a:schemeClr val="accent1"/>
+          </a:effectRef>
+          <a:fontRef idx="minor">
+            <a:schemeClr val="tx1"/>
+          </a:fontRef>
+        </p:style>
+      </p:cxnSp>
+      <p:cxnSp>
+        <p:nvCxnSpPr>
+          <p:cNvPr id="181" name="Straight Connector 180">
+            <a:extLst>
+              <a:ext uri="{FF2B5EF4-FFF2-40B4-BE49-F238E27FC236}">
+                <a16:creationId xmlns:a16="http://schemas.microsoft.com/office/drawing/2014/main" id="{D186DEC6-C21A-4566-8FB3-3B03E53D1EA9}"/>
+              </a:ext>
+            </a:extLst>
+          </p:cNvPr>
+          <p:cNvCxnSpPr>
+            <a:cxnSpLocks/>
+            <a:stCxn id="31" idx="6"/>
+          </p:cNvCxnSpPr>
+          <p:nvPr/>
+        </p:nvCxnSpPr>
+        <p:spPr>
+          <a:xfrm flipH="1" flipV="1">
+            <a:off x="7691591" y="4762896"/>
+            <a:ext cx="1880120" cy="146514"/>
+          </a:xfrm>
+          <a:prstGeom prst="line">
+            <a:avLst/>
+          </a:prstGeom>
+          <a:ln w="57150">
+            <a:solidFill>
+              <a:srgbClr val="7030A0"/>
+            </a:solidFill>
+          </a:ln>
+        </p:spPr>
+        <p:style>
+          <a:lnRef idx="1">
+            <a:schemeClr val="accent1"/>
+          </a:lnRef>
+          <a:fillRef idx="0">
+            <a:schemeClr val="accent1"/>
+          </a:fillRef>
+          <a:effectRef idx="0">
+            <a:schemeClr val="accent1"/>
+          </a:effectRef>
+          <a:fontRef idx="minor">
+            <a:schemeClr val="tx1"/>
+          </a:fontRef>
+        </p:style>
+      </p:cxnSp>
+      <p:sp>
+        <p:nvSpPr>
+          <p:cNvPr id="190" name="Rectangle 189">
+            <a:extLst>
+              <a:ext uri="{FF2B5EF4-FFF2-40B4-BE49-F238E27FC236}">
+                <a16:creationId xmlns:a16="http://schemas.microsoft.com/office/drawing/2014/main" id="{2B9B38A0-46EE-4DC8-AD52-BDD3092DBC65}"/>
+              </a:ext>
+            </a:extLst>
+          </p:cNvPr>
+          <p:cNvSpPr/>
+          <p:nvPr/>
+        </p:nvSpPr>
+        <p:spPr>
+          <a:xfrm>
+            <a:off x="11130123" y="1300133"/>
+            <a:ext cx="609600" cy="3752716"/>
+          </a:xfrm>
+          <a:prstGeom prst="rect">
+            <a:avLst/>
+          </a:prstGeom>
+          <a:noFill/>
+        </p:spPr>
+        <p:style>
+          <a:lnRef idx="2">
+            <a:schemeClr val="accent1">
+              <a:shade val="50000"/>
+            </a:schemeClr>
+          </a:lnRef>
+          <a:fillRef idx="1">
+            <a:schemeClr val="accent1"/>
+          </a:fillRef>
+          <a:effectRef idx="0">
+            <a:schemeClr val="accent1"/>
+          </a:effectRef>
+          <a:fontRef idx="minor">
+            <a:schemeClr val="lt1"/>
+          </a:fontRef>
+        </p:style>
+        <p:txBody>
+          <a:bodyPr rtlCol="0" anchor="ctr"/>
+          <a:lstStyle/>
+          <a:p>
+            <a:pPr algn="ctr"/>
+            <a:endParaRPr lang="en-US"/>
+          </a:p>
+        </p:txBody>
+      </p:sp>
+      <p:sp>
+        <p:nvSpPr>
+          <p:cNvPr id="191" name="Oval 190">
+            <a:extLst>
+              <a:ext uri="{FF2B5EF4-FFF2-40B4-BE49-F238E27FC236}">
+                <a16:creationId xmlns:a16="http://schemas.microsoft.com/office/drawing/2014/main" id="{7756D343-C040-4E12-8511-4588C0310A6F}"/>
+              </a:ext>
+            </a:extLst>
+          </p:cNvPr>
+          <p:cNvSpPr/>
+          <p:nvPr/>
+        </p:nvSpPr>
+        <p:spPr>
+          <a:xfrm>
+            <a:off x="11298611" y="1546859"/>
+            <a:ext cx="254523" cy="263946"/>
+          </a:xfrm>
+          <a:prstGeom prst="ellipse">
+            <a:avLst/>
+          </a:prstGeom>
+          <a:noFill/>
+        </p:spPr>
+        <p:style>
+          <a:lnRef idx="2">
+            <a:schemeClr val="accent1">
+              <a:shade val="50000"/>
+            </a:schemeClr>
+          </a:lnRef>
+          <a:fillRef idx="1">
+            <a:schemeClr val="accent1"/>
+          </a:fillRef>
+          <a:effectRef idx="0">
+            <a:schemeClr val="accent1"/>
+          </a:effectRef>
+          <a:fontRef idx="minor">
+            <a:schemeClr val="lt1"/>
+          </a:fontRef>
+        </p:style>
+        <p:txBody>
+          <a:bodyPr rtlCol="0" anchor="ctr"/>
+          <a:lstStyle/>
+          <a:p>
+            <a:pPr algn="ctr"/>
+            <a:r>
+              <a:rPr lang="en-US" dirty="0">
+                <a:solidFill>
+                  <a:srgbClr val="0070C0"/>
+                </a:solidFill>
+              </a:rPr>
+              <a:t>5</a:t>
+            </a:r>
+          </a:p>
+        </p:txBody>
+      </p:sp>
+      <p:sp>
+        <p:nvSpPr>
+          <p:cNvPr id="192" name="Oval 191">
+            <a:extLst>
+              <a:ext uri="{FF2B5EF4-FFF2-40B4-BE49-F238E27FC236}">
+                <a16:creationId xmlns:a16="http://schemas.microsoft.com/office/drawing/2014/main" id="{DE82951D-2217-4771-B9DF-5FE8BE4E5846}"/>
+              </a:ext>
+            </a:extLst>
+          </p:cNvPr>
+          <p:cNvSpPr/>
+          <p:nvPr/>
+        </p:nvSpPr>
+        <p:spPr>
+          <a:xfrm>
+            <a:off x="11298611" y="1980467"/>
+            <a:ext cx="254523" cy="263946"/>
+          </a:xfrm>
+          <a:prstGeom prst="ellipse">
+            <a:avLst/>
+          </a:prstGeom>
+          <a:noFill/>
+        </p:spPr>
+        <p:style>
+          <a:lnRef idx="2">
+            <a:schemeClr val="accent1">
+              <a:shade val="50000"/>
+            </a:schemeClr>
+          </a:lnRef>
+          <a:fillRef idx="1">
+            <a:schemeClr val="accent1"/>
+          </a:fillRef>
+          <a:effectRef idx="0">
+            <a:schemeClr val="accent1"/>
+          </a:effectRef>
+          <a:fontRef idx="minor">
+            <a:schemeClr val="lt1"/>
+          </a:fontRef>
+        </p:style>
+        <p:txBody>
+          <a:bodyPr rtlCol="0" anchor="ctr"/>
+          <a:lstStyle/>
+          <a:p>
+            <a:pPr algn="ctr"/>
+            <a:r>
+              <a:rPr lang="en-US" dirty="0">
+                <a:solidFill>
+                  <a:srgbClr val="0070C0"/>
+                </a:solidFill>
+              </a:rPr>
+              <a:t>0</a:t>
+            </a:r>
+          </a:p>
+        </p:txBody>
+      </p:sp>
+      <p:sp>
+        <p:nvSpPr>
+          <p:cNvPr id="193" name="Oval 192">
+            <a:extLst>
+              <a:ext uri="{FF2B5EF4-FFF2-40B4-BE49-F238E27FC236}">
+                <a16:creationId xmlns:a16="http://schemas.microsoft.com/office/drawing/2014/main" id="{DE809373-CA72-4119-9D9F-531DA51E2385}"/>
+              </a:ext>
+            </a:extLst>
+          </p:cNvPr>
+          <p:cNvSpPr/>
+          <p:nvPr/>
+        </p:nvSpPr>
+        <p:spPr>
+          <a:xfrm>
+            <a:off x="11298611" y="2414075"/>
+            <a:ext cx="254523" cy="263946"/>
+          </a:xfrm>
+          <a:prstGeom prst="ellipse">
+            <a:avLst/>
+          </a:prstGeom>
+          <a:noFill/>
+        </p:spPr>
+        <p:style>
+          <a:lnRef idx="2">
+            <a:schemeClr val="accent1">
+              <a:shade val="50000"/>
+            </a:schemeClr>
+          </a:lnRef>
+          <a:fillRef idx="1">
+            <a:schemeClr val="accent1"/>
+          </a:fillRef>
+          <a:effectRef idx="0">
+            <a:schemeClr val="accent1"/>
+          </a:effectRef>
+          <a:fontRef idx="minor">
+            <a:schemeClr val="lt1"/>
+          </a:fontRef>
+        </p:style>
+        <p:txBody>
+          <a:bodyPr rtlCol="0" anchor="ctr"/>
+          <a:lstStyle/>
+          <a:p>
+            <a:pPr algn="ctr"/>
+            <a:r>
+              <a:rPr lang="en-US" dirty="0">
+                <a:solidFill>
+                  <a:srgbClr val="0070C0"/>
+                </a:solidFill>
+              </a:rPr>
+              <a:t>1</a:t>
+            </a:r>
+          </a:p>
+        </p:txBody>
+      </p:sp>
+      <p:sp>
+        <p:nvSpPr>
+          <p:cNvPr id="194" name="Oval 193">
+            <a:extLst>
+              <a:ext uri="{FF2B5EF4-FFF2-40B4-BE49-F238E27FC236}">
+                <a16:creationId xmlns:a16="http://schemas.microsoft.com/office/drawing/2014/main" id="{C95DCFF0-CBD7-4EE5-B767-F8073BB60514}"/>
+              </a:ext>
+            </a:extLst>
+          </p:cNvPr>
+          <p:cNvSpPr/>
+          <p:nvPr/>
+        </p:nvSpPr>
+        <p:spPr>
+          <a:xfrm>
+            <a:off x="11298611" y="2847683"/>
+            <a:ext cx="254523" cy="263946"/>
+          </a:xfrm>
+          <a:prstGeom prst="ellipse">
+            <a:avLst/>
+          </a:prstGeom>
+          <a:noFill/>
+        </p:spPr>
+        <p:style>
+          <a:lnRef idx="2">
+            <a:schemeClr val="accent1">
+              <a:shade val="50000"/>
+            </a:schemeClr>
+          </a:lnRef>
+          <a:fillRef idx="1">
+            <a:schemeClr val="accent1"/>
+          </a:fillRef>
+          <a:effectRef idx="0">
+            <a:schemeClr val="accent1"/>
+          </a:effectRef>
+          <a:fontRef idx="minor">
+            <a:schemeClr val="lt1"/>
+          </a:fontRef>
+        </p:style>
+        <p:txBody>
+          <a:bodyPr rtlCol="0" anchor="ctr"/>
+          <a:lstStyle/>
+          <a:p>
+            <a:pPr algn="ctr"/>
+            <a:r>
+              <a:rPr lang="en-US" dirty="0">
+                <a:solidFill>
+                  <a:srgbClr val="0070C0"/>
+                </a:solidFill>
+              </a:rPr>
+              <a:t>2</a:t>
+            </a:r>
+          </a:p>
+        </p:txBody>
+      </p:sp>
+      <p:sp>
+        <p:nvSpPr>
+          <p:cNvPr id="195" name="Oval 194">
+            <a:extLst>
+              <a:ext uri="{FF2B5EF4-FFF2-40B4-BE49-F238E27FC236}">
+                <a16:creationId xmlns:a16="http://schemas.microsoft.com/office/drawing/2014/main" id="{18E3E42A-E77D-49F9-851A-DCDC30F54BDE}"/>
+              </a:ext>
+            </a:extLst>
+          </p:cNvPr>
+          <p:cNvSpPr/>
+          <p:nvPr/>
+        </p:nvSpPr>
+        <p:spPr>
+          <a:xfrm>
+            <a:off x="11298611" y="3281291"/>
+            <a:ext cx="254523" cy="263946"/>
+          </a:xfrm>
+          <a:prstGeom prst="ellipse">
+            <a:avLst/>
+          </a:prstGeom>
+          <a:noFill/>
+        </p:spPr>
+        <p:style>
+          <a:lnRef idx="2">
+            <a:schemeClr val="accent1">
+              <a:shade val="50000"/>
+            </a:schemeClr>
+          </a:lnRef>
+          <a:fillRef idx="1">
+            <a:schemeClr val="accent1"/>
+          </a:fillRef>
+          <a:effectRef idx="0">
+            <a:schemeClr val="accent1"/>
+          </a:effectRef>
+          <a:fontRef idx="minor">
+            <a:schemeClr val="lt1"/>
+          </a:fontRef>
+        </p:style>
+        <p:txBody>
+          <a:bodyPr rtlCol="0" anchor="ctr"/>
+          <a:lstStyle/>
+          <a:p>
+            <a:pPr algn="ctr"/>
+            <a:r>
+              <a:rPr lang="en-US" dirty="0">
+                <a:solidFill>
+                  <a:srgbClr val="0070C0"/>
+                </a:solidFill>
+              </a:rPr>
+              <a:t>G</a:t>
+            </a:r>
+          </a:p>
+        </p:txBody>
+      </p:sp>
+      <p:sp>
+        <p:nvSpPr>
+          <p:cNvPr id="196" name="Oval 195">
+            <a:extLst>
+              <a:ext uri="{FF2B5EF4-FFF2-40B4-BE49-F238E27FC236}">
+                <a16:creationId xmlns:a16="http://schemas.microsoft.com/office/drawing/2014/main" id="{C955A2EA-9652-40E1-A6E4-B54DEA91D368}"/>
+              </a:ext>
+            </a:extLst>
+          </p:cNvPr>
+          <p:cNvSpPr/>
+          <p:nvPr/>
+        </p:nvSpPr>
+        <p:spPr>
+          <a:xfrm>
+            <a:off x="11298611" y="3714899"/>
+            <a:ext cx="254523" cy="263946"/>
+          </a:xfrm>
+          <a:prstGeom prst="ellipse">
+            <a:avLst/>
+          </a:prstGeom>
+          <a:noFill/>
+        </p:spPr>
+        <p:style>
+          <a:lnRef idx="2">
+            <a:schemeClr val="accent1">
+              <a:shade val="50000"/>
+            </a:schemeClr>
+          </a:lnRef>
+          <a:fillRef idx="1">
+            <a:schemeClr val="accent1"/>
+          </a:fillRef>
+          <a:effectRef idx="0">
+            <a:schemeClr val="accent1"/>
+          </a:effectRef>
+          <a:fontRef idx="minor">
+            <a:schemeClr val="lt1"/>
+          </a:fontRef>
+        </p:style>
+        <p:txBody>
+          <a:bodyPr rtlCol="0" anchor="ctr"/>
+          <a:lstStyle/>
+          <a:p>
+            <a:pPr algn="ctr"/>
+            <a:r>
+              <a:rPr lang="en-US" sz="800" dirty="0">
+                <a:solidFill>
+                  <a:srgbClr val="FF0000"/>
+                </a:solidFill>
+              </a:rPr>
+              <a:t>12</a:t>
+            </a:r>
+          </a:p>
+        </p:txBody>
+      </p:sp>
+      <p:sp>
+        <p:nvSpPr>
+          <p:cNvPr id="197" name="Oval 196">
+            <a:extLst>
+              <a:ext uri="{FF2B5EF4-FFF2-40B4-BE49-F238E27FC236}">
+                <a16:creationId xmlns:a16="http://schemas.microsoft.com/office/drawing/2014/main" id="{04D0701B-DE2C-42E8-9A28-E8560D89EB8F}"/>
+              </a:ext>
+            </a:extLst>
+          </p:cNvPr>
+          <p:cNvSpPr/>
+          <p:nvPr/>
+        </p:nvSpPr>
+        <p:spPr>
+          <a:xfrm>
+            <a:off x="11298611" y="4148507"/>
+            <a:ext cx="254523" cy="263946"/>
+          </a:xfrm>
+          <a:prstGeom prst="ellipse">
+            <a:avLst/>
+          </a:prstGeom>
+          <a:noFill/>
+        </p:spPr>
+        <p:style>
+          <a:lnRef idx="2">
+            <a:schemeClr val="accent1">
+              <a:shade val="50000"/>
+            </a:schemeClr>
+          </a:lnRef>
+          <a:fillRef idx="1">
+            <a:schemeClr val="accent1"/>
+          </a:fillRef>
+          <a:effectRef idx="0">
+            <a:schemeClr val="accent1"/>
+          </a:effectRef>
+          <a:fontRef idx="minor">
+            <a:schemeClr val="lt1"/>
+          </a:fontRef>
+        </p:style>
+        <p:txBody>
+          <a:bodyPr rtlCol="0" anchor="ctr"/>
+          <a:lstStyle/>
+          <a:p>
+            <a:pPr algn="ctr"/>
+            <a:r>
+              <a:rPr lang="en-US" dirty="0">
+                <a:solidFill>
+                  <a:srgbClr val="FF0000"/>
+                </a:solidFill>
+              </a:rPr>
+              <a:t>G</a:t>
+            </a:r>
+          </a:p>
+        </p:txBody>
+      </p:sp>
+      <p:sp>
+        <p:nvSpPr>
+          <p:cNvPr id="198" name="Oval 197">
+            <a:extLst>
+              <a:ext uri="{FF2B5EF4-FFF2-40B4-BE49-F238E27FC236}">
+                <a16:creationId xmlns:a16="http://schemas.microsoft.com/office/drawing/2014/main" id="{7FD1C6F3-A6EE-47A3-A50C-1543973662E3}"/>
+              </a:ext>
+            </a:extLst>
+          </p:cNvPr>
+          <p:cNvSpPr/>
+          <p:nvPr/>
+        </p:nvSpPr>
+        <p:spPr>
+          <a:xfrm>
+            <a:off x="11298611" y="4582114"/>
+            <a:ext cx="254523" cy="263946"/>
+          </a:xfrm>
+          <a:prstGeom prst="ellipse">
+            <a:avLst/>
+          </a:prstGeom>
+          <a:noFill/>
+        </p:spPr>
+        <p:style>
+          <a:lnRef idx="2">
+            <a:schemeClr val="accent1">
+              <a:shade val="50000"/>
+            </a:schemeClr>
+          </a:lnRef>
+          <a:fillRef idx="1">
+            <a:schemeClr val="accent1"/>
+          </a:fillRef>
+          <a:effectRef idx="0">
+            <a:schemeClr val="accent1"/>
+          </a:effectRef>
+          <a:fontRef idx="minor">
+            <a:schemeClr val="lt1"/>
+          </a:fontRef>
+        </p:style>
+        <p:txBody>
+          <a:bodyPr rtlCol="0" anchor="ctr"/>
+          <a:lstStyle/>
+          <a:p>
+            <a:pPr algn="ctr"/>
+            <a:r>
+              <a:rPr lang="en-US" dirty="0">
+                <a:solidFill>
+                  <a:srgbClr val="FF0000"/>
+                </a:solidFill>
+              </a:rPr>
+              <a:t>M</a:t>
+            </a:r>
+          </a:p>
+        </p:txBody>
+      </p:sp>
+      <p:cxnSp>
+        <p:nvCxnSpPr>
+          <p:cNvPr id="204" name="Straight Connector 203">
+            <a:extLst>
+              <a:ext uri="{FF2B5EF4-FFF2-40B4-BE49-F238E27FC236}">
+                <a16:creationId xmlns:a16="http://schemas.microsoft.com/office/drawing/2014/main" id="{D1323376-6AF4-48FA-A7EF-C6FC08E439B3}"/>
+              </a:ext>
+            </a:extLst>
+          </p:cNvPr>
+          <p:cNvCxnSpPr>
+            <a:cxnSpLocks/>
+          </p:cNvCxnSpPr>
+          <p:nvPr/>
+        </p:nvCxnSpPr>
+        <p:spPr>
+          <a:xfrm rot="16200000" flipH="1">
+            <a:off x="6808141" y="869551"/>
+            <a:ext cx="663083" cy="2"/>
+          </a:xfrm>
+          <a:prstGeom prst="line">
+            <a:avLst/>
+          </a:prstGeom>
+          <a:ln w="57150">
+            <a:solidFill>
+              <a:srgbClr val="CCFF33"/>
+            </a:solidFill>
+          </a:ln>
+        </p:spPr>
+        <p:style>
+          <a:lnRef idx="1">
+            <a:schemeClr val="accent1"/>
+          </a:lnRef>
+          <a:fillRef idx="0">
+            <a:schemeClr val="accent1"/>
+          </a:fillRef>
+          <a:effectRef idx="0">
+            <a:schemeClr val="accent1"/>
+          </a:effectRef>
+          <a:fontRef idx="minor">
+            <a:schemeClr val="tx1"/>
+          </a:fontRef>
+        </p:style>
+      </p:cxnSp>
+      <p:cxnSp>
+        <p:nvCxnSpPr>
+          <p:cNvPr id="206" name="Straight Connector 205">
+            <a:extLst>
+              <a:ext uri="{FF2B5EF4-FFF2-40B4-BE49-F238E27FC236}">
+                <a16:creationId xmlns:a16="http://schemas.microsoft.com/office/drawing/2014/main" id="{55228CE2-CEBC-4A66-A541-9C2D95840AD3}"/>
+              </a:ext>
+            </a:extLst>
+          </p:cNvPr>
+          <p:cNvCxnSpPr>
+            <a:cxnSpLocks/>
+          </p:cNvCxnSpPr>
+          <p:nvPr/>
+        </p:nvCxnSpPr>
+        <p:spPr>
+          <a:xfrm rot="16200000" flipH="1">
+            <a:off x="6364197" y="1108670"/>
+            <a:ext cx="1141319" cy="0"/>
+          </a:xfrm>
+          <a:prstGeom prst="line">
+            <a:avLst/>
+          </a:prstGeom>
+          <a:ln w="57150"/>
+        </p:spPr>
+        <p:style>
+          <a:lnRef idx="1">
+            <a:schemeClr val="accent1"/>
+          </a:lnRef>
+          <a:fillRef idx="0">
+            <a:schemeClr val="accent1"/>
+          </a:fillRef>
+          <a:effectRef idx="0">
+            <a:schemeClr val="accent1"/>
+          </a:effectRef>
+          <a:fontRef idx="minor">
+            <a:schemeClr val="tx1"/>
+          </a:fontRef>
+        </p:style>
+      </p:cxnSp>
+      <p:cxnSp>
+        <p:nvCxnSpPr>
+          <p:cNvPr id="208" name="Straight Connector 207">
+            <a:extLst>
+              <a:ext uri="{FF2B5EF4-FFF2-40B4-BE49-F238E27FC236}">
+                <a16:creationId xmlns:a16="http://schemas.microsoft.com/office/drawing/2014/main" id="{28C8D1A2-F118-4166-8362-CB505DCFC4A9}"/>
+              </a:ext>
+            </a:extLst>
+          </p:cNvPr>
+          <p:cNvCxnSpPr>
+            <a:cxnSpLocks/>
+          </p:cNvCxnSpPr>
+          <p:nvPr/>
+        </p:nvCxnSpPr>
+        <p:spPr>
+          <a:xfrm rot="16200000" flipH="1" flipV="1">
+            <a:off x="5965868" y="1339902"/>
+            <a:ext cx="1610854" cy="7071"/>
+          </a:xfrm>
+          <a:prstGeom prst="line">
+            <a:avLst/>
+          </a:prstGeom>
+          <a:ln w="57150">
+            <a:solidFill>
+              <a:schemeClr val="accent2">
+                <a:lumMod val="50000"/>
+              </a:schemeClr>
+            </a:solidFill>
+          </a:ln>
+        </p:spPr>
+        <p:style>
+          <a:lnRef idx="1">
+            <a:schemeClr val="accent1"/>
+          </a:lnRef>
+          <a:fillRef idx="0">
+            <a:schemeClr val="accent1"/>
+          </a:fillRef>
+          <a:effectRef idx="0">
+            <a:schemeClr val="accent1"/>
+          </a:effectRef>
+          <a:fontRef idx="minor">
+            <a:schemeClr val="tx1"/>
+          </a:fontRef>
+        </p:style>
+      </p:cxnSp>
+      <p:cxnSp>
+        <p:nvCxnSpPr>
+          <p:cNvPr id="230" name="Straight Connector 229">
+            <a:extLst>
+              <a:ext uri="{FF2B5EF4-FFF2-40B4-BE49-F238E27FC236}">
+                <a16:creationId xmlns:a16="http://schemas.microsoft.com/office/drawing/2014/main" id="{31A6443F-36DA-49AA-A060-72C1EA20AD41}"/>
+              </a:ext>
+            </a:extLst>
+          </p:cNvPr>
+          <p:cNvCxnSpPr>
+            <a:cxnSpLocks/>
+            <a:stCxn id="227" idx="6"/>
+          </p:cNvCxnSpPr>
+          <p:nvPr/>
+        </p:nvCxnSpPr>
+        <p:spPr>
+          <a:xfrm>
+            <a:off x="4240405" y="3193961"/>
+            <a:ext cx="3439508" cy="229579"/>
+          </a:xfrm>
+          <a:prstGeom prst="line">
+            <a:avLst/>
+          </a:prstGeom>
+          <a:ln w="57150">
+            <a:solidFill>
+              <a:srgbClr val="CCFF33"/>
+            </a:solidFill>
+          </a:ln>
+        </p:spPr>
+        <p:style>
+          <a:lnRef idx="1">
+            <a:schemeClr val="accent1"/>
+          </a:lnRef>
+          <a:fillRef idx="0">
+            <a:schemeClr val="accent1"/>
+          </a:fillRef>
+          <a:effectRef idx="0">
+            <a:schemeClr val="accent1"/>
+          </a:effectRef>
+          <a:fontRef idx="minor">
+            <a:schemeClr val="tx1"/>
+          </a:fontRef>
+        </p:style>
+      </p:cxnSp>
+      <p:cxnSp>
+        <p:nvCxnSpPr>
+          <p:cNvPr id="187" name="Straight Connector 186">
+            <a:extLst>
+              <a:ext uri="{FF2B5EF4-FFF2-40B4-BE49-F238E27FC236}">
+                <a16:creationId xmlns:a16="http://schemas.microsoft.com/office/drawing/2014/main" id="{E10A08D8-FBE1-4DAE-B7A7-5E965012ADD8}"/>
+              </a:ext>
+            </a:extLst>
+          </p:cNvPr>
+          <p:cNvCxnSpPr>
+            <a:cxnSpLocks/>
+            <a:stCxn id="226" idx="6"/>
+          </p:cNvCxnSpPr>
+          <p:nvPr/>
+        </p:nvCxnSpPr>
+        <p:spPr>
+          <a:xfrm>
+            <a:off x="4230981" y="3645556"/>
+            <a:ext cx="3461224" cy="207449"/>
+          </a:xfrm>
+          <a:prstGeom prst="line">
+            <a:avLst/>
+          </a:prstGeom>
+          <a:ln w="57150">
+            <a:solidFill>
+              <a:srgbClr val="00B0F0"/>
+            </a:solidFill>
+          </a:ln>
+        </p:spPr>
+        <p:style>
+          <a:lnRef idx="1">
+            <a:schemeClr val="accent1"/>
+          </a:lnRef>
+          <a:fillRef idx="0">
+            <a:schemeClr val="accent1"/>
+          </a:fillRef>
+          <a:effectRef idx="0">
+            <a:schemeClr val="accent1"/>
+          </a:effectRef>
+          <a:fontRef idx="minor">
+            <a:schemeClr val="tx1"/>
+          </a:fontRef>
+        </p:style>
+      </p:cxnSp>
+      <p:cxnSp>
+        <p:nvCxnSpPr>
+          <p:cNvPr id="239" name="Straight Connector 238">
+            <a:extLst>
+              <a:ext uri="{FF2B5EF4-FFF2-40B4-BE49-F238E27FC236}">
+                <a16:creationId xmlns:a16="http://schemas.microsoft.com/office/drawing/2014/main" id="{B240E92C-285F-4C61-B23C-D5553F1B8F43}"/>
+              </a:ext>
+            </a:extLst>
+          </p:cNvPr>
+          <p:cNvCxnSpPr>
+            <a:cxnSpLocks/>
+          </p:cNvCxnSpPr>
+          <p:nvPr/>
+        </p:nvCxnSpPr>
+        <p:spPr>
+          <a:xfrm flipV="1">
+            <a:off x="4094300" y="2996831"/>
+            <a:ext cx="3591383" cy="2002562"/>
+          </a:xfrm>
+          <a:prstGeom prst="line">
+            <a:avLst/>
+          </a:prstGeom>
+          <a:ln w="57150">
+            <a:solidFill>
+              <a:schemeClr val="accent2">
+                <a:lumMod val="50000"/>
+              </a:schemeClr>
+            </a:solidFill>
+          </a:ln>
+        </p:spPr>
+        <p:style>
+          <a:lnRef idx="1">
+            <a:schemeClr val="accent1"/>
+          </a:lnRef>
+          <a:fillRef idx="0">
+            <a:schemeClr val="accent1"/>
+          </a:fillRef>
+          <a:effectRef idx="0">
+            <a:schemeClr val="accent1"/>
+          </a:effectRef>
+          <a:fontRef idx="minor">
+            <a:schemeClr val="tx1"/>
+          </a:fontRef>
+        </p:style>
+      </p:cxnSp>
+      <p:cxnSp>
+        <p:nvCxnSpPr>
+          <p:cNvPr id="241" name="Straight Connector 240">
+            <a:extLst>
+              <a:ext uri="{FF2B5EF4-FFF2-40B4-BE49-F238E27FC236}">
+                <a16:creationId xmlns:a16="http://schemas.microsoft.com/office/drawing/2014/main" id="{A80126DA-973A-45C9-A9DB-5F79E28BE199}"/>
+              </a:ext>
+            </a:extLst>
+          </p:cNvPr>
+          <p:cNvCxnSpPr>
+            <a:cxnSpLocks/>
+          </p:cNvCxnSpPr>
+          <p:nvPr/>
+        </p:nvCxnSpPr>
+        <p:spPr>
+          <a:xfrm flipV="1">
+            <a:off x="4088173" y="2562334"/>
+            <a:ext cx="3642011" cy="1977852"/>
+          </a:xfrm>
+          <a:prstGeom prst="line">
+            <a:avLst/>
+          </a:prstGeom>
+          <a:ln w="57150"/>
+        </p:spPr>
+        <p:style>
+          <a:lnRef idx="1">
+            <a:schemeClr val="accent1"/>
+          </a:lnRef>
+          <a:fillRef idx="0">
+            <a:schemeClr val="accent1"/>
+          </a:fillRef>
+          <a:effectRef idx="0">
+            <a:schemeClr val="accent1"/>
+          </a:effectRef>
+          <a:fontRef idx="minor">
+            <a:schemeClr val="tx1"/>
+          </a:fontRef>
+        </p:style>
+      </p:cxnSp>
+      <p:cxnSp>
+        <p:nvCxnSpPr>
+          <p:cNvPr id="38" name="Straight Connector 37">
+            <a:extLst>
+              <a:ext uri="{FF2B5EF4-FFF2-40B4-BE49-F238E27FC236}">
+                <a16:creationId xmlns:a16="http://schemas.microsoft.com/office/drawing/2014/main" id="{E31D47F3-9612-46F7-9CF7-AAEB8D2A8A8E}"/>
+              </a:ext>
+            </a:extLst>
+          </p:cNvPr>
+          <p:cNvCxnSpPr>
+            <a:cxnSpLocks/>
+            <a:stCxn id="221" idx="6"/>
+          </p:cNvCxnSpPr>
+          <p:nvPr/>
+        </p:nvCxnSpPr>
+        <p:spPr>
+          <a:xfrm>
+            <a:off x="4215435" y="4092871"/>
+            <a:ext cx="3442410" cy="662651"/>
+          </a:xfrm>
+          <a:prstGeom prst="line">
+            <a:avLst/>
+          </a:prstGeom>
+          <a:ln w="57150">
+            <a:solidFill>
+              <a:schemeClr val="accent2">
+                <a:lumMod val="75000"/>
+              </a:schemeClr>
+            </a:solidFill>
+          </a:ln>
+        </p:spPr>
+        <p:style>
+          <a:lnRef idx="1">
+            <a:schemeClr val="accent1"/>
+          </a:lnRef>
+          <a:fillRef idx="0">
+            <a:schemeClr val="accent1"/>
+          </a:fillRef>
+          <a:effectRef idx="0">
+            <a:schemeClr val="accent1"/>
+          </a:effectRef>
+          <a:fontRef idx="minor">
+            <a:schemeClr val="tx1"/>
+          </a:fontRef>
+        </p:style>
+      </p:cxnSp>
+    </p:spTree>
+    <p:extLst>
+      <p:ext uri="{BB962C8B-B14F-4D97-AF65-F5344CB8AC3E}">
+        <p14:creationId xmlns:p14="http://schemas.microsoft.com/office/powerpoint/2010/main" val="3402718448"/>
       </p:ext>
     </p:extLst>
   </p:cSld>

--- a/Venta/Venta.pptx
+++ b/Venta/Venta.pptx
@@ -202,7 +202,7 @@
           <a:p>
             <a:fld id="{F6E0459D-600E-4C9D-BA96-B41A94D72FE2}" type="datetimeFigureOut">
               <a:rPr lang="en-US" smtClean="0"/>
-              <a:t>1/28/2022</a:t>
+              <a:t>2/4/2022</a:t>
             </a:fld>
             <a:endParaRPr lang="en-US"/>
           </a:p>
@@ -784,7 +784,7 @@
           <a:p>
             <a:fld id="{21909CF5-E46D-4147-B02D-F6AFF6E4269E}" type="datetimeFigureOut">
               <a:rPr lang="en-US" smtClean="0"/>
-              <a:t>1/28/2022</a:t>
+              <a:t>2/4/2022</a:t>
             </a:fld>
             <a:endParaRPr lang="en-US"/>
           </a:p>
@@ -982,7 +982,7 @@
           <a:p>
             <a:fld id="{21909CF5-E46D-4147-B02D-F6AFF6E4269E}" type="datetimeFigureOut">
               <a:rPr lang="en-US" smtClean="0"/>
-              <a:t>1/28/2022</a:t>
+              <a:t>2/4/2022</a:t>
             </a:fld>
             <a:endParaRPr lang="en-US"/>
           </a:p>
@@ -1190,7 +1190,7 @@
           <a:p>
             <a:fld id="{21909CF5-E46D-4147-B02D-F6AFF6E4269E}" type="datetimeFigureOut">
               <a:rPr lang="en-US" smtClean="0"/>
-              <a:t>1/28/2022</a:t>
+              <a:t>2/4/2022</a:t>
             </a:fld>
             <a:endParaRPr lang="en-US"/>
           </a:p>
@@ -1388,7 +1388,7 @@
           <a:p>
             <a:fld id="{21909CF5-E46D-4147-B02D-F6AFF6E4269E}" type="datetimeFigureOut">
               <a:rPr lang="en-US" smtClean="0"/>
-              <a:t>1/28/2022</a:t>
+              <a:t>2/4/2022</a:t>
             </a:fld>
             <a:endParaRPr lang="en-US"/>
           </a:p>
@@ -1663,7 +1663,7 @@
           <a:p>
             <a:fld id="{21909CF5-E46D-4147-B02D-F6AFF6E4269E}" type="datetimeFigureOut">
               <a:rPr lang="en-US" smtClean="0"/>
-              <a:t>1/28/2022</a:t>
+              <a:t>2/4/2022</a:t>
             </a:fld>
             <a:endParaRPr lang="en-US"/>
           </a:p>
@@ -1928,7 +1928,7 @@
           <a:p>
             <a:fld id="{21909CF5-E46D-4147-B02D-F6AFF6E4269E}" type="datetimeFigureOut">
               <a:rPr lang="en-US" smtClean="0"/>
-              <a:t>1/28/2022</a:t>
+              <a:t>2/4/2022</a:t>
             </a:fld>
             <a:endParaRPr lang="en-US"/>
           </a:p>
@@ -2340,7 +2340,7 @@
           <a:p>
             <a:fld id="{21909CF5-E46D-4147-B02D-F6AFF6E4269E}" type="datetimeFigureOut">
               <a:rPr lang="en-US" smtClean="0"/>
-              <a:t>1/28/2022</a:t>
+              <a:t>2/4/2022</a:t>
             </a:fld>
             <a:endParaRPr lang="en-US"/>
           </a:p>
@@ -2481,7 +2481,7 @@
           <a:p>
             <a:fld id="{21909CF5-E46D-4147-B02D-F6AFF6E4269E}" type="datetimeFigureOut">
               <a:rPr lang="en-US" smtClean="0"/>
-              <a:t>1/28/2022</a:t>
+              <a:t>2/4/2022</a:t>
             </a:fld>
             <a:endParaRPr lang="en-US"/>
           </a:p>
@@ -2594,7 +2594,7 @@
           <a:p>
             <a:fld id="{21909CF5-E46D-4147-B02D-F6AFF6E4269E}" type="datetimeFigureOut">
               <a:rPr lang="en-US" smtClean="0"/>
-              <a:t>1/28/2022</a:t>
+              <a:t>2/4/2022</a:t>
             </a:fld>
             <a:endParaRPr lang="en-US"/>
           </a:p>
@@ -2905,7 +2905,7 @@
           <a:p>
             <a:fld id="{21909CF5-E46D-4147-B02D-F6AFF6E4269E}" type="datetimeFigureOut">
               <a:rPr lang="en-US" smtClean="0"/>
-              <a:t>1/28/2022</a:t>
+              <a:t>2/4/2022</a:t>
             </a:fld>
             <a:endParaRPr lang="en-US"/>
           </a:p>
@@ -3193,7 +3193,7 @@
           <a:p>
             <a:fld id="{21909CF5-E46D-4147-B02D-F6AFF6E4269E}" type="datetimeFigureOut">
               <a:rPr lang="en-US" smtClean="0"/>
-              <a:t>1/28/2022</a:t>
+              <a:t>2/4/2022</a:t>
             </a:fld>
             <a:endParaRPr lang="en-US"/>
           </a:p>
@@ -3434,7 +3434,7 @@
           <a:p>
             <a:fld id="{21909CF5-E46D-4147-B02D-F6AFF6E4269E}" type="datetimeFigureOut">
               <a:rPr lang="en-US" smtClean="0"/>
-              <a:t>1/28/2022</a:t>
+              <a:t>2/4/2022</a:t>
             </a:fld>
             <a:endParaRPr lang="en-US"/>
           </a:p>
@@ -5029,14 +5029,14 @@
           <p:nvPr>
             <p:extLst>
               <p:ext uri="{D42A27DB-BD31-4B8C-83A1-F6EECF244321}">
-                <p14:modId xmlns:p14="http://schemas.microsoft.com/office/powerpoint/2010/main" val="3040664479"/>
+                <p14:modId xmlns:p14="http://schemas.microsoft.com/office/powerpoint/2010/main" val="1330363994"/>
               </p:ext>
             </p:extLst>
           </p:nvPr>
         </p:nvGraphicFramePr>
         <p:xfrm>
           <a:off x="904734" y="1374833"/>
-          <a:ext cx="10253222" cy="5176520"/>
+          <a:ext cx="10253222" cy="5029200"/>
         </p:xfrm>
         <a:graphic>
           <a:graphicData uri="http://schemas.openxmlformats.org/drawingml/2006/table">
@@ -5045,14 +5045,14 @@
                 <a:tableStyleId>{5C22544A-7EE6-4342-B048-85BDC9FD1C3A}</a:tableStyleId>
               </a:tblPr>
               <a:tblGrid>
-                <a:gridCol w="2519432">
+                <a:gridCol w="2697448">
                   <a:extLst>
                     <a:ext uri="{9D8B030D-6E8A-4147-A177-3AD203B41FA5}">
                       <a16:colId xmlns:a16="http://schemas.microsoft.com/office/drawing/2014/main" val="2453949999"/>
                     </a:ext>
                   </a:extLst>
                 </a:gridCol>
-                <a:gridCol w="692728">
+                <a:gridCol w="514712">
                   <a:extLst>
                     <a:ext uri="{9D8B030D-6E8A-4147-A177-3AD203B41FA5}">
                       <a16:colId xmlns:a16="http://schemas.microsoft.com/office/drawing/2014/main" val="1418635443"/>
@@ -11247,7 +11247,7 @@
           </a:prstGeom>
           <a:ln w="57150">
             <a:solidFill>
-              <a:srgbClr val="00B0F0"/>
+              <a:srgbClr val="0070C0"/>
             </a:solidFill>
           </a:ln>
         </p:spPr>
@@ -14385,7 +14385,7 @@
           </a:prstGeom>
           <a:ln w="57150">
             <a:solidFill>
-              <a:srgbClr val="00B0F0"/>
+              <a:srgbClr val="0070C0"/>
             </a:solidFill>
           </a:ln>
         </p:spPr>

--- a/Venta/Venta.pptx
+++ b/Venta/Venta.pptx
@@ -202,7 +202,7 @@
           <a:p>
             <a:fld id="{F6E0459D-600E-4C9D-BA96-B41A94D72FE2}" type="datetimeFigureOut">
               <a:rPr lang="en-US" smtClean="0"/>
-              <a:t>2/4/2022</a:t>
+              <a:t>2/11/2022</a:t>
             </a:fld>
             <a:endParaRPr lang="en-US"/>
           </a:p>
@@ -784,7 +784,7 @@
           <a:p>
             <a:fld id="{21909CF5-E46D-4147-B02D-F6AFF6E4269E}" type="datetimeFigureOut">
               <a:rPr lang="en-US" smtClean="0"/>
-              <a:t>2/4/2022</a:t>
+              <a:t>2/11/2022</a:t>
             </a:fld>
             <a:endParaRPr lang="en-US"/>
           </a:p>
@@ -982,7 +982,7 @@
           <a:p>
             <a:fld id="{21909CF5-E46D-4147-B02D-F6AFF6E4269E}" type="datetimeFigureOut">
               <a:rPr lang="en-US" smtClean="0"/>
-              <a:t>2/4/2022</a:t>
+              <a:t>2/11/2022</a:t>
             </a:fld>
             <a:endParaRPr lang="en-US"/>
           </a:p>
@@ -1190,7 +1190,7 @@
           <a:p>
             <a:fld id="{21909CF5-E46D-4147-B02D-F6AFF6E4269E}" type="datetimeFigureOut">
               <a:rPr lang="en-US" smtClean="0"/>
-              <a:t>2/4/2022</a:t>
+              <a:t>2/11/2022</a:t>
             </a:fld>
             <a:endParaRPr lang="en-US"/>
           </a:p>
@@ -1388,7 +1388,7 @@
           <a:p>
             <a:fld id="{21909CF5-E46D-4147-B02D-F6AFF6E4269E}" type="datetimeFigureOut">
               <a:rPr lang="en-US" smtClean="0"/>
-              <a:t>2/4/2022</a:t>
+              <a:t>2/11/2022</a:t>
             </a:fld>
             <a:endParaRPr lang="en-US"/>
           </a:p>
@@ -1663,7 +1663,7 @@
           <a:p>
             <a:fld id="{21909CF5-E46D-4147-B02D-F6AFF6E4269E}" type="datetimeFigureOut">
               <a:rPr lang="en-US" smtClean="0"/>
-              <a:t>2/4/2022</a:t>
+              <a:t>2/11/2022</a:t>
             </a:fld>
             <a:endParaRPr lang="en-US"/>
           </a:p>
@@ -1928,7 +1928,7 @@
           <a:p>
             <a:fld id="{21909CF5-E46D-4147-B02D-F6AFF6E4269E}" type="datetimeFigureOut">
               <a:rPr lang="en-US" smtClean="0"/>
-              <a:t>2/4/2022</a:t>
+              <a:t>2/11/2022</a:t>
             </a:fld>
             <a:endParaRPr lang="en-US"/>
           </a:p>
@@ -2340,7 +2340,7 @@
           <a:p>
             <a:fld id="{21909CF5-E46D-4147-B02D-F6AFF6E4269E}" type="datetimeFigureOut">
               <a:rPr lang="en-US" smtClean="0"/>
-              <a:t>2/4/2022</a:t>
+              <a:t>2/11/2022</a:t>
             </a:fld>
             <a:endParaRPr lang="en-US"/>
           </a:p>
@@ -2481,7 +2481,7 @@
           <a:p>
             <a:fld id="{21909CF5-E46D-4147-B02D-F6AFF6E4269E}" type="datetimeFigureOut">
               <a:rPr lang="en-US" smtClean="0"/>
-              <a:t>2/4/2022</a:t>
+              <a:t>2/11/2022</a:t>
             </a:fld>
             <a:endParaRPr lang="en-US"/>
           </a:p>
@@ -2594,7 +2594,7 @@
           <a:p>
             <a:fld id="{21909CF5-E46D-4147-B02D-F6AFF6E4269E}" type="datetimeFigureOut">
               <a:rPr lang="en-US" smtClean="0"/>
-              <a:t>2/4/2022</a:t>
+              <a:t>2/11/2022</a:t>
             </a:fld>
             <a:endParaRPr lang="en-US"/>
           </a:p>
@@ -2905,7 +2905,7 @@
           <a:p>
             <a:fld id="{21909CF5-E46D-4147-B02D-F6AFF6E4269E}" type="datetimeFigureOut">
               <a:rPr lang="en-US" smtClean="0"/>
-              <a:t>2/4/2022</a:t>
+              <a:t>2/11/2022</a:t>
             </a:fld>
             <a:endParaRPr lang="en-US"/>
           </a:p>
@@ -3193,7 +3193,7 @@
           <a:p>
             <a:fld id="{21909CF5-E46D-4147-B02D-F6AFF6E4269E}" type="datetimeFigureOut">
               <a:rPr lang="en-US" smtClean="0"/>
-              <a:t>2/4/2022</a:t>
+              <a:t>2/11/2022</a:t>
             </a:fld>
             <a:endParaRPr lang="en-US"/>
           </a:p>
@@ -3434,7 +3434,7 @@
           <a:p>
             <a:fld id="{21909CF5-E46D-4147-B02D-F6AFF6E4269E}" type="datetimeFigureOut">
               <a:rPr lang="en-US" smtClean="0"/>
-              <a:t>2/4/2022</a:t>
+              <a:t>2/11/2022</a:t>
             </a:fld>
             <a:endParaRPr lang="en-US"/>
           </a:p>
@@ -11283,7 +11283,7 @@
         <p:spPr>
           <a:xfrm>
             <a:off x="931642" y="3366556"/>
-            <a:ext cx="3185969" cy="1176496"/>
+            <a:ext cx="3161191" cy="726315"/>
           </a:xfrm>
           <a:prstGeom prst="line">
             <a:avLst/>
@@ -11316,13 +11316,14 @@
           </p:cNvPr>
           <p:cNvCxnSpPr>
             <a:cxnSpLocks/>
+            <a:endCxn id="220" idx="2"/>
           </p:cNvCxnSpPr>
           <p:nvPr/>
         </p:nvCxnSpPr>
         <p:spPr>
           <a:xfrm>
             <a:off x="914251" y="3818804"/>
-            <a:ext cx="3178582" cy="1174901"/>
+            <a:ext cx="3037237" cy="725662"/>
           </a:xfrm>
           <a:prstGeom prst="line">
             <a:avLst/>
@@ -11366,8 +11367,8 @@
         </p:nvCxnSpPr>
         <p:spPr>
           <a:xfrm flipV="1">
-            <a:off x="2741716" y="4543605"/>
-            <a:ext cx="1375896" cy="1074245"/>
+            <a:off x="2274703" y="4085987"/>
+            <a:ext cx="1818130" cy="1524354"/>
           </a:xfrm>
           <a:prstGeom prst="line">
             <a:avLst/>
@@ -11400,13 +11401,14 @@
           </p:cNvPr>
           <p:cNvCxnSpPr>
             <a:cxnSpLocks/>
+            <a:endCxn id="219" idx="1"/>
           </p:cNvCxnSpPr>
           <p:nvPr/>
         </p:nvCxnSpPr>
         <p:spPr>
           <a:xfrm flipV="1">
-            <a:off x="2241718" y="4051271"/>
-            <a:ext cx="1862872" cy="1557268"/>
+            <a:off x="2747241" y="5082895"/>
+            <a:ext cx="1241521" cy="527446"/>
           </a:xfrm>
           <a:prstGeom prst="line">
             <a:avLst/>
@@ -14420,8 +14422,8 @@
         </p:nvCxnSpPr>
         <p:spPr>
           <a:xfrm flipV="1">
-            <a:off x="4094300" y="2996831"/>
-            <a:ext cx="3591383" cy="2002562"/>
+            <a:off x="4074038" y="2996831"/>
+            <a:ext cx="3611645" cy="1559756"/>
           </a:xfrm>
           <a:prstGeom prst="line">
             <a:avLst/>
@@ -14460,13 +14462,14 @@
           </p:cNvPr>
           <p:cNvCxnSpPr>
             <a:cxnSpLocks/>
+            <a:stCxn id="221" idx="6"/>
           </p:cNvCxnSpPr>
           <p:nvPr/>
         </p:nvCxnSpPr>
         <p:spPr>
           <a:xfrm flipV="1">
-            <a:off x="4088173" y="2562334"/>
-            <a:ext cx="3642011" cy="1977852"/>
+            <a:off x="4215435" y="2562335"/>
+            <a:ext cx="3514749" cy="1530536"/>
           </a:xfrm>
           <a:prstGeom prst="line">
             <a:avLst/>
@@ -14499,14 +14502,13 @@
           </p:cNvPr>
           <p:cNvCxnSpPr>
             <a:cxnSpLocks/>
-            <a:stCxn id="221" idx="6"/>
           </p:cNvCxnSpPr>
           <p:nvPr/>
         </p:nvCxnSpPr>
         <p:spPr>
-          <a:xfrm>
-            <a:off x="4215435" y="4092871"/>
-            <a:ext cx="3442410" cy="662651"/>
+          <a:xfrm flipV="1">
+            <a:off x="4074038" y="4755523"/>
+            <a:ext cx="3583807" cy="242180"/>
           </a:xfrm>
           <a:prstGeom prst="line">
             <a:avLst/>
